--- a/product/vkr_pres_for_printing.pptx
+++ b/product/vkr_pres_for_printing.pptx
@@ -5,32 +5,31 @@
     <p:sldMasterId id="2147483648" r:id="rId1"/>
   </p:sldMasterIdLst>
   <p:notesMasterIdLst>
-    <p:notesMasterId r:id="rId25"/>
+    <p:notesMasterId r:id="rId24"/>
   </p:notesMasterIdLst>
   <p:sldIdLst>
     <p:sldId id="256" r:id="rId2"/>
     <p:sldId id="258" r:id="rId3"/>
     <p:sldId id="259" r:id="rId4"/>
-    <p:sldId id="260" r:id="rId5"/>
-    <p:sldId id="289" r:id="rId6"/>
-    <p:sldId id="290" r:id="rId7"/>
-    <p:sldId id="261" r:id="rId8"/>
-    <p:sldId id="282" r:id="rId9"/>
-    <p:sldId id="262" r:id="rId10"/>
-    <p:sldId id="263" r:id="rId11"/>
-    <p:sldId id="264" r:id="rId12"/>
-    <p:sldId id="283" r:id="rId13"/>
-    <p:sldId id="284" r:id="rId14"/>
-    <p:sldId id="285" r:id="rId15"/>
-    <p:sldId id="286" r:id="rId16"/>
-    <p:sldId id="287" r:id="rId17"/>
-    <p:sldId id="288" r:id="rId18"/>
-    <p:sldId id="272" r:id="rId19"/>
-    <p:sldId id="273" r:id="rId20"/>
-    <p:sldId id="302" r:id="rId21"/>
-    <p:sldId id="274" r:id="rId22"/>
-    <p:sldId id="275" r:id="rId23"/>
-    <p:sldId id="276" r:id="rId24"/>
+    <p:sldId id="303" r:id="rId5"/>
+    <p:sldId id="261" r:id="rId6"/>
+    <p:sldId id="282" r:id="rId7"/>
+    <p:sldId id="262" r:id="rId8"/>
+    <p:sldId id="263" r:id="rId9"/>
+    <p:sldId id="264" r:id="rId10"/>
+    <p:sldId id="283" r:id="rId11"/>
+    <p:sldId id="284" r:id="rId12"/>
+    <p:sldId id="285" r:id="rId13"/>
+    <p:sldId id="286" r:id="rId14"/>
+    <p:sldId id="287" r:id="rId15"/>
+    <p:sldId id="288" r:id="rId16"/>
+    <p:sldId id="272" r:id="rId17"/>
+    <p:sldId id="273" r:id="rId18"/>
+    <p:sldId id="302" r:id="rId19"/>
+    <p:sldId id="274" r:id="rId20"/>
+    <p:sldId id="304" r:id="rId21"/>
+    <p:sldId id="275" r:id="rId22"/>
+    <p:sldId id="276" r:id="rId23"/>
   </p:sldIdLst>
   <p:sldSz cx="12192000" cy="6858000"/>
   <p:notesSz cx="6858000" cy="9144000"/>
@@ -474,7 +473,299 @@
 </c:chartSpace>
 </file>
 
+<file path=ppt/charts/chart2.xml><?xml version="1.0" encoding="utf-8"?>
+<c:chartSpace xmlns:c="http://schemas.openxmlformats.org/drawingml/2006/chart" xmlns:a="http://schemas.openxmlformats.org/drawingml/2006/main" xmlns:r="http://schemas.openxmlformats.org/officeDocument/2006/relationships" xmlns:c16r2="http://schemas.microsoft.com/office/drawing/2015/06/chart">
+  <c:date1904 val="0"/>
+  <c:lang val="ru-RU"/>
+  <c:roundedCorners val="0"/>
+  <mc:AlternateContent xmlns:mc="http://schemas.openxmlformats.org/markup-compatibility/2006">
+    <mc:Choice xmlns:c14="http://schemas.microsoft.com/office/drawing/2007/8/2/chart" Requires="c14">
+      <c14:style val="102"/>
+    </mc:Choice>
+    <mc:Fallback>
+      <c:style val="2"/>
+    </mc:Fallback>
+  </mc:AlternateContent>
+  <c:chart>
+    <c:autoTitleDeleted val="1"/>
+    <c:plotArea>
+      <c:layout>
+        <c:manualLayout>
+          <c:layoutTarget val="inner"/>
+          <c:xMode val="edge"/>
+          <c:yMode val="edge"/>
+          <c:x val="9.9944503892160502E-2"/>
+          <c:y val="7.0072724250788157E-2"/>
+          <c:w val="0.87720749948324517"/>
+          <c:h val="0.91484826570431832"/>
+        </c:manualLayout>
+      </c:layout>
+      <c:lineChart>
+        <c:grouping val="standard"/>
+        <c:varyColors val="0"/>
+        <c:ser>
+          <c:idx val="0"/>
+          <c:order val="0"/>
+          <c:spPr>
+            <a:ln w="38100" cap="rnd">
+              <a:solidFill>
+                <a:schemeClr val="accent1"/>
+              </a:solidFill>
+              <a:round/>
+            </a:ln>
+            <a:effectLst/>
+          </c:spPr>
+          <c:marker>
+            <c:symbol val="none"/>
+          </c:marker>
+          <c:val>
+            <c:numRef>
+              <c:f>'Основные параметры'!$B$11:$M$11</c:f>
+              <c:numCache>
+                <c:formatCode>#,##0.00</c:formatCode>
+                <c:ptCount val="12"/>
+                <c:pt idx="0">
+                  <c:v>-94950</c:v>
+                </c:pt>
+                <c:pt idx="1">
+                  <c:v>-50780.160000000003</c:v>
+                </c:pt>
+                <c:pt idx="2">
+                  <c:v>-7056.4800000000032</c:v>
+                </c:pt>
+                <c:pt idx="3">
+                  <c:v>35774.879999999997</c:v>
+                </c:pt>
+                <c:pt idx="4">
+                  <c:v>78606.239999999991</c:v>
+                </c:pt>
+                <c:pt idx="5">
+                  <c:v>120991.43999999999</c:v>
+                </c:pt>
+                <c:pt idx="6">
+                  <c:v>162930.47999999998</c:v>
+                </c:pt>
+                <c:pt idx="7">
+                  <c:v>204869.52</c:v>
+                </c:pt>
+                <c:pt idx="8">
+                  <c:v>246362.4</c:v>
+                </c:pt>
+                <c:pt idx="9">
+                  <c:v>286962.96000000002</c:v>
+                </c:pt>
+                <c:pt idx="10">
+                  <c:v>327117.36000000004</c:v>
+                </c:pt>
+                <c:pt idx="11">
+                  <c:v>366379.44000000006</c:v>
+                </c:pt>
+              </c:numCache>
+            </c:numRef>
+          </c:val>
+          <c:smooth val="0"/>
+          <c:extLst>
+            <c:ext xmlns:c16="http://schemas.microsoft.com/office/drawing/2014/chart" uri="{C3380CC4-5D6E-409C-BE32-E72D297353CC}">
+              <c16:uniqueId val="{00000000-2E07-41B0-B23C-C4A1F6D5FF40}"/>
+            </c:ext>
+          </c:extLst>
+        </c:ser>
+        <c:dLbls>
+          <c:showLegendKey val="0"/>
+          <c:showVal val="0"/>
+          <c:showCatName val="0"/>
+          <c:showSerName val="0"/>
+          <c:showPercent val="0"/>
+          <c:showBubbleSize val="0"/>
+        </c:dLbls>
+        <c:smooth val="0"/>
+        <c:axId val="626696032"/>
+        <c:axId val="464352608"/>
+      </c:lineChart>
+      <c:catAx>
+        <c:axId val="626696032"/>
+        <c:scaling>
+          <c:orientation val="minMax"/>
+        </c:scaling>
+        <c:delete val="0"/>
+        <c:axPos val="b"/>
+        <c:numFmt formatCode="General" sourceLinked="1"/>
+        <c:majorTickMark val="out"/>
+        <c:minorTickMark val="none"/>
+        <c:tickLblPos val="nextTo"/>
+        <c:spPr>
+          <a:noFill/>
+          <a:ln w="9525" cap="flat" cmpd="sng" algn="ctr">
+            <a:solidFill>
+              <a:schemeClr val="tx1">
+                <a:lumMod val="15000"/>
+                <a:lumOff val="85000"/>
+              </a:schemeClr>
+            </a:solidFill>
+            <a:round/>
+          </a:ln>
+          <a:effectLst/>
+        </c:spPr>
+        <c:txPr>
+          <a:bodyPr rot="-60000000" spcFirstLastPara="1" vertOverflow="ellipsis" vert="horz" wrap="square" anchor="ctr" anchorCtr="1"/>
+          <a:lstStyle/>
+          <a:p>
+            <a:pPr>
+              <a:defRPr sz="1400" b="0" i="0" u="none" strike="noStrike" kern="1200" baseline="0">
+                <a:solidFill>
+                  <a:schemeClr val="tx1">
+                    <a:lumMod val="65000"/>
+                    <a:lumOff val="35000"/>
+                  </a:schemeClr>
+                </a:solidFill>
+                <a:latin typeface="+mn-lt"/>
+                <a:ea typeface="+mn-ea"/>
+                <a:cs typeface="+mn-cs"/>
+              </a:defRPr>
+            </a:pPr>
+            <a:endParaRPr lang="ru-RU"/>
+          </a:p>
+        </c:txPr>
+        <c:crossAx val="464352608"/>
+        <c:crosses val="autoZero"/>
+        <c:auto val="1"/>
+        <c:lblAlgn val="ctr"/>
+        <c:lblOffset val="100"/>
+        <c:noMultiLvlLbl val="0"/>
+      </c:catAx>
+      <c:valAx>
+        <c:axId val="464352608"/>
+        <c:scaling>
+          <c:orientation val="minMax"/>
+        </c:scaling>
+        <c:delete val="0"/>
+        <c:axPos val="l"/>
+        <c:majorGridlines>
+          <c:spPr>
+            <a:ln w="9525" cap="flat" cmpd="sng" algn="ctr">
+              <a:solidFill>
+                <a:schemeClr val="tx1">
+                  <a:lumMod val="15000"/>
+                  <a:lumOff val="85000"/>
+                </a:schemeClr>
+              </a:solidFill>
+              <a:round/>
+            </a:ln>
+            <a:effectLst/>
+          </c:spPr>
+        </c:majorGridlines>
+        <c:numFmt formatCode="#,##0.00" sourceLinked="1"/>
+        <c:majorTickMark val="out"/>
+        <c:minorTickMark val="none"/>
+        <c:tickLblPos val="nextTo"/>
+        <c:spPr>
+          <a:noFill/>
+          <a:ln>
+            <a:noFill/>
+          </a:ln>
+          <a:effectLst/>
+        </c:spPr>
+        <c:txPr>
+          <a:bodyPr rot="-60000000" spcFirstLastPara="1" vertOverflow="ellipsis" vert="horz" wrap="square" anchor="ctr" anchorCtr="1"/>
+          <a:lstStyle/>
+          <a:p>
+            <a:pPr>
+              <a:defRPr sz="1200" b="0" i="0" u="none" strike="noStrike" kern="1200" baseline="0">
+                <a:solidFill>
+                  <a:schemeClr val="tx1">
+                    <a:lumMod val="65000"/>
+                    <a:lumOff val="35000"/>
+                  </a:schemeClr>
+                </a:solidFill>
+                <a:latin typeface="+mn-lt"/>
+                <a:ea typeface="+mn-ea"/>
+                <a:cs typeface="+mn-cs"/>
+              </a:defRPr>
+            </a:pPr>
+            <a:endParaRPr lang="ru-RU"/>
+          </a:p>
+        </c:txPr>
+        <c:crossAx val="626696032"/>
+        <c:crosses val="autoZero"/>
+        <c:crossBetween val="between"/>
+      </c:valAx>
+      <c:spPr>
+        <a:noFill/>
+        <a:ln>
+          <a:noFill/>
+        </a:ln>
+        <a:effectLst/>
+      </c:spPr>
+    </c:plotArea>
+    <c:plotVisOnly val="1"/>
+    <c:dispBlanksAs val="gap"/>
+    <c:showDLblsOverMax val="0"/>
+  </c:chart>
+  <c:spPr>
+    <a:noFill/>
+    <a:ln>
+      <a:noFill/>
+    </a:ln>
+    <a:effectLst/>
+  </c:spPr>
+  <c:txPr>
+    <a:bodyPr/>
+    <a:lstStyle/>
+    <a:p>
+      <a:pPr>
+        <a:defRPr/>
+      </a:pPr>
+      <a:endParaRPr lang="ru-RU"/>
+    </a:p>
+  </c:txPr>
+  <c:externalData r:id="rId3">
+    <c:autoUpdate val="0"/>
+  </c:externalData>
+  <c:userShapes r:id="rId4"/>
+</c:chartSpace>
+</file>
+
 <file path=ppt/charts/colors1.xml><?xml version="1.0" encoding="utf-8"?>
+<cs:colorStyle xmlns:cs="http://schemas.microsoft.com/office/drawing/2012/chartStyle" xmlns:a="http://schemas.openxmlformats.org/drawingml/2006/main" meth="cycle" id="10">
+  <a:schemeClr val="accent1"/>
+  <a:schemeClr val="accent2"/>
+  <a:schemeClr val="accent3"/>
+  <a:schemeClr val="accent4"/>
+  <a:schemeClr val="accent5"/>
+  <a:schemeClr val="accent6"/>
+  <cs:variation/>
+  <cs:variation>
+    <a:lumMod val="60000"/>
+  </cs:variation>
+  <cs:variation>
+    <a:lumMod val="80000"/>
+    <a:lumOff val="20000"/>
+  </cs:variation>
+  <cs:variation>
+    <a:lumMod val="80000"/>
+  </cs:variation>
+  <cs:variation>
+    <a:lumMod val="60000"/>
+    <a:lumOff val="40000"/>
+  </cs:variation>
+  <cs:variation>
+    <a:lumMod val="50000"/>
+  </cs:variation>
+  <cs:variation>
+    <a:lumMod val="70000"/>
+    <a:lumOff val="30000"/>
+  </cs:variation>
+  <cs:variation>
+    <a:lumMod val="70000"/>
+  </cs:variation>
+  <cs:variation>
+    <a:lumMod val="50000"/>
+    <a:lumOff val="50000"/>
+  </cs:variation>
+</cs:colorStyle>
+</file>
+
+<file path=ppt/charts/colors2.xml><?xml version="1.0" encoding="utf-8"?>
 <cs:colorStyle xmlns:cs="http://schemas.microsoft.com/office/drawing/2012/chartStyle" xmlns:a="http://schemas.openxmlformats.org/drawingml/2006/main" meth="cycle" id="10">
   <a:schemeClr val="accent1"/>
   <a:schemeClr val="accent2"/>
@@ -1017,6 +1308,522 @@
 </cs:chartStyle>
 </file>
 
+<file path=ppt/charts/style2.xml><?xml version="1.0" encoding="utf-8"?>
+<cs:chartStyle xmlns:cs="http://schemas.microsoft.com/office/drawing/2012/chartStyle" xmlns:a="http://schemas.openxmlformats.org/drawingml/2006/main" id="227">
+  <cs:axisTitle>
+    <cs:lnRef idx="0"/>
+    <cs:fillRef idx="0"/>
+    <cs:effectRef idx="0"/>
+    <cs:fontRef idx="minor">
+      <a:schemeClr val="tx1">
+        <a:lumMod val="65000"/>
+        <a:lumOff val="35000"/>
+      </a:schemeClr>
+    </cs:fontRef>
+    <cs:defRPr sz="1000" kern="1200"/>
+  </cs:axisTitle>
+  <cs:categoryAxis>
+    <cs:lnRef idx="0"/>
+    <cs:fillRef idx="0"/>
+    <cs:effectRef idx="0"/>
+    <cs:fontRef idx="minor">
+      <a:schemeClr val="tx1">
+        <a:lumMod val="65000"/>
+        <a:lumOff val="35000"/>
+      </a:schemeClr>
+    </cs:fontRef>
+    <cs:spPr>
+      <a:ln w="9525" cap="flat" cmpd="sng" algn="ctr">
+        <a:solidFill>
+          <a:schemeClr val="tx1">
+            <a:lumMod val="15000"/>
+            <a:lumOff val="85000"/>
+          </a:schemeClr>
+        </a:solidFill>
+        <a:round/>
+      </a:ln>
+    </cs:spPr>
+    <cs:defRPr sz="900" kern="1200"/>
+  </cs:categoryAxis>
+  <cs:chartArea mods="allowNoFillOverride allowNoLineOverride">
+    <cs:lnRef idx="0"/>
+    <cs:fillRef idx="0"/>
+    <cs:effectRef idx="0"/>
+    <cs:fontRef idx="minor">
+      <a:schemeClr val="tx1"/>
+    </cs:fontRef>
+    <cs:spPr>
+      <a:solidFill>
+        <a:schemeClr val="bg1"/>
+      </a:solidFill>
+      <a:ln w="9525" cap="flat" cmpd="sng" algn="ctr">
+        <a:solidFill>
+          <a:schemeClr val="tx1">
+            <a:lumMod val="15000"/>
+            <a:lumOff val="85000"/>
+          </a:schemeClr>
+        </a:solidFill>
+        <a:round/>
+      </a:ln>
+    </cs:spPr>
+    <cs:defRPr sz="1000" kern="1200"/>
+  </cs:chartArea>
+  <cs:dataLabel>
+    <cs:lnRef idx="0"/>
+    <cs:fillRef idx="0"/>
+    <cs:effectRef idx="0"/>
+    <cs:fontRef idx="minor">
+      <a:schemeClr val="tx1">
+        <a:lumMod val="75000"/>
+        <a:lumOff val="25000"/>
+      </a:schemeClr>
+    </cs:fontRef>
+    <cs:defRPr sz="900" kern="1200"/>
+  </cs:dataLabel>
+  <cs:dataLabelCallout>
+    <cs:lnRef idx="0"/>
+    <cs:fillRef idx="0"/>
+    <cs:effectRef idx="0"/>
+    <cs:fontRef idx="minor">
+      <a:schemeClr val="dk1">
+        <a:lumMod val="65000"/>
+        <a:lumOff val="35000"/>
+      </a:schemeClr>
+    </cs:fontRef>
+    <cs:spPr>
+      <a:solidFill>
+        <a:schemeClr val="lt1"/>
+      </a:solidFill>
+      <a:ln>
+        <a:solidFill>
+          <a:schemeClr val="dk1">
+            <a:lumMod val="25000"/>
+            <a:lumOff val="75000"/>
+          </a:schemeClr>
+        </a:solidFill>
+      </a:ln>
+    </cs:spPr>
+    <cs:defRPr sz="900" kern="1200"/>
+    <cs:bodyPr rot="0" spcFirstLastPara="1" vertOverflow="clip" horzOverflow="clip" vert="horz" wrap="square" lIns="36576" tIns="18288" rIns="36576" bIns="18288" anchor="ctr" anchorCtr="1">
+      <a:spAutoFit/>
+    </cs:bodyPr>
+  </cs:dataLabelCallout>
+  <cs:dataPoint>
+    <cs:lnRef idx="0"/>
+    <cs:fillRef idx="1">
+      <cs:styleClr val="auto"/>
+    </cs:fillRef>
+    <cs:effectRef idx="0"/>
+    <cs:fontRef idx="minor">
+      <a:schemeClr val="tx1"/>
+    </cs:fontRef>
+    <cs:spPr>
+      <a:solidFill>
+        <a:schemeClr val="phClr"/>
+      </a:solidFill>
+    </cs:spPr>
+  </cs:dataPoint>
+  <cs:dataPoint3D>
+    <cs:lnRef idx="0"/>
+    <cs:fillRef idx="1">
+      <cs:styleClr val="auto"/>
+    </cs:fillRef>
+    <cs:effectRef idx="0"/>
+    <cs:fontRef idx="minor">
+      <a:schemeClr val="tx1"/>
+    </cs:fontRef>
+    <cs:spPr>
+      <a:solidFill>
+        <a:schemeClr val="phClr"/>
+      </a:solidFill>
+    </cs:spPr>
+  </cs:dataPoint3D>
+  <cs:dataPointLine>
+    <cs:lnRef idx="0">
+      <cs:styleClr val="auto"/>
+    </cs:lnRef>
+    <cs:fillRef idx="1"/>
+    <cs:effectRef idx="0"/>
+    <cs:fontRef idx="minor">
+      <a:schemeClr val="tx1"/>
+    </cs:fontRef>
+    <cs:spPr>
+      <a:ln w="28575" cap="rnd">
+        <a:solidFill>
+          <a:schemeClr val="phClr"/>
+        </a:solidFill>
+        <a:round/>
+      </a:ln>
+    </cs:spPr>
+  </cs:dataPointLine>
+  <cs:dataPointMarker>
+    <cs:lnRef idx="0">
+      <cs:styleClr val="auto"/>
+    </cs:lnRef>
+    <cs:fillRef idx="1">
+      <cs:styleClr val="auto"/>
+    </cs:fillRef>
+    <cs:effectRef idx="0"/>
+    <cs:fontRef idx="minor">
+      <a:schemeClr val="tx1"/>
+    </cs:fontRef>
+    <cs:spPr>
+      <a:solidFill>
+        <a:schemeClr val="phClr"/>
+      </a:solidFill>
+      <a:ln w="9525">
+        <a:solidFill>
+          <a:schemeClr val="phClr"/>
+        </a:solidFill>
+      </a:ln>
+    </cs:spPr>
+  </cs:dataPointMarker>
+  <cs:dataPointMarkerLayout symbol="circle" size="5"/>
+  <cs:dataPointWireframe>
+    <cs:lnRef idx="0">
+      <cs:styleClr val="auto"/>
+    </cs:lnRef>
+    <cs:fillRef idx="1"/>
+    <cs:effectRef idx="0"/>
+    <cs:fontRef idx="minor">
+      <a:schemeClr val="tx1"/>
+    </cs:fontRef>
+    <cs:spPr>
+      <a:ln w="9525" cap="rnd">
+        <a:solidFill>
+          <a:schemeClr val="phClr"/>
+        </a:solidFill>
+        <a:round/>
+      </a:ln>
+    </cs:spPr>
+  </cs:dataPointWireframe>
+  <cs:dataTable>
+    <cs:lnRef idx="0"/>
+    <cs:fillRef idx="0"/>
+    <cs:effectRef idx="0"/>
+    <cs:fontRef idx="minor">
+      <a:schemeClr val="tx1">
+        <a:lumMod val="65000"/>
+        <a:lumOff val="35000"/>
+      </a:schemeClr>
+    </cs:fontRef>
+    <cs:spPr>
+      <a:noFill/>
+      <a:ln w="9525" cap="flat" cmpd="sng" algn="ctr">
+        <a:solidFill>
+          <a:schemeClr val="tx1">
+            <a:lumMod val="15000"/>
+            <a:lumOff val="85000"/>
+          </a:schemeClr>
+        </a:solidFill>
+        <a:round/>
+      </a:ln>
+    </cs:spPr>
+    <cs:defRPr sz="900" kern="1200"/>
+  </cs:dataTable>
+  <cs:downBar>
+    <cs:lnRef idx="0"/>
+    <cs:fillRef idx="0"/>
+    <cs:effectRef idx="0"/>
+    <cs:fontRef idx="minor">
+      <a:schemeClr val="dk1"/>
+    </cs:fontRef>
+    <cs:spPr>
+      <a:solidFill>
+        <a:schemeClr val="dk1">
+          <a:lumMod val="65000"/>
+          <a:lumOff val="35000"/>
+        </a:schemeClr>
+      </a:solidFill>
+      <a:ln w="9525">
+        <a:solidFill>
+          <a:schemeClr val="tx1">
+            <a:lumMod val="65000"/>
+            <a:lumOff val="35000"/>
+          </a:schemeClr>
+        </a:solidFill>
+      </a:ln>
+    </cs:spPr>
+  </cs:downBar>
+  <cs:dropLine>
+    <cs:lnRef idx="0"/>
+    <cs:fillRef idx="0"/>
+    <cs:effectRef idx="0"/>
+    <cs:fontRef idx="minor">
+      <a:schemeClr val="tx1"/>
+    </cs:fontRef>
+    <cs:spPr>
+      <a:ln w="9525" cap="flat" cmpd="sng" algn="ctr">
+        <a:solidFill>
+          <a:schemeClr val="tx1">
+            <a:lumMod val="35000"/>
+            <a:lumOff val="65000"/>
+          </a:schemeClr>
+        </a:solidFill>
+        <a:round/>
+      </a:ln>
+    </cs:spPr>
+  </cs:dropLine>
+  <cs:errorBar>
+    <cs:lnRef idx="0"/>
+    <cs:fillRef idx="0"/>
+    <cs:effectRef idx="0"/>
+    <cs:fontRef idx="minor">
+      <a:schemeClr val="tx1"/>
+    </cs:fontRef>
+    <cs:spPr>
+      <a:ln w="9525" cap="flat" cmpd="sng" algn="ctr">
+        <a:solidFill>
+          <a:schemeClr val="tx1">
+            <a:lumMod val="65000"/>
+            <a:lumOff val="35000"/>
+          </a:schemeClr>
+        </a:solidFill>
+        <a:round/>
+      </a:ln>
+    </cs:spPr>
+  </cs:errorBar>
+  <cs:floor>
+    <cs:lnRef idx="0"/>
+    <cs:fillRef idx="0"/>
+    <cs:effectRef idx="0"/>
+    <cs:fontRef idx="minor">
+      <a:schemeClr val="tx1"/>
+    </cs:fontRef>
+    <cs:spPr>
+      <a:noFill/>
+      <a:ln>
+        <a:noFill/>
+      </a:ln>
+    </cs:spPr>
+  </cs:floor>
+  <cs:gridlineMajor>
+    <cs:lnRef idx="0"/>
+    <cs:fillRef idx="0"/>
+    <cs:effectRef idx="0"/>
+    <cs:fontRef idx="minor">
+      <a:schemeClr val="tx1"/>
+    </cs:fontRef>
+    <cs:spPr>
+      <a:ln w="9525" cap="flat" cmpd="sng" algn="ctr">
+        <a:solidFill>
+          <a:schemeClr val="tx1">
+            <a:lumMod val="15000"/>
+            <a:lumOff val="85000"/>
+          </a:schemeClr>
+        </a:solidFill>
+        <a:round/>
+      </a:ln>
+    </cs:spPr>
+  </cs:gridlineMajor>
+  <cs:gridlineMinor>
+    <cs:lnRef idx="0"/>
+    <cs:fillRef idx="0"/>
+    <cs:effectRef idx="0"/>
+    <cs:fontRef idx="minor">
+      <a:schemeClr val="tx1"/>
+    </cs:fontRef>
+    <cs:spPr>
+      <a:ln w="9525" cap="flat" cmpd="sng" algn="ctr">
+        <a:solidFill>
+          <a:schemeClr val="tx1">
+            <a:lumMod val="5000"/>
+            <a:lumOff val="95000"/>
+          </a:schemeClr>
+        </a:solidFill>
+        <a:round/>
+      </a:ln>
+    </cs:spPr>
+  </cs:gridlineMinor>
+  <cs:hiLoLine>
+    <cs:lnRef idx="0"/>
+    <cs:fillRef idx="0"/>
+    <cs:effectRef idx="0"/>
+    <cs:fontRef idx="minor">
+      <a:schemeClr val="tx1"/>
+    </cs:fontRef>
+    <cs:spPr>
+      <a:ln w="9525" cap="flat" cmpd="sng" algn="ctr">
+        <a:solidFill>
+          <a:schemeClr val="tx1">
+            <a:lumMod val="75000"/>
+            <a:lumOff val="25000"/>
+          </a:schemeClr>
+        </a:solidFill>
+        <a:round/>
+      </a:ln>
+    </cs:spPr>
+  </cs:hiLoLine>
+  <cs:leaderLine>
+    <cs:lnRef idx="0"/>
+    <cs:fillRef idx="0"/>
+    <cs:effectRef idx="0"/>
+    <cs:fontRef idx="minor">
+      <a:schemeClr val="tx1"/>
+    </cs:fontRef>
+    <cs:spPr>
+      <a:ln w="9525" cap="flat" cmpd="sng" algn="ctr">
+        <a:solidFill>
+          <a:schemeClr val="tx1">
+            <a:lumMod val="35000"/>
+            <a:lumOff val="65000"/>
+          </a:schemeClr>
+        </a:solidFill>
+        <a:round/>
+      </a:ln>
+    </cs:spPr>
+  </cs:leaderLine>
+  <cs:legend>
+    <cs:lnRef idx="0"/>
+    <cs:fillRef idx="0"/>
+    <cs:effectRef idx="0"/>
+    <cs:fontRef idx="minor">
+      <a:schemeClr val="tx1">
+        <a:lumMod val="65000"/>
+        <a:lumOff val="35000"/>
+      </a:schemeClr>
+    </cs:fontRef>
+    <cs:defRPr sz="900" kern="1200"/>
+  </cs:legend>
+  <cs:plotArea mods="allowNoFillOverride allowNoLineOverride">
+    <cs:lnRef idx="0"/>
+    <cs:fillRef idx="0"/>
+    <cs:effectRef idx="0"/>
+    <cs:fontRef idx="minor">
+      <a:schemeClr val="tx1"/>
+    </cs:fontRef>
+  </cs:plotArea>
+  <cs:plotArea3D mods="allowNoFillOverride allowNoLineOverride">
+    <cs:lnRef idx="0"/>
+    <cs:fillRef idx="0"/>
+    <cs:effectRef idx="0"/>
+    <cs:fontRef idx="minor">
+      <a:schemeClr val="tx1"/>
+    </cs:fontRef>
+  </cs:plotArea3D>
+  <cs:seriesAxis>
+    <cs:lnRef idx="0"/>
+    <cs:fillRef idx="0"/>
+    <cs:effectRef idx="0"/>
+    <cs:fontRef idx="minor">
+      <a:schemeClr val="tx1">
+        <a:lumMod val="65000"/>
+        <a:lumOff val="35000"/>
+      </a:schemeClr>
+    </cs:fontRef>
+    <cs:defRPr sz="900" kern="1200"/>
+  </cs:seriesAxis>
+  <cs:seriesLine>
+    <cs:lnRef idx="0"/>
+    <cs:fillRef idx="0"/>
+    <cs:effectRef idx="0"/>
+    <cs:fontRef idx="minor">
+      <a:schemeClr val="tx1"/>
+    </cs:fontRef>
+    <cs:spPr>
+      <a:ln w="9525" cap="flat" cmpd="sng" algn="ctr">
+        <a:solidFill>
+          <a:schemeClr val="tx1">
+            <a:lumMod val="35000"/>
+            <a:lumOff val="65000"/>
+          </a:schemeClr>
+        </a:solidFill>
+        <a:round/>
+      </a:ln>
+    </cs:spPr>
+  </cs:seriesLine>
+  <cs:title>
+    <cs:lnRef idx="0"/>
+    <cs:fillRef idx="0"/>
+    <cs:effectRef idx="0"/>
+    <cs:fontRef idx="minor">
+      <a:schemeClr val="tx1">
+        <a:lumMod val="65000"/>
+        <a:lumOff val="35000"/>
+      </a:schemeClr>
+    </cs:fontRef>
+    <cs:defRPr sz="1400" b="0" kern="1200" spc="0" baseline="0"/>
+  </cs:title>
+  <cs:trendline>
+    <cs:lnRef idx="0">
+      <cs:styleClr val="auto"/>
+    </cs:lnRef>
+    <cs:fillRef idx="0"/>
+    <cs:effectRef idx="0"/>
+    <cs:fontRef idx="minor">
+      <a:schemeClr val="tx1"/>
+    </cs:fontRef>
+    <cs:spPr>
+      <a:ln w="19050" cap="rnd">
+        <a:solidFill>
+          <a:schemeClr val="phClr"/>
+        </a:solidFill>
+        <a:prstDash val="sysDot"/>
+      </a:ln>
+    </cs:spPr>
+  </cs:trendline>
+  <cs:trendlineLabel>
+    <cs:lnRef idx="0"/>
+    <cs:fillRef idx="0"/>
+    <cs:effectRef idx="0"/>
+    <cs:fontRef idx="minor">
+      <a:schemeClr val="tx1">
+        <a:lumMod val="65000"/>
+        <a:lumOff val="35000"/>
+      </a:schemeClr>
+    </cs:fontRef>
+    <cs:defRPr sz="900" kern="1200"/>
+  </cs:trendlineLabel>
+  <cs:upBar>
+    <cs:lnRef idx="0"/>
+    <cs:fillRef idx="0"/>
+    <cs:effectRef idx="0"/>
+    <cs:fontRef idx="minor">
+      <a:schemeClr val="dk1"/>
+    </cs:fontRef>
+    <cs:spPr>
+      <a:solidFill>
+        <a:schemeClr val="lt1"/>
+      </a:solidFill>
+      <a:ln w="9525">
+        <a:solidFill>
+          <a:schemeClr val="tx1">
+            <a:lumMod val="15000"/>
+            <a:lumOff val="85000"/>
+          </a:schemeClr>
+        </a:solidFill>
+      </a:ln>
+    </cs:spPr>
+  </cs:upBar>
+  <cs:valueAxis>
+    <cs:lnRef idx="0"/>
+    <cs:fillRef idx="0"/>
+    <cs:effectRef idx="0"/>
+    <cs:fontRef idx="minor">
+      <a:schemeClr val="tx1">
+        <a:lumMod val="65000"/>
+        <a:lumOff val="35000"/>
+      </a:schemeClr>
+    </cs:fontRef>
+    <cs:defRPr sz="900" kern="1200"/>
+  </cs:valueAxis>
+  <cs:wall>
+    <cs:lnRef idx="0"/>
+    <cs:fillRef idx="0"/>
+    <cs:effectRef idx="0"/>
+    <cs:fontRef idx="minor">
+      <a:schemeClr val="tx1"/>
+    </cs:fontRef>
+    <cs:spPr>
+      <a:noFill/>
+      <a:ln>
+        <a:noFill/>
+      </a:ln>
+    </cs:spPr>
+  </cs:wall>
+</cs:chartStyle>
+</file>
+
 <file path=ppt/comments/comment1.xml><?xml version="1.0" encoding="utf-8"?>
 <p:cmLst xmlns:a="http://schemas.openxmlformats.org/drawingml/2006/main" xmlns:r="http://schemas.openxmlformats.org/officeDocument/2006/relationships" xmlns:p="http://schemas.openxmlformats.org/presentationml/2006/main">
   <p:cm authorId="1" dt="2024-06-11T17:59:40.678" idx="1">
@@ -1044,6 +1851,89 @@
     </p:extLst>
   </p:cm>
 </p:cmLst>
+</file>
+
+<file path=ppt/drawings/drawing1.xml><?xml version="1.0" encoding="utf-8"?>
+<c:userShapes xmlns:c="http://schemas.openxmlformats.org/drawingml/2006/chart">
+  <cdr:relSizeAnchor xmlns:cdr="http://schemas.openxmlformats.org/drawingml/2006/chartDrawing">
+    <cdr:from>
+      <cdr:x>0.10157</cdr:x>
+      <cdr:y>0.44877</cdr:y>
+    </cdr:from>
+    <cdr:to>
+      <cdr:x>0.40261</cdr:x>
+      <cdr:y>0.61882</cdr:y>
+    </cdr:to>
+    <cdr:sp macro="" textlink="">
+      <cdr:nvSpPr>
+        <cdr:cNvPr id="3" name="TextBox 2"/>
+        <cdr:cNvSpPr txBox="1"/>
+      </cdr:nvSpPr>
+      <cdr:spPr>
+        <a:xfrm xmlns:a="http://schemas.openxmlformats.org/drawingml/2006/main">
+          <a:off x="850038" y="2250401"/>
+          <a:ext cx="2519327" cy="852733"/>
+        </a:xfrm>
+        <a:prstGeom xmlns:a="http://schemas.openxmlformats.org/drawingml/2006/main" prst="rect">
+          <a:avLst/>
+        </a:prstGeom>
+      </cdr:spPr>
+      <cdr:txBody>
+        <a:bodyPr xmlns:a="http://schemas.openxmlformats.org/drawingml/2006/main" vertOverflow="clip" wrap="square" rtlCol="0"/>
+        <a:lstStyle xmlns:a="http://schemas.openxmlformats.org/drawingml/2006/main"/>
+        <a:p xmlns:a="http://schemas.openxmlformats.org/drawingml/2006/main">
+          <a:pPr algn="ctr"/>
+          <a:r>
+            <a:rPr lang="ru-RU" sz="2000" dirty="0"/>
+            <a:t>Срок окупаемости 2.16 мес.</a:t>
+          </a:r>
+        </a:p>
+      </cdr:txBody>
+    </cdr:sp>
+  </cdr:relSizeAnchor>
+  <cdr:relSizeAnchor xmlns:cdr="http://schemas.openxmlformats.org/drawingml/2006/chartDrawing">
+    <cdr:from>
+      <cdr:x>0.26257</cdr:x>
+      <cdr:y>0.61418</cdr:y>
+    </cdr:from>
+    <cdr:to>
+      <cdr:x>0.29056</cdr:x>
+      <cdr:y>0.67922</cdr:y>
+    </cdr:to>
+    <cdr:cxnSp macro="">
+      <cdr:nvCxnSpPr>
+        <cdr:cNvPr id="5" name="Прямая соединительная линия 4"/>
+        <cdr:cNvCxnSpPr/>
+      </cdr:nvCxnSpPr>
+      <cdr:spPr>
+        <a:xfrm xmlns:a="http://schemas.openxmlformats.org/drawingml/2006/main" flipH="1" flipV="1">
+          <a:off x="2773013" y="3473555"/>
+          <a:ext cx="295604" cy="367863"/>
+        </a:xfrm>
+        <a:prstGeom xmlns:a="http://schemas.openxmlformats.org/drawingml/2006/main" prst="line">
+          <a:avLst/>
+        </a:prstGeom>
+        <a:ln xmlns:a="http://schemas.openxmlformats.org/drawingml/2006/main" w="9525">
+          <a:prstDash val="sysDash"/>
+        </a:ln>
+      </cdr:spPr>
+      <cdr:style>
+        <a:lnRef xmlns:a="http://schemas.openxmlformats.org/drawingml/2006/main" idx="1">
+          <a:schemeClr val="dk1"/>
+        </a:lnRef>
+        <a:fillRef xmlns:a="http://schemas.openxmlformats.org/drawingml/2006/main" idx="0">
+          <a:schemeClr val="dk1"/>
+        </a:fillRef>
+        <a:effectRef xmlns:a="http://schemas.openxmlformats.org/drawingml/2006/main" idx="0">
+          <a:schemeClr val="dk1"/>
+        </a:effectRef>
+        <a:fontRef xmlns:a="http://schemas.openxmlformats.org/drawingml/2006/main" idx="minor">
+          <a:schemeClr val="tx1"/>
+        </a:fontRef>
+      </cdr:style>
+    </cdr:cxnSp>
+  </cdr:relSizeAnchor>
+</c:userShapes>
 </file>
 
 <file path=ppt/notesMasters/notesMaster1.xml><?xml version="1.0" encoding="utf-8"?>
@@ -1128,7 +2018,7 @@
           <a:p>
             <a:fld id="{2B4BF175-70FA-4AEE-AB33-23E4CA15633A}" type="datetimeFigureOut">
               <a:rPr lang="ru-RU" smtClean="0"/>
-              <a:t>14.06.2024</a:t>
+              <a:t>15.06.2024</a:t>
             </a:fld>
             <a:endParaRPr lang="ru-RU"/>
           </a:p>
@@ -1542,7 +2432,7 @@
           <a:p>
             <a:fld id="{98A72AB2-A966-4E52-98F1-ECA2B1AE7594}" type="datetime1">
               <a:rPr lang="ru-RU" smtClean="0"/>
-              <a:t>14.06.2024</a:t>
+              <a:t>15.06.2024</a:t>
             </a:fld>
             <a:endParaRPr lang="ru-RU"/>
           </a:p>
@@ -1740,7 +2630,7 @@
           <a:p>
             <a:fld id="{A63EFB04-33DA-4104-B439-4944D8923386}" type="datetime1">
               <a:rPr lang="ru-RU" smtClean="0"/>
-              <a:t>14.06.2024</a:t>
+              <a:t>15.06.2024</a:t>
             </a:fld>
             <a:endParaRPr lang="ru-RU"/>
           </a:p>
@@ -1948,7 +2838,7 @@
           <a:p>
             <a:fld id="{91854D42-6309-4358-91BA-A1E5A62203E9}" type="datetime1">
               <a:rPr lang="ru-RU" smtClean="0"/>
-              <a:t>14.06.2024</a:t>
+              <a:t>15.06.2024</a:t>
             </a:fld>
             <a:endParaRPr lang="ru-RU"/>
           </a:p>
@@ -2146,7 +3036,7 @@
           <a:p>
             <a:fld id="{C73682AE-DD03-48DA-8EDD-251D3EBB38B0}" type="datetime1">
               <a:rPr lang="ru-RU" smtClean="0"/>
-              <a:t>14.06.2024</a:t>
+              <a:t>15.06.2024</a:t>
             </a:fld>
             <a:endParaRPr lang="ru-RU"/>
           </a:p>
@@ -2421,7 +3311,7 @@
           <a:p>
             <a:fld id="{E7C9925F-EF06-4510-9A4A-0F599697C0C7}" type="datetime1">
               <a:rPr lang="ru-RU" smtClean="0"/>
-              <a:t>14.06.2024</a:t>
+              <a:t>15.06.2024</a:t>
             </a:fld>
             <a:endParaRPr lang="ru-RU"/>
           </a:p>
@@ -2686,7 +3576,7 @@
           <a:p>
             <a:fld id="{6D9D33FF-554F-4B07-9D85-3429FF64560F}" type="datetime1">
               <a:rPr lang="ru-RU" smtClean="0"/>
-              <a:t>14.06.2024</a:t>
+              <a:t>15.06.2024</a:t>
             </a:fld>
             <a:endParaRPr lang="ru-RU"/>
           </a:p>
@@ -3098,7 +3988,7 @@
           <a:p>
             <a:fld id="{010A0FBA-D2D6-406E-B902-20707CDA8560}" type="datetime1">
               <a:rPr lang="ru-RU" smtClean="0"/>
-              <a:t>14.06.2024</a:t>
+              <a:t>15.06.2024</a:t>
             </a:fld>
             <a:endParaRPr lang="ru-RU"/>
           </a:p>
@@ -3239,7 +4129,7 @@
           <a:p>
             <a:fld id="{42809068-0602-4EB2-8C99-3D5AD5F368EE}" type="datetime1">
               <a:rPr lang="ru-RU" smtClean="0"/>
-              <a:t>14.06.2024</a:t>
+              <a:t>15.06.2024</a:t>
             </a:fld>
             <a:endParaRPr lang="ru-RU"/>
           </a:p>
@@ -3352,7 +4242,7 @@
           <a:p>
             <a:fld id="{144A6F42-6AC4-4BBE-8270-69B461CB4ECB}" type="datetime1">
               <a:rPr lang="ru-RU" smtClean="0"/>
-              <a:t>14.06.2024</a:t>
+              <a:t>15.06.2024</a:t>
             </a:fld>
             <a:endParaRPr lang="ru-RU"/>
           </a:p>
@@ -3663,7 +4553,7 @@
           <a:p>
             <a:fld id="{4D9DE369-B54F-4785-81AA-73E9A4718453}" type="datetime1">
               <a:rPr lang="ru-RU" smtClean="0"/>
-              <a:t>14.06.2024</a:t>
+              <a:t>15.06.2024</a:t>
             </a:fld>
             <a:endParaRPr lang="ru-RU"/>
           </a:p>
@@ -3951,7 +4841,7 @@
           <a:p>
             <a:fld id="{5AF97715-465D-424E-8A31-06230936E6BB}" type="datetime1">
               <a:rPr lang="ru-RU" smtClean="0"/>
-              <a:t>14.06.2024</a:t>
+              <a:t>15.06.2024</a:t>
             </a:fld>
             <a:endParaRPr lang="ru-RU"/>
           </a:p>
@@ -4192,7 +5082,7 @@
           <a:p>
             <a:fld id="{01D6F181-79AA-46A5-A336-F3B94E3AA79F}" type="datetime1">
               <a:rPr lang="ru-RU" smtClean="0"/>
-              <a:t>14.06.2024</a:t>
+              <a:t>15.06.2024</a:t>
             </a:fld>
             <a:endParaRPr lang="ru-RU"/>
           </a:p>
@@ -4995,1545 +5885,6 @@
       </p:grpSpPr>
       <p:sp>
         <p:nvSpPr>
-          <p:cNvPr id="2" name="Заголовок 1">
-            <a:extLst>
-              <a:ext uri="{FF2B5EF4-FFF2-40B4-BE49-F238E27FC236}">
-                <a16:creationId xmlns:a16="http://schemas.microsoft.com/office/drawing/2014/main" id="{2B0F988E-2290-4A06-BE99-31499E2736FB}"/>
-              </a:ext>
-            </a:extLst>
-          </p:cNvPr>
-          <p:cNvSpPr>
-            <a:spLocks noGrp="1"/>
-          </p:cNvSpPr>
-          <p:nvPr>
-            <p:ph type="title"/>
-          </p:nvPr>
-        </p:nvSpPr>
-        <p:spPr/>
-        <p:txBody>
-          <a:bodyPr>
-            <a:normAutofit/>
-          </a:bodyPr>
-          <a:lstStyle/>
-          <a:p>
-            <a:r>
-              <a:rPr lang="ru-RU" sz="4000" cap="none" dirty="0">
-                <a:latin typeface="+mn-lt"/>
-                <a:ea typeface="+mn-ea"/>
-                <a:cs typeface="+mn-cs"/>
-              </a:rPr>
-              <a:t>Информационно-логическая модель данных</a:t>
-            </a:r>
-          </a:p>
-        </p:txBody>
-      </p:sp>
-      <p:sp>
-        <p:nvSpPr>
-          <p:cNvPr id="4" name="Номер слайда 3">
-            <a:extLst>
-              <a:ext uri="{FF2B5EF4-FFF2-40B4-BE49-F238E27FC236}">
-                <a16:creationId xmlns:a16="http://schemas.microsoft.com/office/drawing/2014/main" id="{CC74474D-A2F8-4421-B613-B1D2D6DD3707}"/>
-              </a:ext>
-            </a:extLst>
-          </p:cNvPr>
-          <p:cNvSpPr>
-            <a:spLocks noGrp="1"/>
-          </p:cNvSpPr>
-          <p:nvPr>
-            <p:ph type="sldNum" sz="quarter" idx="12"/>
-          </p:nvPr>
-        </p:nvSpPr>
-        <p:spPr/>
-        <p:txBody>
-          <a:bodyPr/>
-          <a:lstStyle/>
-          <a:p>
-            <a:r>
-              <a:rPr lang="ru-RU" dirty="0" smtClean="0"/>
-              <a:t>10</a:t>
-            </a:r>
-            <a:endParaRPr lang="ru-RU" dirty="0"/>
-          </a:p>
-        </p:txBody>
-      </p:sp>
-      <p:pic>
-        <p:nvPicPr>
-          <p:cNvPr id="3" name="Рисунок 2"/>
-          <p:cNvPicPr>
-            <a:picLocks noChangeAspect="1"/>
-          </p:cNvPicPr>
-          <p:nvPr/>
-        </p:nvPicPr>
-        <p:blipFill>
-          <a:blip r:embed="rId2">
-            <a:extLst>
-              <a:ext uri="{28A0092B-C50C-407E-A947-70E740481C1C}">
-                <a14:useLocalDpi xmlns:a14="http://schemas.microsoft.com/office/drawing/2010/main" val="0"/>
-              </a:ext>
-            </a:extLst>
-          </a:blip>
-          <a:stretch>
-            <a:fillRect/>
-          </a:stretch>
-        </p:blipFill>
-        <p:spPr>
-          <a:xfrm>
-            <a:off x="8078522" y="1469054"/>
-            <a:ext cx="1414931" cy="1628358"/>
-          </a:xfrm>
-          <a:prstGeom prst="rect">
-            <a:avLst/>
-          </a:prstGeom>
-        </p:spPr>
-      </p:pic>
-      <p:pic>
-        <p:nvPicPr>
-          <p:cNvPr id="6" name="Рисунок 5"/>
-          <p:cNvPicPr>
-            <a:picLocks noChangeAspect="1"/>
-          </p:cNvPicPr>
-          <p:nvPr/>
-        </p:nvPicPr>
-        <p:blipFill>
-          <a:blip r:embed="rId3">
-            <a:extLst>
-              <a:ext uri="{28A0092B-C50C-407E-A947-70E740481C1C}">
-                <a14:useLocalDpi xmlns:a14="http://schemas.microsoft.com/office/drawing/2010/main" val="0"/>
-              </a:ext>
-            </a:extLst>
-          </a:blip>
-          <a:stretch>
-            <a:fillRect/>
-          </a:stretch>
-        </p:blipFill>
-        <p:spPr>
-          <a:xfrm>
-            <a:off x="7778029" y="3466543"/>
-            <a:ext cx="1412738" cy="1412738"/>
-          </a:xfrm>
-          <a:prstGeom prst="rect">
-            <a:avLst/>
-          </a:prstGeom>
-        </p:spPr>
-      </p:pic>
-      <p:pic>
-        <p:nvPicPr>
-          <p:cNvPr id="7" name="Рисунок 6"/>
-          <p:cNvPicPr>
-            <a:picLocks noChangeAspect="1"/>
-          </p:cNvPicPr>
-          <p:nvPr/>
-        </p:nvPicPr>
-        <p:blipFill>
-          <a:blip r:embed="rId4">
-            <a:extLst>
-              <a:ext uri="{28A0092B-C50C-407E-A947-70E740481C1C}">
-                <a14:useLocalDpi xmlns:a14="http://schemas.microsoft.com/office/drawing/2010/main" val="0"/>
-              </a:ext>
-            </a:extLst>
-          </a:blip>
-          <a:stretch>
-            <a:fillRect/>
-          </a:stretch>
-        </p:blipFill>
-        <p:spPr>
-          <a:xfrm>
-            <a:off x="5755836" y="1469054"/>
-            <a:ext cx="1425806" cy="1628358"/>
-          </a:xfrm>
-          <a:prstGeom prst="rect">
-            <a:avLst/>
-          </a:prstGeom>
-        </p:spPr>
-      </p:pic>
-      <p:pic>
-        <p:nvPicPr>
-          <p:cNvPr id="8" name="Рисунок 7"/>
-          <p:cNvPicPr>
-            <a:picLocks noChangeAspect="1"/>
-          </p:cNvPicPr>
-          <p:nvPr/>
-        </p:nvPicPr>
-        <p:blipFill>
-          <a:blip r:embed="rId5">
-            <a:extLst>
-              <a:ext uri="{28A0092B-C50C-407E-A947-70E740481C1C}">
-                <a14:useLocalDpi xmlns:a14="http://schemas.microsoft.com/office/drawing/2010/main" val="0"/>
-              </a:ext>
-            </a:extLst>
-          </a:blip>
-          <a:stretch>
-            <a:fillRect/>
-          </a:stretch>
-        </p:blipFill>
-        <p:spPr>
-          <a:xfrm>
-            <a:off x="2093862" y="3466543"/>
-            <a:ext cx="1412738" cy="1412738"/>
-          </a:xfrm>
-          <a:prstGeom prst="rect">
-            <a:avLst/>
-          </a:prstGeom>
-        </p:spPr>
-      </p:pic>
-      <p:pic>
-        <p:nvPicPr>
-          <p:cNvPr id="9" name="Рисунок 8"/>
-          <p:cNvPicPr>
-            <a:picLocks noChangeAspect="1"/>
-          </p:cNvPicPr>
-          <p:nvPr/>
-        </p:nvPicPr>
-        <p:blipFill>
-          <a:blip r:embed="rId6" cstate="hqprint">
-            <a:extLst>
-              <a:ext uri="{28A0092B-C50C-407E-A947-70E740481C1C}">
-                <a14:useLocalDpi xmlns:a14="http://schemas.microsoft.com/office/drawing/2010/main" val="0"/>
-              </a:ext>
-            </a:extLst>
-          </a:blip>
-          <a:stretch>
-            <a:fillRect/>
-          </a:stretch>
-        </p:blipFill>
-        <p:spPr>
-          <a:xfrm>
-            <a:off x="4010809" y="1471693"/>
-            <a:ext cx="1389257" cy="1623461"/>
-          </a:xfrm>
-          <a:prstGeom prst="rect">
-            <a:avLst/>
-          </a:prstGeom>
-        </p:spPr>
-      </p:pic>
-      <p:pic>
-        <p:nvPicPr>
-          <p:cNvPr id="10" name="Рисунок 9"/>
-          <p:cNvPicPr>
-            <a:picLocks noChangeAspect="1"/>
-          </p:cNvPicPr>
-          <p:nvPr/>
-        </p:nvPicPr>
-        <p:blipFill>
-          <a:blip r:embed="rId7">
-            <a:extLst>
-              <a:ext uri="{28A0092B-C50C-407E-A947-70E740481C1C}">
-                <a14:useLocalDpi xmlns:a14="http://schemas.microsoft.com/office/drawing/2010/main" val="0"/>
-              </a:ext>
-            </a:extLst>
-          </a:blip>
-          <a:stretch>
-            <a:fillRect/>
-          </a:stretch>
-        </p:blipFill>
-        <p:spPr>
-          <a:xfrm>
-            <a:off x="5755836" y="5146586"/>
-            <a:ext cx="1412738" cy="1412738"/>
-          </a:xfrm>
-          <a:prstGeom prst="rect">
-            <a:avLst/>
-          </a:prstGeom>
-        </p:spPr>
-      </p:pic>
-      <p:grpSp>
-        <p:nvGrpSpPr>
-          <p:cNvPr id="54" name="Группа 53"/>
-          <p:cNvGrpSpPr/>
-          <p:nvPr/>
-        </p:nvGrpSpPr>
-        <p:grpSpPr>
-          <a:xfrm>
-            <a:off x="3358236" y="2283424"/>
-            <a:ext cx="839114" cy="1889488"/>
-            <a:chOff x="3358236" y="2283424"/>
-            <a:chExt cx="839114" cy="1889488"/>
-          </a:xfrm>
-        </p:grpSpPr>
-        <p:cxnSp>
-          <p:nvCxnSpPr>
-            <p:cNvPr id="13" name="Соединительная линия уступом 12"/>
-            <p:cNvCxnSpPr>
-              <a:stCxn id="9" idx="1"/>
-              <a:endCxn id="8" idx="3"/>
-            </p:cNvCxnSpPr>
-            <p:nvPr/>
-          </p:nvCxnSpPr>
-          <p:spPr>
-            <a:xfrm rot="10800000" flipV="1">
-              <a:off x="3506601" y="2283424"/>
-              <a:ext cx="504209" cy="1889488"/>
-            </a:xfrm>
-            <a:prstGeom prst="bentConnector3">
-              <a:avLst/>
-            </a:prstGeom>
-            <a:ln w="12700">
-              <a:headEnd type="triangle"/>
-              <a:tailEnd type="triangle" w="med" len="med"/>
-            </a:ln>
-          </p:spPr>
-          <p:style>
-            <a:lnRef idx="1">
-              <a:schemeClr val="dk1"/>
-            </a:lnRef>
-            <a:fillRef idx="0">
-              <a:schemeClr val="dk1"/>
-            </a:fillRef>
-            <a:effectRef idx="0">
-              <a:schemeClr val="dk1"/>
-            </a:effectRef>
-            <a:fontRef idx="minor">
-              <a:schemeClr val="tx1"/>
-            </a:fontRef>
-          </p:style>
-        </p:cxnSp>
-        <p:sp>
-          <p:nvSpPr>
-            <p:cNvPr id="38" name="TextBox 37"/>
-            <p:cNvSpPr txBox="1"/>
-            <p:nvPr/>
-          </p:nvSpPr>
-          <p:spPr>
-            <a:xfrm>
-              <a:off x="3358236" y="3151872"/>
-              <a:ext cx="839114" cy="276999"/>
-            </a:xfrm>
-            <a:prstGeom prst="rect">
-              <a:avLst/>
-            </a:prstGeom>
-            <a:solidFill>
-              <a:schemeClr val="bg1"/>
-            </a:solidFill>
-          </p:spPr>
-          <p:txBody>
-            <a:bodyPr wrap="square" rtlCol="0">
-              <a:spAutoFit/>
-            </a:bodyPr>
-            <a:lstStyle/>
-            <a:p>
-              <a:pPr algn="ctr"/>
-              <a:r>
-                <a:rPr lang="en-US" sz="1200" b="1" dirty="0" err="1"/>
-                <a:t>p</a:t>
-              </a:r>
-              <a:r>
-                <a:rPr lang="en-US" sz="1200" b="1" dirty="0" err="1" smtClean="0"/>
-                <a:t>erson_id</a:t>
-              </a:r>
-              <a:endParaRPr lang="ru-RU" sz="1200" b="1" dirty="0"/>
-            </a:p>
-          </p:txBody>
-        </p:sp>
-      </p:grpSp>
-      <p:grpSp>
-        <p:nvGrpSpPr>
-          <p:cNvPr id="77" name="Группа 76"/>
-          <p:cNvGrpSpPr/>
-          <p:nvPr/>
-        </p:nvGrpSpPr>
-        <p:grpSpPr>
-          <a:xfrm>
-            <a:off x="7063454" y="4287051"/>
-            <a:ext cx="935435" cy="1596600"/>
-            <a:chOff x="7063454" y="4287051"/>
-            <a:chExt cx="935435" cy="1596600"/>
-          </a:xfrm>
-        </p:grpSpPr>
-        <p:cxnSp>
-          <p:nvCxnSpPr>
-            <p:cNvPr id="21" name="Соединительная линия уступом 20"/>
-            <p:cNvCxnSpPr>
-              <a:stCxn id="69" idx="1"/>
-              <a:endCxn id="10" idx="3"/>
-            </p:cNvCxnSpPr>
-            <p:nvPr/>
-          </p:nvCxnSpPr>
-          <p:spPr>
-            <a:xfrm rot="10800000" flipV="1">
-              <a:off x="7168575" y="4287051"/>
-              <a:ext cx="628507" cy="1565903"/>
-            </a:xfrm>
-            <a:prstGeom prst="bentConnector3">
-              <a:avLst>
-                <a:gd name="adj1" fmla="val 50000"/>
-              </a:avLst>
-            </a:prstGeom>
-            <a:ln w="12700">
-              <a:headEnd type="triangle"/>
-              <a:tailEnd type="triangle"/>
-            </a:ln>
-          </p:spPr>
-          <p:style>
-            <a:lnRef idx="1">
-              <a:schemeClr val="dk1"/>
-            </a:lnRef>
-            <a:fillRef idx="0">
-              <a:schemeClr val="dk1"/>
-            </a:fillRef>
-            <a:effectRef idx="0">
-              <a:schemeClr val="dk1"/>
-            </a:effectRef>
-            <a:fontRef idx="minor">
-              <a:schemeClr val="tx1"/>
-            </a:fontRef>
-          </p:style>
-        </p:cxnSp>
-        <p:sp>
-          <p:nvSpPr>
-            <p:cNvPr id="51" name="TextBox 50"/>
-            <p:cNvSpPr txBox="1"/>
-            <p:nvPr/>
-          </p:nvSpPr>
-          <p:spPr>
-            <a:xfrm>
-              <a:off x="7063454" y="4874434"/>
-              <a:ext cx="935435" cy="276999"/>
-            </a:xfrm>
-            <a:prstGeom prst="rect">
-              <a:avLst/>
-            </a:prstGeom>
-            <a:solidFill>
-              <a:schemeClr val="bg1"/>
-            </a:solidFill>
-          </p:spPr>
-          <p:txBody>
-            <a:bodyPr wrap="square" rtlCol="0">
-              <a:spAutoFit/>
-            </a:bodyPr>
-            <a:lstStyle/>
-            <a:p>
-              <a:pPr algn="ctr"/>
-              <a:r>
-                <a:rPr lang="en-US" sz="1200" b="1" dirty="0" err="1" smtClean="0"/>
-                <a:t>contract_id</a:t>
-              </a:r>
-              <a:endParaRPr lang="ru-RU" sz="1200" b="1" dirty="0"/>
-            </a:p>
-          </p:txBody>
-        </p:sp>
-        <p:sp>
-          <p:nvSpPr>
-            <p:cNvPr id="55" name="Равнобедренный треугольник 54"/>
-            <p:cNvSpPr/>
-            <p:nvPr/>
-          </p:nvSpPr>
-          <p:spPr>
-            <a:xfrm rot="16200000">
-              <a:off x="7242998" y="5824276"/>
-              <a:ext cx="61392" cy="57358"/>
-            </a:xfrm>
-            <a:prstGeom prst="triangle">
-              <a:avLst/>
-            </a:prstGeom>
-          </p:spPr>
-          <p:style>
-            <a:lnRef idx="2">
-              <a:schemeClr val="dk1">
-                <a:shade val="50000"/>
-              </a:schemeClr>
-            </a:lnRef>
-            <a:fillRef idx="1">
-              <a:schemeClr val="dk1"/>
-            </a:fillRef>
-            <a:effectRef idx="0">
-              <a:schemeClr val="dk1"/>
-            </a:effectRef>
-            <a:fontRef idx="minor">
-              <a:schemeClr val="lt1"/>
-            </a:fontRef>
-          </p:style>
-          <p:txBody>
-            <a:bodyPr rtlCol="0" anchor="ctr"/>
-            <a:lstStyle/>
-            <a:p>
-              <a:pPr algn="ctr"/>
-              <a:endParaRPr lang="ru-RU"/>
-            </a:p>
-          </p:txBody>
-        </p:sp>
-      </p:grpSp>
-      <p:sp>
-        <p:nvSpPr>
-          <p:cNvPr id="69" name="Прямоугольник 68"/>
-          <p:cNvSpPr/>
-          <p:nvPr/>
-        </p:nvSpPr>
-        <p:spPr>
-          <a:xfrm>
-            <a:off x="7797081" y="3906854"/>
-            <a:ext cx="865909" cy="760396"/>
-          </a:xfrm>
-          <a:prstGeom prst="rect">
-            <a:avLst/>
-          </a:prstGeom>
-          <a:noFill/>
-          <a:ln>
-            <a:noFill/>
-          </a:ln>
-        </p:spPr>
-        <p:style>
-          <a:lnRef idx="2">
-            <a:schemeClr val="accent1">
-              <a:shade val="50000"/>
-            </a:schemeClr>
-          </a:lnRef>
-          <a:fillRef idx="1">
-            <a:schemeClr val="accent1"/>
-          </a:fillRef>
-          <a:effectRef idx="0">
-            <a:schemeClr val="accent1"/>
-          </a:effectRef>
-          <a:fontRef idx="minor">
-            <a:schemeClr val="lt1"/>
-          </a:fontRef>
-        </p:style>
-        <p:txBody>
-          <a:bodyPr rtlCol="0" anchor="ctr"/>
-          <a:lstStyle/>
-          <a:p>
-            <a:pPr algn="ctr"/>
-            <a:endParaRPr lang="ru-RU"/>
-          </a:p>
-        </p:txBody>
-      </p:sp>
-      <p:grpSp>
-        <p:nvGrpSpPr>
-          <p:cNvPr id="76" name="Группа 75"/>
-          <p:cNvGrpSpPr/>
-          <p:nvPr/>
-        </p:nvGrpSpPr>
-        <p:grpSpPr>
-          <a:xfrm>
-            <a:off x="9190767" y="2283233"/>
-            <a:ext cx="1017769" cy="1920375"/>
-            <a:chOff x="9190767" y="2283233"/>
-            <a:chExt cx="1017769" cy="1920375"/>
-          </a:xfrm>
-        </p:grpSpPr>
-        <p:cxnSp>
-          <p:nvCxnSpPr>
-            <p:cNvPr id="19" name="Соединительная линия уступом 18"/>
-            <p:cNvCxnSpPr>
-              <a:stCxn id="3" idx="3"/>
-              <a:endCxn id="6" idx="3"/>
-            </p:cNvCxnSpPr>
-            <p:nvPr/>
-          </p:nvCxnSpPr>
-          <p:spPr>
-            <a:xfrm flipH="1">
-              <a:off x="9190767" y="2283233"/>
-              <a:ext cx="302686" cy="1889679"/>
-            </a:xfrm>
-            <a:prstGeom prst="bentConnector3">
-              <a:avLst>
-                <a:gd name="adj1" fmla="val -75524"/>
-              </a:avLst>
-            </a:prstGeom>
-            <a:ln w="12700">
-              <a:headEnd type="triangle"/>
-              <a:tailEnd type="triangle"/>
-            </a:ln>
-          </p:spPr>
-          <p:style>
-            <a:lnRef idx="1">
-              <a:schemeClr val="dk1"/>
-            </a:lnRef>
-            <a:fillRef idx="0">
-              <a:schemeClr val="dk1"/>
-            </a:fillRef>
-            <a:effectRef idx="0">
-              <a:schemeClr val="dk1"/>
-            </a:effectRef>
-            <a:fontRef idx="minor">
-              <a:schemeClr val="tx1"/>
-            </a:fontRef>
-          </p:style>
-        </p:cxnSp>
-        <p:sp>
-          <p:nvSpPr>
-            <p:cNvPr id="49" name="TextBox 48"/>
-            <p:cNvSpPr txBox="1"/>
-            <p:nvPr/>
-          </p:nvSpPr>
-          <p:spPr>
-            <a:xfrm>
-              <a:off x="9273101" y="3098578"/>
-              <a:ext cx="935435" cy="276999"/>
-            </a:xfrm>
-            <a:prstGeom prst="rect">
-              <a:avLst/>
-            </a:prstGeom>
-            <a:solidFill>
-              <a:schemeClr val="bg1"/>
-            </a:solidFill>
-          </p:spPr>
-          <p:txBody>
-            <a:bodyPr wrap="square" rtlCol="0">
-              <a:spAutoFit/>
-            </a:bodyPr>
-            <a:lstStyle/>
-            <a:p>
-              <a:pPr algn="ctr"/>
-              <a:r>
-                <a:rPr lang="en-US" sz="1200" b="1" dirty="0" err="1" smtClean="0"/>
-                <a:t>contract_id</a:t>
-              </a:r>
-              <a:endParaRPr lang="ru-RU" sz="1200" b="1" dirty="0"/>
-            </a:p>
-          </p:txBody>
-        </p:sp>
-        <p:sp>
-          <p:nvSpPr>
-            <p:cNvPr id="71" name="Равнобедренный треугольник 70"/>
-            <p:cNvSpPr/>
-            <p:nvPr/>
-          </p:nvSpPr>
-          <p:spPr>
-            <a:xfrm rot="16200000">
-              <a:off x="9265659" y="4144233"/>
-              <a:ext cx="61392" cy="57358"/>
-            </a:xfrm>
-            <a:prstGeom prst="triangle">
-              <a:avLst/>
-            </a:prstGeom>
-          </p:spPr>
-          <p:style>
-            <a:lnRef idx="2">
-              <a:schemeClr val="dk1">
-                <a:shade val="50000"/>
-              </a:schemeClr>
-            </a:lnRef>
-            <a:fillRef idx="1">
-              <a:schemeClr val="dk1"/>
-            </a:fillRef>
-            <a:effectRef idx="0">
-              <a:schemeClr val="dk1"/>
-            </a:effectRef>
-            <a:fontRef idx="minor">
-              <a:schemeClr val="lt1"/>
-            </a:fontRef>
-          </p:style>
-          <p:txBody>
-            <a:bodyPr rtlCol="0" anchor="ctr"/>
-            <a:lstStyle/>
-            <a:p>
-              <a:pPr algn="ctr"/>
-              <a:endParaRPr lang="ru-RU"/>
-            </a:p>
-          </p:txBody>
-        </p:sp>
-      </p:grpSp>
-      <p:grpSp>
-        <p:nvGrpSpPr>
-          <p:cNvPr id="75" name="Группа 74"/>
-          <p:cNvGrpSpPr/>
-          <p:nvPr/>
-        </p:nvGrpSpPr>
-        <p:grpSpPr>
-          <a:xfrm>
-            <a:off x="7063454" y="2283233"/>
-            <a:ext cx="839114" cy="1920375"/>
-            <a:chOff x="7063454" y="2283233"/>
-            <a:chExt cx="839114" cy="1920375"/>
-          </a:xfrm>
-        </p:grpSpPr>
-        <p:cxnSp>
-          <p:nvCxnSpPr>
-            <p:cNvPr id="17" name="Соединительная линия уступом 16"/>
-            <p:cNvCxnSpPr>
-              <a:stCxn id="7" idx="3"/>
-              <a:endCxn id="6" idx="1"/>
-            </p:cNvCxnSpPr>
-            <p:nvPr/>
-          </p:nvCxnSpPr>
-          <p:spPr>
-            <a:xfrm>
-              <a:off x="7181642" y="2283233"/>
-              <a:ext cx="596387" cy="1889679"/>
-            </a:xfrm>
-            <a:prstGeom prst="bentConnector3">
-              <a:avLst>
-                <a:gd name="adj1" fmla="val 50000"/>
-              </a:avLst>
-            </a:prstGeom>
-            <a:ln w="12700">
-              <a:headEnd type="triangle"/>
-              <a:tailEnd type="triangle"/>
-            </a:ln>
-          </p:spPr>
-          <p:style>
-            <a:lnRef idx="1">
-              <a:schemeClr val="dk1"/>
-            </a:lnRef>
-            <a:fillRef idx="0">
-              <a:schemeClr val="dk1"/>
-            </a:fillRef>
-            <a:effectRef idx="0">
-              <a:schemeClr val="dk1"/>
-            </a:effectRef>
-            <a:fontRef idx="minor">
-              <a:schemeClr val="tx1"/>
-            </a:fontRef>
-          </p:style>
-        </p:cxnSp>
-        <p:sp>
-          <p:nvSpPr>
-            <p:cNvPr id="41" name="TextBox 40"/>
-            <p:cNvSpPr txBox="1"/>
-            <p:nvPr/>
-          </p:nvSpPr>
-          <p:spPr>
-            <a:xfrm>
-              <a:off x="7063454" y="3089668"/>
-              <a:ext cx="839114" cy="276999"/>
-            </a:xfrm>
-            <a:prstGeom prst="rect">
-              <a:avLst/>
-            </a:prstGeom>
-            <a:solidFill>
-              <a:schemeClr val="bg1"/>
-            </a:solidFill>
-          </p:spPr>
-          <p:txBody>
-            <a:bodyPr wrap="square" rtlCol="0">
-              <a:spAutoFit/>
-            </a:bodyPr>
-            <a:lstStyle/>
-            <a:p>
-              <a:pPr algn="ctr"/>
-              <a:r>
-                <a:rPr lang="en-US" sz="1200" b="1" dirty="0" err="1" smtClean="0"/>
-                <a:t>job_id</a:t>
-              </a:r>
-              <a:endParaRPr lang="ru-RU" sz="1200" b="1" dirty="0"/>
-            </a:p>
-          </p:txBody>
-        </p:sp>
-        <p:sp>
-          <p:nvSpPr>
-            <p:cNvPr id="72" name="Равнобедренный треугольник 71"/>
-            <p:cNvSpPr/>
-            <p:nvPr/>
-          </p:nvSpPr>
-          <p:spPr>
-            <a:xfrm rot="5400000">
-              <a:off x="7641528" y="4144233"/>
-              <a:ext cx="61392" cy="57358"/>
-            </a:xfrm>
-            <a:prstGeom prst="triangle">
-              <a:avLst/>
-            </a:prstGeom>
-          </p:spPr>
-          <p:style>
-            <a:lnRef idx="2">
-              <a:schemeClr val="dk1">
-                <a:shade val="50000"/>
-              </a:schemeClr>
-            </a:lnRef>
-            <a:fillRef idx="1">
-              <a:schemeClr val="dk1"/>
-            </a:fillRef>
-            <a:effectRef idx="0">
-              <a:schemeClr val="dk1"/>
-            </a:effectRef>
-            <a:fontRef idx="minor">
-              <a:schemeClr val="lt1"/>
-            </a:fontRef>
-          </p:style>
-          <p:txBody>
-            <a:bodyPr rtlCol="0" anchor="ctr"/>
-            <a:lstStyle/>
-            <a:p>
-              <a:pPr algn="ctr"/>
-              <a:endParaRPr lang="ru-RU"/>
-            </a:p>
-          </p:txBody>
-        </p:sp>
-      </p:grpSp>
-      <p:grpSp>
-        <p:nvGrpSpPr>
-          <p:cNvPr id="74" name="Группа 73"/>
-          <p:cNvGrpSpPr/>
-          <p:nvPr/>
-        </p:nvGrpSpPr>
-        <p:grpSpPr>
-          <a:xfrm>
-            <a:off x="5129405" y="2283424"/>
-            <a:ext cx="839114" cy="3600227"/>
-            <a:chOff x="5129405" y="2283424"/>
-            <a:chExt cx="839114" cy="3600227"/>
-          </a:xfrm>
-        </p:grpSpPr>
-        <p:cxnSp>
-          <p:nvCxnSpPr>
-            <p:cNvPr id="15" name="Соединительная линия уступом 14"/>
-            <p:cNvCxnSpPr>
-              <a:stCxn id="9" idx="3"/>
-              <a:endCxn id="10" idx="1"/>
-            </p:cNvCxnSpPr>
-            <p:nvPr/>
-          </p:nvCxnSpPr>
-          <p:spPr>
-            <a:xfrm>
-              <a:off x="5400066" y="2283424"/>
-              <a:ext cx="355770" cy="3569531"/>
-            </a:xfrm>
-            <a:prstGeom prst="bentConnector3">
-              <a:avLst/>
-            </a:prstGeom>
-            <a:ln w="12700">
-              <a:headEnd type="triangle"/>
-              <a:tailEnd type="triangle"/>
-            </a:ln>
-          </p:spPr>
-          <p:style>
-            <a:lnRef idx="1">
-              <a:schemeClr val="dk1"/>
-            </a:lnRef>
-            <a:fillRef idx="0">
-              <a:schemeClr val="dk1"/>
-            </a:fillRef>
-            <a:effectRef idx="0">
-              <a:schemeClr val="dk1"/>
-            </a:effectRef>
-            <a:fontRef idx="minor">
-              <a:schemeClr val="tx1"/>
-            </a:fontRef>
-          </p:style>
-        </p:cxnSp>
-        <p:sp>
-          <p:nvSpPr>
-            <p:cNvPr id="40" name="TextBox 39"/>
-            <p:cNvSpPr txBox="1"/>
-            <p:nvPr/>
-          </p:nvSpPr>
-          <p:spPr>
-            <a:xfrm>
-              <a:off x="5129405" y="3768355"/>
-              <a:ext cx="839114" cy="276999"/>
-            </a:xfrm>
-            <a:prstGeom prst="rect">
-              <a:avLst/>
-            </a:prstGeom>
-            <a:solidFill>
-              <a:schemeClr val="bg1"/>
-            </a:solidFill>
-          </p:spPr>
-          <p:txBody>
-            <a:bodyPr wrap="square" rtlCol="0">
-              <a:spAutoFit/>
-            </a:bodyPr>
-            <a:lstStyle/>
-            <a:p>
-              <a:pPr algn="ctr"/>
-              <a:r>
-                <a:rPr lang="en-US" sz="1200" b="1" dirty="0" err="1" smtClean="0"/>
-                <a:t>person_id</a:t>
-              </a:r>
-              <a:endParaRPr lang="ru-RU" sz="1200" b="1" dirty="0"/>
-            </a:p>
-          </p:txBody>
-        </p:sp>
-        <p:sp>
-          <p:nvSpPr>
-            <p:cNvPr id="73" name="Равнобедренный треугольник 72"/>
-            <p:cNvSpPr/>
-            <p:nvPr/>
-          </p:nvSpPr>
-          <p:spPr>
-            <a:xfrm rot="5400000">
-              <a:off x="5623212" y="5824276"/>
-              <a:ext cx="61392" cy="57358"/>
-            </a:xfrm>
-            <a:prstGeom prst="triangle">
-              <a:avLst/>
-            </a:prstGeom>
-          </p:spPr>
-          <p:style>
-            <a:lnRef idx="2">
-              <a:schemeClr val="dk1">
-                <a:shade val="50000"/>
-              </a:schemeClr>
-            </a:lnRef>
-            <a:fillRef idx="1">
-              <a:schemeClr val="dk1"/>
-            </a:fillRef>
-            <a:effectRef idx="0">
-              <a:schemeClr val="dk1"/>
-            </a:effectRef>
-            <a:fontRef idx="minor">
-              <a:schemeClr val="lt1"/>
-            </a:fontRef>
-          </p:style>
-          <p:txBody>
-            <a:bodyPr rtlCol="0" anchor="ctr"/>
-            <a:lstStyle/>
-            <a:p>
-              <a:pPr algn="ctr"/>
-              <a:endParaRPr lang="ru-RU"/>
-            </a:p>
-          </p:txBody>
-        </p:sp>
-      </p:grpSp>
-    </p:spTree>
-    <p:extLst>
-      <p:ext uri="{BB962C8B-B14F-4D97-AF65-F5344CB8AC3E}">
-        <p14:creationId xmlns:p14="http://schemas.microsoft.com/office/powerpoint/2010/main" val="3569422283"/>
-      </p:ext>
-    </p:extLst>
-  </p:cSld>
-  <p:clrMapOvr>
-    <a:masterClrMapping/>
-  </p:clrMapOvr>
-  <p:transition spd="slow">
-    <p:push dir="u"/>
-  </p:transition>
-  <p:timing>
-    <p:tnLst>
-      <p:par>
-        <p:cTn id="1" dur="indefinite" restart="never" nodeType="tmRoot"/>
-      </p:par>
-    </p:tnLst>
-  </p:timing>
-</p:sld>
-</file>
-
-<file path=ppt/slides/slide11.xml><?xml version="1.0" encoding="utf-8"?>
-<p:sld xmlns:a="http://schemas.openxmlformats.org/drawingml/2006/main" xmlns:r="http://schemas.openxmlformats.org/officeDocument/2006/relationships" xmlns:p="http://schemas.openxmlformats.org/presentationml/2006/main">
-  <p:cSld>
-    <p:spTree>
-      <p:nvGrpSpPr>
-        <p:cNvPr id="1" name=""/>
-        <p:cNvGrpSpPr/>
-        <p:nvPr/>
-      </p:nvGrpSpPr>
-      <p:grpSpPr>
-        <a:xfrm>
-          <a:off x="0" y="0"/>
-          <a:ext cx="0" cy="0"/>
-          <a:chOff x="0" y="0"/>
-          <a:chExt cx="0" cy="0"/>
-        </a:xfrm>
-      </p:grpSpPr>
-      <p:sp>
-        <p:nvSpPr>
-          <p:cNvPr id="2" name="Заголовок 1">
-            <a:extLst>
-              <a:ext uri="{FF2B5EF4-FFF2-40B4-BE49-F238E27FC236}">
-                <a16:creationId xmlns:a16="http://schemas.microsoft.com/office/drawing/2014/main" id="{7B0B2BC1-2DA4-48DC-971C-1DBAC05C081D}"/>
-              </a:ext>
-            </a:extLst>
-          </p:cNvPr>
-          <p:cNvSpPr>
-            <a:spLocks noGrp="1"/>
-          </p:cNvSpPr>
-          <p:nvPr>
-            <p:ph type="title"/>
-          </p:nvPr>
-        </p:nvSpPr>
-        <p:spPr/>
-        <p:txBody>
-          <a:bodyPr>
-            <a:normAutofit/>
-          </a:bodyPr>
-          <a:lstStyle/>
-          <a:p>
-            <a:r>
-              <a:rPr lang="ru-RU" sz="4000" cap="none" dirty="0">
-                <a:latin typeface="+mn-lt"/>
-                <a:ea typeface="+mn-ea"/>
-                <a:cs typeface="+mn-cs"/>
-              </a:rPr>
-              <a:t>Выбор стека разработки</a:t>
-            </a:r>
-          </a:p>
-        </p:txBody>
-      </p:sp>
-      <p:sp>
-        <p:nvSpPr>
-          <p:cNvPr id="4" name="Номер слайда 3">
-            <a:extLst>
-              <a:ext uri="{FF2B5EF4-FFF2-40B4-BE49-F238E27FC236}">
-                <a16:creationId xmlns:a16="http://schemas.microsoft.com/office/drawing/2014/main" id="{D4F4B530-ACD1-496E-A61D-DDFEBB1BA58A}"/>
-              </a:ext>
-            </a:extLst>
-          </p:cNvPr>
-          <p:cNvSpPr>
-            <a:spLocks noGrp="1"/>
-          </p:cNvSpPr>
-          <p:nvPr>
-            <p:ph type="sldNum" sz="quarter" idx="12"/>
-          </p:nvPr>
-        </p:nvSpPr>
-        <p:spPr>
-          <a:xfrm>
-            <a:off x="8610600" y="6365875"/>
-            <a:ext cx="2743200" cy="365125"/>
-          </a:xfrm>
-        </p:spPr>
-        <p:txBody>
-          <a:bodyPr/>
-          <a:lstStyle/>
-          <a:p>
-            <a:r>
-              <a:rPr lang="en-US" dirty="0" smtClean="0"/>
-              <a:t>11</a:t>
-            </a:r>
-          </a:p>
-        </p:txBody>
-      </p:sp>
-      <p:sp>
-        <p:nvSpPr>
-          <p:cNvPr id="5" name="Объект 2">
-            <a:extLst>
-              <a:ext uri="{FF2B5EF4-FFF2-40B4-BE49-F238E27FC236}">
-                <a16:creationId xmlns:a16="http://schemas.microsoft.com/office/drawing/2014/main" id="{32D76128-B88E-4140-9DA3-BA83AC601B05}"/>
-              </a:ext>
-            </a:extLst>
-          </p:cNvPr>
-          <p:cNvSpPr txBox="1">
-            <a:spLocks/>
-          </p:cNvSpPr>
-          <p:nvPr/>
-        </p:nvSpPr>
-        <p:spPr>
-          <a:xfrm>
-            <a:off x="838200" y="1893887"/>
-            <a:ext cx="4334933" cy="3211513"/>
-          </a:xfrm>
-          <a:prstGeom prst="rect">
-            <a:avLst/>
-          </a:prstGeom>
-        </p:spPr>
-        <p:txBody>
-          <a:bodyPr vert="horz" lIns="91440" tIns="45720" rIns="91440" bIns="45720" rtlCol="0">
-            <a:normAutofit/>
-          </a:bodyPr>
-          <a:lstStyle>
-            <a:lvl1pPr marL="228600" indent="-228600" algn="l" defTabSz="914400" rtl="0" eaLnBrk="1" latinLnBrk="0" hangingPunct="1">
-              <a:lnSpc>
-                <a:spcPct val="90000"/>
-              </a:lnSpc>
-              <a:spcBef>
-                <a:spcPts val="1000"/>
-              </a:spcBef>
-              <a:buFont typeface="Arial" panose="020B0604020202020204" pitchFamily="34" charset="0"/>
-              <a:buChar char="•"/>
-              <a:defRPr sz="2800" kern="1200" cap="small" baseline="0">
-                <a:solidFill>
-                  <a:schemeClr val="tx1"/>
-                </a:solidFill>
-                <a:latin typeface="+mn-lt"/>
-                <a:ea typeface="+mn-ea"/>
-                <a:cs typeface="+mn-cs"/>
-              </a:defRPr>
-            </a:lvl1pPr>
-            <a:lvl2pPr marL="685800" indent="-228600" algn="l" defTabSz="914400" rtl="0" eaLnBrk="1" latinLnBrk="0" hangingPunct="1">
-              <a:lnSpc>
-                <a:spcPct val="90000"/>
-              </a:lnSpc>
-              <a:spcBef>
-                <a:spcPts val="500"/>
-              </a:spcBef>
-              <a:buFont typeface="Arial" panose="020B0604020202020204" pitchFamily="34" charset="0"/>
-              <a:buChar char="•"/>
-              <a:defRPr sz="2400" kern="1200" cap="small" baseline="0">
-                <a:solidFill>
-                  <a:schemeClr val="tx1"/>
-                </a:solidFill>
-                <a:latin typeface="+mn-lt"/>
-                <a:ea typeface="+mn-ea"/>
-                <a:cs typeface="+mn-cs"/>
-              </a:defRPr>
-            </a:lvl2pPr>
-            <a:lvl3pPr marL="1143000" indent="-228600" algn="l" defTabSz="914400" rtl="0" eaLnBrk="1" latinLnBrk="0" hangingPunct="1">
-              <a:lnSpc>
-                <a:spcPct val="90000"/>
-              </a:lnSpc>
-              <a:spcBef>
-                <a:spcPts val="500"/>
-              </a:spcBef>
-              <a:buFont typeface="Arial" panose="020B0604020202020204" pitchFamily="34" charset="0"/>
-              <a:buChar char="•"/>
-              <a:defRPr sz="2000" kern="1200" cap="small" baseline="0">
-                <a:solidFill>
-                  <a:schemeClr val="tx1"/>
-                </a:solidFill>
-                <a:latin typeface="+mn-lt"/>
-                <a:ea typeface="+mn-ea"/>
-                <a:cs typeface="+mn-cs"/>
-              </a:defRPr>
-            </a:lvl3pPr>
-            <a:lvl4pPr marL="1600200" indent="-228600" algn="l" defTabSz="914400" rtl="0" eaLnBrk="1" latinLnBrk="0" hangingPunct="1">
-              <a:lnSpc>
-                <a:spcPct val="90000"/>
-              </a:lnSpc>
-              <a:spcBef>
-                <a:spcPts val="500"/>
-              </a:spcBef>
-              <a:buFont typeface="Arial" panose="020B0604020202020204" pitchFamily="34" charset="0"/>
-              <a:buChar char="•"/>
-              <a:defRPr sz="1800" kern="1200" cap="small" baseline="0">
-                <a:solidFill>
-                  <a:schemeClr val="tx1"/>
-                </a:solidFill>
-                <a:latin typeface="+mn-lt"/>
-                <a:ea typeface="+mn-ea"/>
-                <a:cs typeface="+mn-cs"/>
-              </a:defRPr>
-            </a:lvl4pPr>
-            <a:lvl5pPr marL="2057400" indent="-228600" algn="l" defTabSz="914400" rtl="0" eaLnBrk="1" latinLnBrk="0" hangingPunct="1">
-              <a:lnSpc>
-                <a:spcPct val="90000"/>
-              </a:lnSpc>
-              <a:spcBef>
-                <a:spcPts val="500"/>
-              </a:spcBef>
-              <a:buFont typeface="Arial" panose="020B0604020202020204" pitchFamily="34" charset="0"/>
-              <a:buChar char="•"/>
-              <a:defRPr sz="1800" kern="1200" cap="small" baseline="0">
-                <a:solidFill>
-                  <a:schemeClr val="tx1"/>
-                </a:solidFill>
-                <a:latin typeface="+mn-lt"/>
-                <a:ea typeface="+mn-ea"/>
-                <a:cs typeface="+mn-cs"/>
-              </a:defRPr>
-            </a:lvl5pPr>
-            <a:lvl6pPr marL="2514600" indent="-228600" algn="l" defTabSz="914400" rtl="0" eaLnBrk="1" latinLnBrk="0" hangingPunct="1">
-              <a:lnSpc>
-                <a:spcPct val="90000"/>
-              </a:lnSpc>
-              <a:spcBef>
-                <a:spcPts val="500"/>
-              </a:spcBef>
-              <a:buFont typeface="Arial" panose="020B0604020202020204" pitchFamily="34" charset="0"/>
-              <a:buChar char="•"/>
-              <a:defRPr sz="1800" kern="1200">
-                <a:solidFill>
-                  <a:schemeClr val="tx1"/>
-                </a:solidFill>
-                <a:latin typeface="+mn-lt"/>
-                <a:ea typeface="+mn-ea"/>
-                <a:cs typeface="+mn-cs"/>
-              </a:defRPr>
-            </a:lvl6pPr>
-            <a:lvl7pPr marL="2971800" indent="-228600" algn="l" defTabSz="914400" rtl="0" eaLnBrk="1" latinLnBrk="0" hangingPunct="1">
-              <a:lnSpc>
-                <a:spcPct val="90000"/>
-              </a:lnSpc>
-              <a:spcBef>
-                <a:spcPts val="500"/>
-              </a:spcBef>
-              <a:buFont typeface="Arial" panose="020B0604020202020204" pitchFamily="34" charset="0"/>
-              <a:buChar char="•"/>
-              <a:defRPr sz="1800" kern="1200">
-                <a:solidFill>
-                  <a:schemeClr val="tx1"/>
-                </a:solidFill>
-                <a:latin typeface="+mn-lt"/>
-                <a:ea typeface="+mn-ea"/>
-                <a:cs typeface="+mn-cs"/>
-              </a:defRPr>
-            </a:lvl7pPr>
-            <a:lvl8pPr marL="3429000" indent="-228600" algn="l" defTabSz="914400" rtl="0" eaLnBrk="1" latinLnBrk="0" hangingPunct="1">
-              <a:lnSpc>
-                <a:spcPct val="90000"/>
-              </a:lnSpc>
-              <a:spcBef>
-                <a:spcPts val="500"/>
-              </a:spcBef>
-              <a:buFont typeface="Arial" panose="020B0604020202020204" pitchFamily="34" charset="0"/>
-              <a:buChar char="•"/>
-              <a:defRPr sz="1800" kern="1200">
-                <a:solidFill>
-                  <a:schemeClr val="tx1"/>
-                </a:solidFill>
-                <a:latin typeface="+mn-lt"/>
-                <a:ea typeface="+mn-ea"/>
-                <a:cs typeface="+mn-cs"/>
-              </a:defRPr>
-            </a:lvl8pPr>
-            <a:lvl9pPr marL="3886200" indent="-228600" algn="l" defTabSz="914400" rtl="0" eaLnBrk="1" latinLnBrk="0" hangingPunct="1">
-              <a:lnSpc>
-                <a:spcPct val="90000"/>
-              </a:lnSpc>
-              <a:spcBef>
-                <a:spcPts val="500"/>
-              </a:spcBef>
-              <a:buFont typeface="Arial" panose="020B0604020202020204" pitchFamily="34" charset="0"/>
-              <a:buChar char="•"/>
-              <a:defRPr sz="1800" kern="1200">
-                <a:solidFill>
-                  <a:schemeClr val="tx1"/>
-                </a:solidFill>
-                <a:latin typeface="+mn-lt"/>
-                <a:ea typeface="+mn-ea"/>
-                <a:cs typeface="+mn-cs"/>
-              </a:defRPr>
-            </a:lvl9pPr>
-          </a:lstStyle>
-          <a:p>
-            <a:pPr marL="514350" indent="-514350">
-              <a:buFont typeface="+mj-lt"/>
-              <a:buAutoNum type="arabicPeriod"/>
-            </a:pPr>
-            <a:r>
-              <a:rPr lang="en-US" sz="2400" cap="none" dirty="0"/>
-              <a:t>IDE – Android Studio</a:t>
-            </a:r>
-          </a:p>
-          <a:p>
-            <a:pPr marL="514350" indent="-514350">
-              <a:buFont typeface="+mj-lt"/>
-              <a:buAutoNum type="arabicPeriod"/>
-            </a:pPr>
-            <a:r>
-              <a:rPr lang="ru-RU" sz="2400" cap="none" dirty="0"/>
-              <a:t>Язык программирования – </a:t>
-            </a:r>
-            <a:r>
-              <a:rPr lang="en-US" sz="2400" cap="none" dirty="0" err="1"/>
-              <a:t>Kotlin</a:t>
-            </a:r>
-            <a:endParaRPr lang="en-US" sz="2400" cap="none" dirty="0"/>
-          </a:p>
-          <a:p>
-            <a:pPr marL="514350" indent="-514350">
-              <a:buFont typeface="+mj-lt"/>
-              <a:buAutoNum type="arabicPeriod"/>
-            </a:pPr>
-            <a:r>
-              <a:rPr lang="ru-RU" sz="2400" cap="none" dirty="0"/>
-              <a:t>Верстка интерфейса- </a:t>
-            </a:r>
-            <a:r>
-              <a:rPr lang="en-US" sz="2400" cap="none" dirty="0"/>
-              <a:t>XML</a:t>
-            </a:r>
-            <a:endParaRPr lang="ru-RU" sz="2400" cap="none" dirty="0"/>
-          </a:p>
-          <a:p>
-            <a:pPr marL="514350" indent="-514350">
-              <a:buFont typeface="+mj-lt"/>
-              <a:buAutoNum type="arabicPeriod"/>
-            </a:pPr>
-            <a:r>
-              <a:rPr lang="ru-RU" sz="2400" cap="none" dirty="0"/>
-              <a:t>СУБД – </a:t>
-            </a:r>
-            <a:r>
-              <a:rPr lang="en-US" sz="2400" cap="none" dirty="0"/>
-              <a:t>SQLite</a:t>
-            </a:r>
-            <a:endParaRPr lang="ru-RU" sz="2400" cap="none" dirty="0"/>
-          </a:p>
-          <a:p>
-            <a:pPr marL="514350" indent="-514350">
-              <a:buFont typeface="+mj-lt"/>
-              <a:buAutoNum type="arabicPeriod"/>
-            </a:pPr>
-            <a:r>
-              <a:rPr lang="ru-RU" sz="2400" cap="none" dirty="0" smtClean="0"/>
-              <a:t>Вспомогательная библиотека</a:t>
-            </a:r>
-            <a:r>
-              <a:rPr lang="en-US" sz="2400" cap="none" dirty="0" smtClean="0"/>
-              <a:t> </a:t>
-            </a:r>
-            <a:r>
-              <a:rPr lang="en-US" sz="2400" cap="none" dirty="0"/>
-              <a:t>- Room</a:t>
-            </a:r>
-          </a:p>
-          <a:p>
-            <a:pPr marL="0" indent="0">
-              <a:buFont typeface="Arial" panose="020B0604020202020204" pitchFamily="34" charset="0"/>
-              <a:buNone/>
-            </a:pPr>
-            <a:endParaRPr lang="ru-RU" dirty="0"/>
-          </a:p>
-        </p:txBody>
-      </p:sp>
-      <p:pic>
-        <p:nvPicPr>
-          <p:cNvPr id="7" name="Рисунок 6"/>
-          <p:cNvPicPr>
-            <a:picLocks noChangeAspect="1"/>
-          </p:cNvPicPr>
-          <p:nvPr/>
-        </p:nvPicPr>
-        <p:blipFill>
-          <a:blip r:embed="rId2">
-            <a:extLst>
-              <a:ext uri="{28A0092B-C50C-407E-A947-70E740481C1C}">
-                <a14:useLocalDpi xmlns:a14="http://schemas.microsoft.com/office/drawing/2010/main" val="0"/>
-              </a:ext>
-            </a:extLst>
-          </a:blip>
-          <a:stretch>
-            <a:fillRect/>
-          </a:stretch>
-        </p:blipFill>
-        <p:spPr>
-          <a:xfrm>
-            <a:off x="6096000" y="1813374"/>
-            <a:ext cx="1570094" cy="1570094"/>
-          </a:xfrm>
-          <a:prstGeom prst="rect">
-            <a:avLst/>
-          </a:prstGeom>
-        </p:spPr>
-      </p:pic>
-      <p:pic>
-        <p:nvPicPr>
-          <p:cNvPr id="8" name="Рисунок 7"/>
-          <p:cNvPicPr>
-            <a:picLocks noChangeAspect="1"/>
-          </p:cNvPicPr>
-          <p:nvPr/>
-        </p:nvPicPr>
-        <p:blipFill>
-          <a:blip r:embed="rId3">
-            <a:extLst>
-              <a:ext uri="{28A0092B-C50C-407E-A947-70E740481C1C}">
-                <a14:useLocalDpi xmlns:a14="http://schemas.microsoft.com/office/drawing/2010/main" val="0"/>
-              </a:ext>
-            </a:extLst>
-          </a:blip>
-          <a:stretch>
-            <a:fillRect/>
-          </a:stretch>
-        </p:blipFill>
-        <p:spPr>
-          <a:xfrm>
-            <a:off x="8317040" y="1843632"/>
-            <a:ext cx="1509577" cy="1509577"/>
-          </a:xfrm>
-          <a:prstGeom prst="rect">
-            <a:avLst/>
-          </a:prstGeom>
-        </p:spPr>
-      </p:pic>
-      <p:pic>
-        <p:nvPicPr>
-          <p:cNvPr id="9" name="Рисунок 8"/>
-          <p:cNvPicPr>
-            <a:picLocks noChangeAspect="1"/>
-          </p:cNvPicPr>
-          <p:nvPr/>
-        </p:nvPicPr>
-        <p:blipFill>
-          <a:blip r:embed="rId4">
-            <a:extLst>
-              <a:ext uri="{28A0092B-C50C-407E-A947-70E740481C1C}">
-                <a14:useLocalDpi xmlns:a14="http://schemas.microsoft.com/office/drawing/2010/main" val="0"/>
-              </a:ext>
-            </a:extLst>
-          </a:blip>
-          <a:stretch>
-            <a:fillRect/>
-          </a:stretch>
-        </p:blipFill>
-        <p:spPr>
-          <a:xfrm>
-            <a:off x="7396948" y="3715820"/>
-            <a:ext cx="1470091" cy="1470091"/>
-          </a:xfrm>
-          <a:prstGeom prst="rect">
-            <a:avLst/>
-          </a:prstGeom>
-        </p:spPr>
-      </p:pic>
-      <p:pic>
-        <p:nvPicPr>
-          <p:cNvPr id="10" name="Рисунок 9"/>
-          <p:cNvPicPr>
-            <a:picLocks noChangeAspect="1"/>
-          </p:cNvPicPr>
-          <p:nvPr/>
-        </p:nvPicPr>
-        <p:blipFill>
-          <a:blip r:embed="rId5" cstate="hqprint">
-            <a:extLst>
-              <a:ext uri="{28A0092B-C50C-407E-A947-70E740481C1C}">
-                <a14:useLocalDpi xmlns:a14="http://schemas.microsoft.com/office/drawing/2010/main" val="0"/>
-              </a:ext>
-            </a:extLst>
-          </a:blip>
-          <a:stretch>
-            <a:fillRect/>
-          </a:stretch>
-        </p:blipFill>
-        <p:spPr>
-          <a:xfrm>
-            <a:off x="9826617" y="3802565"/>
-            <a:ext cx="1296603" cy="1296603"/>
-          </a:xfrm>
-          <a:prstGeom prst="rect">
-            <a:avLst/>
-          </a:prstGeom>
-        </p:spPr>
-      </p:pic>
-      <p:cxnSp>
-        <p:nvCxnSpPr>
-          <p:cNvPr id="12" name="Прямая со стрелкой 11"/>
-          <p:cNvCxnSpPr>
-            <a:stCxn id="7" idx="3"/>
-            <a:endCxn id="8" idx="1"/>
-          </p:cNvCxnSpPr>
-          <p:nvPr/>
-        </p:nvCxnSpPr>
-        <p:spPr>
-          <a:xfrm>
-            <a:off x="7666094" y="2598421"/>
-            <a:ext cx="650946" cy="0"/>
-          </a:xfrm>
-          <a:prstGeom prst="straightConnector1">
-            <a:avLst/>
-          </a:prstGeom>
-          <a:ln w="19050">
-            <a:tailEnd type="triangle"/>
-          </a:ln>
-        </p:spPr>
-        <p:style>
-          <a:lnRef idx="1">
-            <a:schemeClr val="dk1"/>
-          </a:lnRef>
-          <a:fillRef idx="0">
-            <a:schemeClr val="dk1"/>
-          </a:fillRef>
-          <a:effectRef idx="0">
-            <a:schemeClr val="dk1"/>
-          </a:effectRef>
-          <a:fontRef idx="minor">
-            <a:schemeClr val="tx1"/>
-          </a:fontRef>
-        </p:style>
-      </p:cxnSp>
-      <p:cxnSp>
-        <p:nvCxnSpPr>
-          <p:cNvPr id="15" name="Скругленная соединительная линия 14"/>
-          <p:cNvCxnSpPr>
-            <a:stCxn id="8" idx="3"/>
-            <a:endCxn id="9" idx="1"/>
-          </p:cNvCxnSpPr>
-          <p:nvPr/>
-        </p:nvCxnSpPr>
-        <p:spPr>
-          <a:xfrm flipH="1">
-            <a:off x="7396948" y="2598421"/>
-            <a:ext cx="2429669" cy="1852445"/>
-          </a:xfrm>
-          <a:prstGeom prst="curvedConnector5">
-            <a:avLst>
-              <a:gd name="adj1" fmla="val -10147"/>
-              <a:gd name="adj2" fmla="val 50533"/>
-              <a:gd name="adj3" fmla="val 110147"/>
-            </a:avLst>
-          </a:prstGeom>
-          <a:ln w="19050">
-            <a:tailEnd type="triangle"/>
-          </a:ln>
-        </p:spPr>
-        <p:style>
-          <a:lnRef idx="1">
-            <a:schemeClr val="dk1"/>
-          </a:lnRef>
-          <a:fillRef idx="0">
-            <a:schemeClr val="dk1"/>
-          </a:fillRef>
-          <a:effectRef idx="0">
-            <a:schemeClr val="dk1"/>
-          </a:effectRef>
-          <a:fontRef idx="minor">
-            <a:schemeClr val="tx1"/>
-          </a:fontRef>
-        </p:style>
-      </p:cxnSp>
-      <p:cxnSp>
-        <p:nvCxnSpPr>
-          <p:cNvPr id="17" name="Скругленная соединительная линия 16"/>
-          <p:cNvCxnSpPr>
-            <a:stCxn id="9" idx="3"/>
-            <a:endCxn id="10" idx="1"/>
-          </p:cNvCxnSpPr>
-          <p:nvPr/>
-        </p:nvCxnSpPr>
-        <p:spPr>
-          <a:xfrm>
-            <a:off x="8867039" y="4450866"/>
-            <a:ext cx="959578" cy="1"/>
-          </a:xfrm>
-          <a:prstGeom prst="curvedConnector3">
-            <a:avLst/>
-          </a:prstGeom>
-          <a:ln w="19050">
-            <a:tailEnd type="triangle"/>
-          </a:ln>
-        </p:spPr>
-        <p:style>
-          <a:lnRef idx="1">
-            <a:schemeClr val="dk1"/>
-          </a:lnRef>
-          <a:fillRef idx="0">
-            <a:schemeClr val="dk1"/>
-          </a:fillRef>
-          <a:effectRef idx="0">
-            <a:schemeClr val="dk1"/>
-          </a:effectRef>
-          <a:fontRef idx="minor">
-            <a:schemeClr val="tx1"/>
-          </a:fontRef>
-        </p:style>
-      </p:cxnSp>
-    </p:spTree>
-    <p:extLst>
-      <p:ext uri="{BB962C8B-B14F-4D97-AF65-F5344CB8AC3E}">
-        <p14:creationId xmlns:p14="http://schemas.microsoft.com/office/powerpoint/2010/main" val="2165787380"/>
-      </p:ext>
-    </p:extLst>
-  </p:cSld>
-  <p:clrMapOvr>
-    <a:masterClrMapping/>
-  </p:clrMapOvr>
-  <mc:AlternateContent xmlns:mc="http://schemas.openxmlformats.org/markup-compatibility/2006" xmlns:p14="http://schemas.microsoft.com/office/powerpoint/2010/main">
-    <mc:Choice Requires="p14">
-      <p:transition p14:dur="0"/>
-    </mc:Choice>
-    <mc:Fallback xmlns="">
-      <p:transition/>
-    </mc:Fallback>
-  </mc:AlternateContent>
-  <p:timing>
-    <p:tnLst>
-      <p:par>
-        <p:cTn id="1" dur="indefinite" restart="never" nodeType="tmRoot"/>
-      </p:par>
-    </p:tnLst>
-  </p:timing>
-</p:sld>
-</file>
-
-<file path=ppt/slides/slide12.xml><?xml version="1.0" encoding="utf-8"?>
-<p:sld xmlns:a="http://schemas.openxmlformats.org/drawingml/2006/main" xmlns:r="http://schemas.openxmlformats.org/officeDocument/2006/relationships" xmlns:p="http://schemas.openxmlformats.org/presentationml/2006/main">
-  <p:cSld>
-    <p:spTree>
-      <p:nvGrpSpPr>
-        <p:cNvPr id="1" name=""/>
-        <p:cNvGrpSpPr/>
-        <p:nvPr/>
-      </p:nvGrpSpPr>
-      <p:grpSpPr>
-        <a:xfrm>
-          <a:off x="0" y="0"/>
-          <a:ext cx="0" cy="0"/>
-          <a:chOff x="0" y="0"/>
-          <a:chExt cx="0" cy="0"/>
-        </a:xfrm>
-      </p:grpSpPr>
-      <p:sp>
-        <p:nvSpPr>
           <p:cNvPr id="2" name="Заголовок 1"/>
           <p:cNvSpPr>
             <a:spLocks noGrp="1"/>
@@ -6549,6 +5900,7 @@
           </a:bodyPr>
           <a:lstStyle/>
           <a:p>
+            <a:pPr algn="ctr"/>
             <a:r>
               <a:rPr lang="ru-RU" sz="4000" cap="none" dirty="0">
                 <a:latin typeface="+mn-lt"/>
@@ -6577,7 +5929,11 @@
           <a:p>
             <a:r>
               <a:rPr lang="en-US" dirty="0" smtClean="0"/>
-              <a:t>12</a:t>
+              <a:t>1</a:t>
+            </a:r>
+            <a:r>
+              <a:rPr lang="ru-RU" dirty="0" smtClean="0"/>
+              <a:t>0</a:t>
             </a:r>
             <a:endParaRPr lang="ru-RU" dirty="0"/>
           </a:p>
@@ -7005,7 +6361,7 @@
 </p:sld>
 </file>
 
-<file path=ppt/slides/slide13.xml><?xml version="1.0" encoding="utf-8"?>
+<file path=ppt/slides/slide11.xml><?xml version="1.0" encoding="utf-8"?>
 <p:sld xmlns:a="http://schemas.openxmlformats.org/drawingml/2006/main" xmlns:r="http://schemas.openxmlformats.org/officeDocument/2006/relationships" xmlns:p="http://schemas.openxmlformats.org/presentationml/2006/main">
   <p:cSld>
     <p:spTree>
@@ -7039,6 +6395,7 @@
           </a:bodyPr>
           <a:lstStyle/>
           <a:p>
+            <a:pPr algn="ctr"/>
             <a:r>
               <a:rPr lang="ru-RU" sz="4000" cap="none" dirty="0">
                 <a:latin typeface="+mn-lt"/>
@@ -7067,7 +6424,11 @@
           <a:p>
             <a:r>
               <a:rPr lang="en-US" dirty="0" smtClean="0"/>
-              <a:t>13</a:t>
+              <a:t>1</a:t>
+            </a:r>
+            <a:r>
+              <a:rPr lang="ru-RU" dirty="0" smtClean="0"/>
+              <a:t>1</a:t>
             </a:r>
             <a:endParaRPr lang="ru-RU" dirty="0"/>
           </a:p>
@@ -7186,7 +6547,7 @@
 </p:sld>
 </file>
 
-<file path=ppt/slides/slide14.xml><?xml version="1.0" encoding="utf-8"?>
+<file path=ppt/slides/slide12.xml><?xml version="1.0" encoding="utf-8"?>
 <p:sld xmlns:a="http://schemas.openxmlformats.org/drawingml/2006/main" xmlns:r="http://schemas.openxmlformats.org/officeDocument/2006/relationships" xmlns:p="http://schemas.openxmlformats.org/presentationml/2006/main">
   <p:cSld>
     <p:spTree>
@@ -7435,7 +6796,11 @@
           <a:p>
             <a:r>
               <a:rPr lang="en-US" dirty="0" smtClean="0"/>
-              <a:t>14</a:t>
+              <a:t>1</a:t>
+            </a:r>
+            <a:r>
+              <a:rPr lang="ru-RU" dirty="0" smtClean="0"/>
+              <a:t>2</a:t>
             </a:r>
             <a:endParaRPr lang="ru-RU" dirty="0"/>
           </a:p>
@@ -7775,7 +7140,7 @@
 </p:sld>
 </file>
 
-<file path=ppt/slides/slide15.xml><?xml version="1.0" encoding="utf-8"?>
+<file path=ppt/slides/slide13.xml><?xml version="1.0" encoding="utf-8"?>
 <p:sld xmlns:a="http://schemas.openxmlformats.org/drawingml/2006/main" xmlns:r="http://schemas.openxmlformats.org/officeDocument/2006/relationships" xmlns:p="http://schemas.openxmlformats.org/presentationml/2006/main">
   <p:cSld>
     <p:spTree>
@@ -7850,7 +7215,11 @@
           <a:p>
             <a:r>
               <a:rPr lang="en-US" dirty="0" smtClean="0"/>
-              <a:t>15</a:t>
+              <a:t>1</a:t>
+            </a:r>
+            <a:r>
+              <a:rPr lang="ru-RU" dirty="0" smtClean="0"/>
+              <a:t>3</a:t>
             </a:r>
             <a:endParaRPr lang="ru-RU" dirty="0"/>
           </a:p>
@@ -8272,7 +7641,7 @@
 </p:sld>
 </file>
 
-<file path=ppt/slides/slide16.xml><?xml version="1.0" encoding="utf-8"?>
+<file path=ppt/slides/slide14.xml><?xml version="1.0" encoding="utf-8"?>
 <p:sld xmlns:a="http://schemas.openxmlformats.org/drawingml/2006/main" xmlns:r="http://schemas.openxmlformats.org/officeDocument/2006/relationships" xmlns:p="http://schemas.openxmlformats.org/presentationml/2006/main">
   <p:cSld>
     <p:spTree>
@@ -8350,7 +7719,11 @@
           <a:p>
             <a:r>
               <a:rPr lang="en-US" dirty="0" smtClean="0"/>
-              <a:t>16</a:t>
+              <a:t>1</a:t>
+            </a:r>
+            <a:r>
+              <a:rPr lang="ru-RU" dirty="0" smtClean="0"/>
+              <a:t>4</a:t>
             </a:r>
             <a:endParaRPr lang="ru-RU" dirty="0"/>
           </a:p>
@@ -9762,7 +9135,7 @@
 </p:sld>
 </file>
 
-<file path=ppt/slides/slide17.xml><?xml version="1.0" encoding="utf-8"?>
+<file path=ppt/slides/slide15.xml><?xml version="1.0" encoding="utf-8"?>
 <p:sld xmlns:a="http://schemas.openxmlformats.org/drawingml/2006/main" xmlns:r="http://schemas.openxmlformats.org/officeDocument/2006/relationships" xmlns:p="http://schemas.openxmlformats.org/presentationml/2006/main">
   <p:cSld>
     <p:spTree>
@@ -9837,7 +9210,11 @@
           <a:p>
             <a:r>
               <a:rPr lang="en-US" dirty="0" smtClean="0"/>
-              <a:t>17</a:t>
+              <a:t>1</a:t>
+            </a:r>
+            <a:r>
+              <a:rPr lang="ru-RU" dirty="0" smtClean="0"/>
+              <a:t>5</a:t>
             </a:r>
             <a:endParaRPr lang="ru-RU" dirty="0"/>
           </a:p>
@@ -10261,7 +9638,7 @@
 </p:sld>
 </file>
 
-<file path=ppt/slides/slide18.xml><?xml version="1.0" encoding="utf-8"?>
+<file path=ppt/slides/slide16.xml><?xml version="1.0" encoding="utf-8"?>
 <p:sld xmlns:a="http://schemas.openxmlformats.org/drawingml/2006/main" xmlns:r="http://schemas.openxmlformats.org/officeDocument/2006/relationships" xmlns:p="http://schemas.openxmlformats.org/presentationml/2006/main">
   <p:cSld>
     <p:bg>
@@ -10678,7 +10055,11 @@
           <a:p>
             <a:r>
               <a:rPr lang="en-US" dirty="0" smtClean="0"/>
-              <a:t>18</a:t>
+              <a:t>1</a:t>
+            </a:r>
+            <a:r>
+              <a:rPr lang="ru-RU" dirty="0" smtClean="0"/>
+              <a:t>6</a:t>
             </a:r>
             <a:endParaRPr lang="ru-RU" dirty="0"/>
           </a:p>
@@ -10947,7 +10328,7 @@
 </p:sld>
 </file>
 
-<file path=ppt/slides/slide19.xml><?xml version="1.0" encoding="utf-8"?>
+<file path=ppt/slides/slide17.xml><?xml version="1.0" encoding="utf-8"?>
 <p:sld xmlns:a="http://schemas.openxmlformats.org/drawingml/2006/main" xmlns:r="http://schemas.openxmlformats.org/officeDocument/2006/relationships" xmlns:p="http://schemas.openxmlformats.org/presentationml/2006/main">
   <p:cSld>
     <p:bg>
@@ -11108,7 +10489,11 @@
           <a:p>
             <a:r>
               <a:rPr lang="en-US" dirty="0" smtClean="0"/>
-              <a:t>19</a:t>
+              <a:t>1</a:t>
+            </a:r>
+            <a:r>
+              <a:rPr lang="ru-RU" dirty="0" smtClean="0"/>
+              <a:t>7</a:t>
             </a:r>
             <a:endParaRPr lang="ru-RU" dirty="0"/>
           </a:p>
@@ -11374,205 +10759,7 @@
 </p:sld>
 </file>
 
-<file path=ppt/slides/slide2.xml><?xml version="1.0" encoding="utf-8"?>
-<p:sld xmlns:a="http://schemas.openxmlformats.org/drawingml/2006/main" xmlns:r="http://schemas.openxmlformats.org/officeDocument/2006/relationships" xmlns:p="http://schemas.openxmlformats.org/presentationml/2006/main">
-  <p:cSld>
-    <p:spTree>
-      <p:nvGrpSpPr>
-        <p:cNvPr id="1" name=""/>
-        <p:cNvGrpSpPr/>
-        <p:nvPr/>
-      </p:nvGrpSpPr>
-      <p:grpSpPr>
-        <a:xfrm>
-          <a:off x="0" y="0"/>
-          <a:ext cx="0" cy="0"/>
-          <a:chOff x="0" y="0"/>
-          <a:chExt cx="0" cy="0"/>
-        </a:xfrm>
-      </p:grpSpPr>
-      <p:sp>
-        <p:nvSpPr>
-          <p:cNvPr id="4" name="Номер слайда 3">
-            <a:extLst>
-              <a:ext uri="{FF2B5EF4-FFF2-40B4-BE49-F238E27FC236}">
-                <a16:creationId xmlns:a16="http://schemas.microsoft.com/office/drawing/2014/main" id="{ECC26040-52C3-47FD-8BBB-369163CB430E}"/>
-              </a:ext>
-            </a:extLst>
-          </p:cNvPr>
-          <p:cNvSpPr>
-            <a:spLocks noGrp="1"/>
-          </p:cNvSpPr>
-          <p:nvPr>
-            <p:ph type="sldNum" sz="quarter" idx="12"/>
-          </p:nvPr>
-        </p:nvSpPr>
-        <p:spPr/>
-        <p:txBody>
-          <a:bodyPr/>
-          <a:lstStyle/>
-          <a:p>
-            <a:fld id="{C569FDB9-978A-4295-A40F-75DB9D9B47B8}" type="slidenum">
-              <a:rPr lang="ru-RU" smtClean="0"/>
-              <a:t>2</a:t>
-            </a:fld>
-            <a:endParaRPr lang="ru-RU"/>
-          </a:p>
-        </p:txBody>
-      </p:sp>
-      <p:sp>
-        <p:nvSpPr>
-          <p:cNvPr id="8" name="TextBox 7"/>
-          <p:cNvSpPr txBox="1"/>
-          <p:nvPr/>
-        </p:nvSpPr>
-        <p:spPr>
-          <a:xfrm>
-            <a:off x="939798" y="1353404"/>
-            <a:ext cx="3776135" cy="1569660"/>
-          </a:xfrm>
-          <a:prstGeom prst="rect">
-            <a:avLst/>
-          </a:prstGeom>
-          <a:noFill/>
-        </p:spPr>
-        <p:txBody>
-          <a:bodyPr wrap="square" rtlCol="0">
-            <a:spAutoFit/>
-          </a:bodyPr>
-          <a:lstStyle/>
-          <a:p>
-            <a:r>
-              <a:rPr lang="ru-RU" sz="2400" b="1" dirty="0" smtClean="0"/>
-              <a:t>Объект исследования</a:t>
-            </a:r>
-            <a:r>
-              <a:rPr lang="ru-RU" sz="2400" dirty="0" smtClean="0"/>
-              <a:t>: отдел кадров компании ООО </a:t>
-            </a:r>
-            <a:r>
-              <a:rPr lang="en-US" sz="2400" dirty="0" smtClean="0"/>
-              <a:t>“</a:t>
-            </a:r>
-            <a:r>
-              <a:rPr lang="ru-RU" sz="2400" dirty="0" smtClean="0"/>
-              <a:t>Автоматизация розничных технологий</a:t>
-            </a:r>
-            <a:r>
-              <a:rPr lang="en-US" sz="2400" dirty="0" smtClean="0"/>
-              <a:t>”</a:t>
-            </a:r>
-            <a:r>
-              <a:rPr lang="ru-RU" sz="2400" dirty="0" smtClean="0"/>
-              <a:t> </a:t>
-            </a:r>
-            <a:endParaRPr lang="ru-RU" sz="2400" dirty="0"/>
-          </a:p>
-        </p:txBody>
-      </p:sp>
-      <p:sp>
-        <p:nvSpPr>
-          <p:cNvPr id="9" name="TextBox 8"/>
-          <p:cNvSpPr txBox="1"/>
-          <p:nvPr/>
-        </p:nvSpPr>
-        <p:spPr>
-          <a:xfrm>
-            <a:off x="939798" y="3767667"/>
-            <a:ext cx="4182535" cy="1200329"/>
-          </a:xfrm>
-          <a:prstGeom prst="rect">
-            <a:avLst/>
-          </a:prstGeom>
-          <a:noFill/>
-        </p:spPr>
-        <p:txBody>
-          <a:bodyPr wrap="square" rtlCol="0">
-            <a:spAutoFit/>
-          </a:bodyPr>
-          <a:lstStyle/>
-          <a:p>
-            <a:r>
-              <a:rPr lang="ru-RU" sz="2400" b="1" dirty="0" smtClean="0"/>
-              <a:t>Предмет исследования</a:t>
-            </a:r>
-            <a:r>
-              <a:rPr lang="ru-RU" sz="2400" dirty="0" smtClean="0"/>
-              <a:t>: процесс трудоустройства кандидата в компанию</a:t>
-            </a:r>
-            <a:endParaRPr lang="ru-RU" sz="2400" dirty="0"/>
-          </a:p>
-        </p:txBody>
-      </p:sp>
-      <p:pic>
-        <p:nvPicPr>
-          <p:cNvPr id="10" name="Рисунок 9"/>
-          <p:cNvPicPr>
-            <a:picLocks noChangeAspect="1"/>
-          </p:cNvPicPr>
-          <p:nvPr/>
-        </p:nvPicPr>
-        <p:blipFill>
-          <a:blip r:embed="rId2">
-            <a:extLst>
-              <a:ext uri="{BEBA8EAE-BF5A-486C-A8C5-ECC9F3942E4B}">
-                <a14:imgProps xmlns:a14="http://schemas.microsoft.com/office/drawing/2010/main">
-                  <a14:imgLayer r:embed="rId3">
-                    <a14:imgEffect>
-                      <a14:backgroundRemoval t="0" b="100000" l="0" r="100000">
-                        <a14:foregroundMark x1="50479" y1="49521" x2="50479" y2="49521"/>
-                        <a14:foregroundMark x1="27955" y1="47444" x2="27955" y2="47444"/>
-                      </a14:backgroundRemoval>
-                    </a14:imgEffect>
-                    <a14:imgEffect>
-                      <a14:brightnessContrast contrast="23000"/>
-                    </a14:imgEffect>
-                  </a14:imgLayer>
-                </a14:imgProps>
-              </a:ext>
-              <a:ext uri="{28A0092B-C50C-407E-A947-70E740481C1C}">
-                <a14:useLocalDpi xmlns:a14="http://schemas.microsoft.com/office/drawing/2010/main" val="0"/>
-              </a:ext>
-            </a:extLst>
-          </a:blip>
-          <a:stretch>
-            <a:fillRect/>
-          </a:stretch>
-        </p:blipFill>
-        <p:spPr>
-          <a:xfrm>
-            <a:off x="6355292" y="438097"/>
-            <a:ext cx="4969933" cy="4969933"/>
-          </a:xfrm>
-          <a:prstGeom prst="rect">
-            <a:avLst/>
-          </a:prstGeom>
-        </p:spPr>
-      </p:pic>
-    </p:spTree>
-    <p:extLst>
-      <p:ext uri="{BB962C8B-B14F-4D97-AF65-F5344CB8AC3E}">
-        <p14:creationId xmlns:p14="http://schemas.microsoft.com/office/powerpoint/2010/main" val="2218710074"/>
-      </p:ext>
-    </p:extLst>
-  </p:cSld>
-  <p:clrMapOvr>
-    <a:masterClrMapping/>
-  </p:clrMapOvr>
-  <p:transition spd="slow">
-    <p:push dir="u"/>
-  </p:transition>
-  <p:timing>
-    <p:tnLst>
-      <p:par>
-        <p:cTn id="1" dur="indefinite" restart="never" nodeType="tmRoot"/>
-      </p:par>
-    </p:tnLst>
-  </p:timing>
-</p:sld>
-</file>
-
-<file path=ppt/slides/slide20.xml><?xml version="1.0" encoding="utf-8"?>
+<file path=ppt/slides/slide18.xml><?xml version="1.0" encoding="utf-8"?>
 <p:sld xmlns:a="http://schemas.openxmlformats.org/drawingml/2006/main" xmlns:r="http://schemas.openxmlformats.org/officeDocument/2006/relationships" xmlns:p="http://schemas.openxmlformats.org/presentationml/2006/main">
   <p:cSld>
     <p:bg>
@@ -11614,7 +10801,7 @@
           <a:p>
             <a:r>
               <a:rPr lang="ru-RU" dirty="0" smtClean="0"/>
-              <a:t>20</a:t>
+              <a:t>18</a:t>
             </a:r>
             <a:endParaRPr lang="ru-RU" dirty="0"/>
           </a:p>
@@ -11722,7 +10909,7 @@
 </p:sld>
 </file>
 
-<file path=ppt/slides/slide21.xml><?xml version="1.0" encoding="utf-8"?>
+<file path=ppt/slides/slide19.xml><?xml version="1.0" encoding="utf-8"?>
 <p:sld xmlns:a="http://schemas.openxmlformats.org/drawingml/2006/main" xmlns:r="http://schemas.openxmlformats.org/officeDocument/2006/relationships" xmlns:p="http://schemas.openxmlformats.org/presentationml/2006/main">
   <p:cSld>
     <p:spTree>
@@ -11790,7 +10977,7 @@
           <a:p>
             <a:r>
               <a:rPr lang="ru-RU" dirty="0" smtClean="0"/>
-              <a:t>21</a:t>
+              <a:t>19</a:t>
             </a:r>
             <a:endParaRPr lang="ru-RU" dirty="0"/>
           </a:p>
@@ -12022,7 +11209,632 @@
 </p:sld>
 </file>
 
-<file path=ppt/slides/slide22.xml><?xml version="1.0" encoding="utf-8"?>
+<file path=ppt/slides/slide2.xml><?xml version="1.0" encoding="utf-8"?>
+<p:sld xmlns:a="http://schemas.openxmlformats.org/drawingml/2006/main" xmlns:r="http://schemas.openxmlformats.org/officeDocument/2006/relationships" xmlns:p="http://schemas.openxmlformats.org/presentationml/2006/main">
+  <p:cSld>
+    <p:spTree>
+      <p:nvGrpSpPr>
+        <p:cNvPr id="1" name=""/>
+        <p:cNvGrpSpPr/>
+        <p:nvPr/>
+      </p:nvGrpSpPr>
+      <p:grpSpPr>
+        <a:xfrm>
+          <a:off x="0" y="0"/>
+          <a:ext cx="0" cy="0"/>
+          <a:chOff x="0" y="0"/>
+          <a:chExt cx="0" cy="0"/>
+        </a:xfrm>
+      </p:grpSpPr>
+      <p:sp>
+        <p:nvSpPr>
+          <p:cNvPr id="4" name="Номер слайда 3">
+            <a:extLst>
+              <a:ext uri="{FF2B5EF4-FFF2-40B4-BE49-F238E27FC236}">
+                <a16:creationId xmlns:a16="http://schemas.microsoft.com/office/drawing/2014/main" id="{ECC26040-52C3-47FD-8BBB-369163CB430E}"/>
+              </a:ext>
+            </a:extLst>
+          </p:cNvPr>
+          <p:cNvSpPr>
+            <a:spLocks noGrp="1"/>
+          </p:cNvSpPr>
+          <p:nvPr>
+            <p:ph type="sldNum" sz="quarter" idx="12"/>
+          </p:nvPr>
+        </p:nvSpPr>
+        <p:spPr/>
+        <p:txBody>
+          <a:bodyPr/>
+          <a:lstStyle/>
+          <a:p>
+            <a:fld id="{C569FDB9-978A-4295-A40F-75DB9D9B47B8}" type="slidenum">
+              <a:rPr lang="ru-RU" smtClean="0"/>
+              <a:t>2</a:t>
+            </a:fld>
+            <a:endParaRPr lang="ru-RU"/>
+          </a:p>
+        </p:txBody>
+      </p:sp>
+      <p:pic>
+        <p:nvPicPr>
+          <p:cNvPr id="10" name="Рисунок 9"/>
+          <p:cNvPicPr>
+            <a:picLocks noChangeAspect="1"/>
+          </p:cNvPicPr>
+          <p:nvPr/>
+        </p:nvPicPr>
+        <p:blipFill>
+          <a:blip r:embed="rId2">
+            <a:extLst>
+              <a:ext uri="{BEBA8EAE-BF5A-486C-A8C5-ECC9F3942E4B}">
+                <a14:imgProps xmlns:a14="http://schemas.microsoft.com/office/drawing/2010/main">
+                  <a14:imgLayer r:embed="rId3">
+                    <a14:imgEffect>
+                      <a14:backgroundRemoval t="0" b="100000" l="0" r="100000">
+                        <a14:foregroundMark x1="50479" y1="49521" x2="50479" y2="49521"/>
+                        <a14:foregroundMark x1="27955" y1="47444" x2="27955" y2="47444"/>
+                      </a14:backgroundRemoval>
+                    </a14:imgEffect>
+                    <a14:imgEffect>
+                      <a14:brightnessContrast contrast="23000"/>
+                    </a14:imgEffect>
+                  </a14:imgLayer>
+                </a14:imgProps>
+              </a:ext>
+              <a:ext uri="{28A0092B-C50C-407E-A947-70E740481C1C}">
+                <a14:useLocalDpi xmlns:a14="http://schemas.microsoft.com/office/drawing/2010/main" val="0"/>
+              </a:ext>
+            </a:extLst>
+          </a:blip>
+          <a:stretch>
+            <a:fillRect/>
+          </a:stretch>
+        </p:blipFill>
+        <p:spPr>
+          <a:xfrm>
+            <a:off x="6355292" y="438097"/>
+            <a:ext cx="4969933" cy="4969933"/>
+          </a:xfrm>
+          <a:prstGeom prst="rect">
+            <a:avLst/>
+          </a:prstGeom>
+        </p:spPr>
+      </p:pic>
+      <p:sp>
+        <p:nvSpPr>
+          <p:cNvPr id="6" name="TextBox 5"/>
+          <p:cNvSpPr txBox="1"/>
+          <p:nvPr/>
+        </p:nvSpPr>
+        <p:spPr>
+          <a:xfrm>
+            <a:off x="939799" y="2810512"/>
+            <a:ext cx="3473940" cy="1446550"/>
+          </a:xfrm>
+          <a:prstGeom prst="rect">
+            <a:avLst/>
+          </a:prstGeom>
+          <a:noFill/>
+        </p:spPr>
+        <p:txBody>
+          <a:bodyPr wrap="square" rtlCol="0">
+            <a:spAutoFit/>
+          </a:bodyPr>
+          <a:lstStyle/>
+          <a:p>
+            <a:r>
+              <a:rPr lang="ru-RU" sz="2200" b="1" dirty="0" smtClean="0"/>
+              <a:t>Объект исследования</a:t>
+            </a:r>
+            <a:r>
+              <a:rPr lang="ru-RU" sz="2200" dirty="0" smtClean="0"/>
+              <a:t>: отдел кадров компании ООО </a:t>
+            </a:r>
+            <a:r>
+              <a:rPr lang="en-US" sz="2200" dirty="0" smtClean="0"/>
+              <a:t>“</a:t>
+            </a:r>
+            <a:r>
+              <a:rPr lang="ru-RU" sz="2200" dirty="0" smtClean="0"/>
+              <a:t>Автоматизация розничных технологий</a:t>
+            </a:r>
+            <a:r>
+              <a:rPr lang="en-US" sz="2200" dirty="0" smtClean="0"/>
+              <a:t>”</a:t>
+            </a:r>
+            <a:r>
+              <a:rPr lang="ru-RU" sz="2200" dirty="0" smtClean="0"/>
+              <a:t> </a:t>
+            </a:r>
+            <a:endParaRPr lang="ru-RU" sz="2200" dirty="0"/>
+          </a:p>
+        </p:txBody>
+      </p:sp>
+      <p:sp>
+        <p:nvSpPr>
+          <p:cNvPr id="7" name="TextBox 6"/>
+          <p:cNvSpPr txBox="1"/>
+          <p:nvPr/>
+        </p:nvSpPr>
+        <p:spPr>
+          <a:xfrm>
+            <a:off x="939799" y="4550016"/>
+            <a:ext cx="3966310" cy="1107996"/>
+          </a:xfrm>
+          <a:prstGeom prst="rect">
+            <a:avLst/>
+          </a:prstGeom>
+          <a:noFill/>
+        </p:spPr>
+        <p:txBody>
+          <a:bodyPr wrap="square" rtlCol="0">
+            <a:spAutoFit/>
+          </a:bodyPr>
+          <a:lstStyle/>
+          <a:p>
+            <a:r>
+              <a:rPr lang="ru-RU" sz="2200" b="1" dirty="0" smtClean="0"/>
+              <a:t>Предмет исследования</a:t>
+            </a:r>
+            <a:r>
+              <a:rPr lang="ru-RU" sz="2200" dirty="0" smtClean="0"/>
+              <a:t>: процесс трудоустройства кандидата в компанию</a:t>
+            </a:r>
+            <a:endParaRPr lang="ru-RU" sz="2200" dirty="0"/>
+          </a:p>
+        </p:txBody>
+      </p:sp>
+      <p:sp>
+        <p:nvSpPr>
+          <p:cNvPr id="11" name="TextBox 10"/>
+          <p:cNvSpPr txBox="1"/>
+          <p:nvPr/>
+        </p:nvSpPr>
+        <p:spPr>
+          <a:xfrm>
+            <a:off x="939799" y="393901"/>
+            <a:ext cx="3720124" cy="2123658"/>
+          </a:xfrm>
+          <a:prstGeom prst="rect">
+            <a:avLst/>
+          </a:prstGeom>
+          <a:noFill/>
+        </p:spPr>
+        <p:txBody>
+          <a:bodyPr wrap="square" rtlCol="0">
+            <a:spAutoFit/>
+          </a:bodyPr>
+          <a:lstStyle/>
+          <a:p>
+            <a:r>
+              <a:rPr lang="ru-RU" sz="2200" b="1" dirty="0" smtClean="0"/>
+              <a:t>Проблема</a:t>
+            </a:r>
+            <a:r>
+              <a:rPr lang="ru-RU" sz="2200" dirty="0" smtClean="0"/>
+              <a:t>: отсутствие интеграции взаимодействия между внутренними отделами предприятия → снижение эффективности работы предприятия</a:t>
+            </a:r>
+            <a:endParaRPr lang="ru-RU" sz="2200" dirty="0"/>
+          </a:p>
+        </p:txBody>
+      </p:sp>
+    </p:spTree>
+    <p:extLst>
+      <p:ext uri="{BB962C8B-B14F-4D97-AF65-F5344CB8AC3E}">
+        <p14:creationId xmlns:p14="http://schemas.microsoft.com/office/powerpoint/2010/main" val="2218710074"/>
+      </p:ext>
+    </p:extLst>
+  </p:cSld>
+  <p:clrMapOvr>
+    <a:masterClrMapping/>
+  </p:clrMapOvr>
+  <p:transition spd="slow">
+    <p:push dir="u"/>
+  </p:transition>
+  <p:timing>
+    <p:tnLst>
+      <p:par>
+        <p:cTn id="1" dur="indefinite" restart="never" nodeType="tmRoot">
+          <p:childTnLst>
+            <p:seq concurrent="1" nextAc="seek">
+              <p:cTn id="2" dur="indefinite" nodeType="mainSeq">
+                <p:childTnLst>
+                  <p:par>
+                    <p:cTn id="3" fill="hold">
+                      <p:stCondLst>
+                        <p:cond delay="indefinite"/>
+                        <p:cond evt="onBegin" delay="0">
+                          <p:tn val="2"/>
+                        </p:cond>
+                      </p:stCondLst>
+                      <p:childTnLst>
+                        <p:par>
+                          <p:cTn id="4" fill="hold">
+                            <p:stCondLst>
+                              <p:cond delay="0"/>
+                            </p:stCondLst>
+                            <p:childTnLst>
+                              <p:par>
+                                <p:cTn id="5" presetID="2" presetClass="entr" presetSubtype="8" fill="hold" grpId="0" nodeType="withEffect">
+                                  <p:stCondLst>
+                                    <p:cond delay="0"/>
+                                  </p:stCondLst>
+                                  <p:childTnLst>
+                                    <p:set>
+                                      <p:cBhvr>
+                                        <p:cTn id="6" dur="1" fill="hold">
+                                          <p:stCondLst>
+                                            <p:cond delay="0"/>
+                                          </p:stCondLst>
+                                        </p:cTn>
+                                        <p:tgtEl>
+                                          <p:spTgt spid="11"/>
+                                        </p:tgtEl>
+                                        <p:attrNameLst>
+                                          <p:attrName>style.visibility</p:attrName>
+                                        </p:attrNameLst>
+                                      </p:cBhvr>
+                                      <p:to>
+                                        <p:strVal val="visible"/>
+                                      </p:to>
+                                    </p:set>
+                                    <p:anim calcmode="lin" valueType="num">
+                                      <p:cBhvr additive="base">
+                                        <p:cTn id="7" dur="500" fill="hold"/>
+                                        <p:tgtEl>
+                                          <p:spTgt spid="11"/>
+                                        </p:tgtEl>
+                                        <p:attrNameLst>
+                                          <p:attrName>ppt_x</p:attrName>
+                                        </p:attrNameLst>
+                                      </p:cBhvr>
+                                      <p:tavLst>
+                                        <p:tav tm="0">
+                                          <p:val>
+                                            <p:strVal val="0-#ppt_w/2"/>
+                                          </p:val>
+                                        </p:tav>
+                                        <p:tav tm="100000">
+                                          <p:val>
+                                            <p:strVal val="#ppt_x"/>
+                                          </p:val>
+                                        </p:tav>
+                                      </p:tavLst>
+                                    </p:anim>
+                                    <p:anim calcmode="lin" valueType="num">
+                                      <p:cBhvr additive="base">
+                                        <p:cTn id="8" dur="500" fill="hold"/>
+                                        <p:tgtEl>
+                                          <p:spTgt spid="11"/>
+                                        </p:tgtEl>
+                                        <p:attrNameLst>
+                                          <p:attrName>ppt_y</p:attrName>
+                                        </p:attrNameLst>
+                                      </p:cBhvr>
+                                      <p:tavLst>
+                                        <p:tav tm="0">
+                                          <p:val>
+                                            <p:strVal val="#ppt_y"/>
+                                          </p:val>
+                                        </p:tav>
+                                        <p:tav tm="100000">
+                                          <p:val>
+                                            <p:strVal val="#ppt_y"/>
+                                          </p:val>
+                                        </p:tav>
+                                      </p:tavLst>
+                                    </p:anim>
+                                  </p:childTnLst>
+                                </p:cTn>
+                              </p:par>
+                              <p:par>
+                                <p:cTn id="9" presetID="2" presetClass="entr" presetSubtype="8" fill="hold" grpId="0" nodeType="withEffect">
+                                  <p:stCondLst>
+                                    <p:cond delay="200"/>
+                                  </p:stCondLst>
+                                  <p:childTnLst>
+                                    <p:set>
+                                      <p:cBhvr>
+                                        <p:cTn id="10" dur="1" fill="hold">
+                                          <p:stCondLst>
+                                            <p:cond delay="0"/>
+                                          </p:stCondLst>
+                                        </p:cTn>
+                                        <p:tgtEl>
+                                          <p:spTgt spid="6"/>
+                                        </p:tgtEl>
+                                        <p:attrNameLst>
+                                          <p:attrName>style.visibility</p:attrName>
+                                        </p:attrNameLst>
+                                      </p:cBhvr>
+                                      <p:to>
+                                        <p:strVal val="visible"/>
+                                      </p:to>
+                                    </p:set>
+                                    <p:anim calcmode="lin" valueType="num">
+                                      <p:cBhvr additive="base">
+                                        <p:cTn id="11" dur="500" fill="hold"/>
+                                        <p:tgtEl>
+                                          <p:spTgt spid="6"/>
+                                        </p:tgtEl>
+                                        <p:attrNameLst>
+                                          <p:attrName>ppt_x</p:attrName>
+                                        </p:attrNameLst>
+                                      </p:cBhvr>
+                                      <p:tavLst>
+                                        <p:tav tm="0">
+                                          <p:val>
+                                            <p:strVal val="0-#ppt_w/2"/>
+                                          </p:val>
+                                        </p:tav>
+                                        <p:tav tm="100000">
+                                          <p:val>
+                                            <p:strVal val="#ppt_x"/>
+                                          </p:val>
+                                        </p:tav>
+                                      </p:tavLst>
+                                    </p:anim>
+                                    <p:anim calcmode="lin" valueType="num">
+                                      <p:cBhvr additive="base">
+                                        <p:cTn id="12" dur="500" fill="hold"/>
+                                        <p:tgtEl>
+                                          <p:spTgt spid="6"/>
+                                        </p:tgtEl>
+                                        <p:attrNameLst>
+                                          <p:attrName>ppt_y</p:attrName>
+                                        </p:attrNameLst>
+                                      </p:cBhvr>
+                                      <p:tavLst>
+                                        <p:tav tm="0">
+                                          <p:val>
+                                            <p:strVal val="#ppt_y"/>
+                                          </p:val>
+                                        </p:tav>
+                                        <p:tav tm="100000">
+                                          <p:val>
+                                            <p:strVal val="#ppt_y"/>
+                                          </p:val>
+                                        </p:tav>
+                                      </p:tavLst>
+                                    </p:anim>
+                                  </p:childTnLst>
+                                </p:cTn>
+                              </p:par>
+                              <p:par>
+                                <p:cTn id="13" presetID="2" presetClass="entr" presetSubtype="8" fill="hold" grpId="0" nodeType="withEffect">
+                                  <p:stCondLst>
+                                    <p:cond delay="300"/>
+                                  </p:stCondLst>
+                                  <p:childTnLst>
+                                    <p:set>
+                                      <p:cBhvr>
+                                        <p:cTn id="14" dur="1" fill="hold">
+                                          <p:stCondLst>
+                                            <p:cond delay="0"/>
+                                          </p:stCondLst>
+                                        </p:cTn>
+                                        <p:tgtEl>
+                                          <p:spTgt spid="7"/>
+                                        </p:tgtEl>
+                                        <p:attrNameLst>
+                                          <p:attrName>style.visibility</p:attrName>
+                                        </p:attrNameLst>
+                                      </p:cBhvr>
+                                      <p:to>
+                                        <p:strVal val="visible"/>
+                                      </p:to>
+                                    </p:set>
+                                    <p:anim calcmode="lin" valueType="num">
+                                      <p:cBhvr additive="base">
+                                        <p:cTn id="15" dur="500" fill="hold"/>
+                                        <p:tgtEl>
+                                          <p:spTgt spid="7"/>
+                                        </p:tgtEl>
+                                        <p:attrNameLst>
+                                          <p:attrName>ppt_x</p:attrName>
+                                        </p:attrNameLst>
+                                      </p:cBhvr>
+                                      <p:tavLst>
+                                        <p:tav tm="0">
+                                          <p:val>
+                                            <p:strVal val="0-#ppt_w/2"/>
+                                          </p:val>
+                                        </p:tav>
+                                        <p:tav tm="100000">
+                                          <p:val>
+                                            <p:strVal val="#ppt_x"/>
+                                          </p:val>
+                                        </p:tav>
+                                      </p:tavLst>
+                                    </p:anim>
+                                    <p:anim calcmode="lin" valueType="num">
+                                      <p:cBhvr additive="base">
+                                        <p:cTn id="16" dur="500" fill="hold"/>
+                                        <p:tgtEl>
+                                          <p:spTgt spid="7"/>
+                                        </p:tgtEl>
+                                        <p:attrNameLst>
+                                          <p:attrName>ppt_y</p:attrName>
+                                        </p:attrNameLst>
+                                      </p:cBhvr>
+                                      <p:tavLst>
+                                        <p:tav tm="0">
+                                          <p:val>
+                                            <p:strVal val="#ppt_y"/>
+                                          </p:val>
+                                        </p:tav>
+                                        <p:tav tm="100000">
+                                          <p:val>
+                                            <p:strVal val="#ppt_y"/>
+                                          </p:val>
+                                        </p:tav>
+                                      </p:tavLst>
+                                    </p:anim>
+                                  </p:childTnLst>
+                                </p:cTn>
+                              </p:par>
+                            </p:childTnLst>
+                          </p:cTn>
+                        </p:par>
+                      </p:childTnLst>
+                    </p:cTn>
+                  </p:par>
+                </p:childTnLst>
+              </p:cTn>
+              <p:prevCondLst>
+                <p:cond evt="onPrev" delay="0">
+                  <p:tgtEl>
+                    <p:sldTgt/>
+                  </p:tgtEl>
+                </p:cond>
+              </p:prevCondLst>
+              <p:nextCondLst>
+                <p:cond evt="onNext" delay="0">
+                  <p:tgtEl>
+                    <p:sldTgt/>
+                  </p:tgtEl>
+                </p:cond>
+              </p:nextCondLst>
+            </p:seq>
+          </p:childTnLst>
+        </p:cTn>
+      </p:par>
+    </p:tnLst>
+    <p:bldLst>
+      <p:bldP spid="6" grpId="0"/>
+      <p:bldP spid="7" grpId="0"/>
+      <p:bldP spid="11" grpId="0"/>
+    </p:bldLst>
+  </p:timing>
+</p:sld>
+</file>
+
+<file path=ppt/slides/slide20.xml><?xml version="1.0" encoding="utf-8"?>
+<p:sld xmlns:a="http://schemas.openxmlformats.org/drawingml/2006/main" xmlns:r="http://schemas.openxmlformats.org/officeDocument/2006/relationships" xmlns:p="http://schemas.openxmlformats.org/presentationml/2006/main">
+  <p:cSld>
+    <p:spTree>
+      <p:nvGrpSpPr>
+        <p:cNvPr id="1" name=""/>
+        <p:cNvGrpSpPr/>
+        <p:nvPr/>
+      </p:nvGrpSpPr>
+      <p:grpSpPr>
+        <a:xfrm>
+          <a:off x="0" y="0"/>
+          <a:ext cx="0" cy="0"/>
+          <a:chOff x="0" y="0"/>
+          <a:chExt cx="0" cy="0"/>
+        </a:xfrm>
+      </p:grpSpPr>
+      <p:sp>
+        <p:nvSpPr>
+          <p:cNvPr id="4" name="Номер слайда 3"/>
+          <p:cNvSpPr>
+            <a:spLocks noGrp="1"/>
+          </p:cNvSpPr>
+          <p:nvPr>
+            <p:ph type="sldNum" sz="quarter" idx="12"/>
+          </p:nvPr>
+        </p:nvSpPr>
+        <p:spPr/>
+        <p:txBody>
+          <a:bodyPr/>
+          <a:lstStyle/>
+          <a:p>
+            <a:r>
+              <a:rPr lang="ru-RU" dirty="0" smtClean="0"/>
+              <a:t>20</a:t>
+            </a:r>
+            <a:endParaRPr lang="ru-RU" dirty="0"/>
+          </a:p>
+        </p:txBody>
+      </p:sp>
+      <p:graphicFrame>
+        <p:nvGraphicFramePr>
+          <p:cNvPr id="5" name="Диаграмма 4"/>
+          <p:cNvGraphicFramePr>
+            <a:graphicFrameLocks/>
+          </p:cNvGraphicFramePr>
+          <p:nvPr>
+            <p:extLst/>
+          </p:nvPr>
+        </p:nvGraphicFramePr>
+        <p:xfrm>
+          <a:off x="1987826" y="1202634"/>
+          <a:ext cx="8368748" cy="5014567"/>
+        </p:xfrm>
+        <a:graphic>
+          <a:graphicData uri="http://schemas.openxmlformats.org/drawingml/2006/chart">
+            <c:chart xmlns:c="http://schemas.openxmlformats.org/drawingml/2006/chart" xmlns:r="http://schemas.openxmlformats.org/officeDocument/2006/relationships" r:id="rId2"/>
+          </a:graphicData>
+        </a:graphic>
+      </p:graphicFrame>
+      <p:sp>
+        <p:nvSpPr>
+          <p:cNvPr id="6" name="Заголовок 1">
+            <a:extLst>
+              <a:ext uri="{FF2B5EF4-FFF2-40B4-BE49-F238E27FC236}">
+                <a16:creationId xmlns:a16="http://schemas.microsoft.com/office/drawing/2014/main" id="{6B4DE993-8CDF-4A46-93C7-8F2D1298E045}"/>
+              </a:ext>
+            </a:extLst>
+          </p:cNvPr>
+          <p:cNvSpPr>
+            <a:spLocks noGrp="1"/>
+          </p:cNvSpPr>
+          <p:nvPr>
+            <p:ph type="title"/>
+          </p:nvPr>
+        </p:nvSpPr>
+        <p:spPr>
+          <a:xfrm>
+            <a:off x="838200" y="76890"/>
+            <a:ext cx="10515600" cy="1325563"/>
+          </a:xfrm>
+        </p:spPr>
+        <p:txBody>
+          <a:bodyPr>
+            <a:normAutofit/>
+          </a:bodyPr>
+          <a:lstStyle/>
+          <a:p>
+            <a:pPr algn="ctr"/>
+            <a:r>
+              <a:rPr lang="ru-RU" sz="4000" cap="none" dirty="0" smtClean="0">
+                <a:latin typeface="+mn-lt"/>
+                <a:ea typeface="+mn-ea"/>
+                <a:cs typeface="+mn-cs"/>
+              </a:rPr>
+              <a:t>Финансовый профиль проекта</a:t>
+            </a:r>
+            <a:endParaRPr lang="ru-RU" sz="4000" cap="none" dirty="0">
+              <a:latin typeface="+mn-lt"/>
+              <a:ea typeface="+mn-ea"/>
+              <a:cs typeface="+mn-cs"/>
+            </a:endParaRPr>
+          </a:p>
+        </p:txBody>
+      </p:sp>
+    </p:spTree>
+    <p:extLst>
+      <p:ext uri="{BB962C8B-B14F-4D97-AF65-F5344CB8AC3E}">
+        <p14:creationId xmlns:p14="http://schemas.microsoft.com/office/powerpoint/2010/main" val="2920903649"/>
+      </p:ext>
+    </p:extLst>
+  </p:cSld>
+  <p:clrMapOvr>
+    <a:masterClrMapping/>
+  </p:clrMapOvr>
+  <p:timing>
+    <p:tnLst>
+      <p:par>
+        <p:cTn id="1" dur="indefinite" restart="never" nodeType="tmRoot"/>
+      </p:par>
+    </p:tnLst>
+  </p:timing>
+</p:sld>
+</file>
+
+<file path=ppt/slides/slide21.xml><?xml version="1.0" encoding="utf-8"?>
 <p:sld xmlns:a="http://schemas.openxmlformats.org/drawingml/2006/main" xmlns:r="http://schemas.openxmlformats.org/officeDocument/2006/relationships" xmlns:p="http://schemas.openxmlformats.org/presentationml/2006/main">
   <p:cSld>
     <p:bg>
@@ -12218,7 +12030,7 @@
           <a:p>
             <a:r>
               <a:rPr lang="ru-RU" dirty="0" smtClean="0"/>
-              <a:t>22</a:t>
+              <a:t>21</a:t>
             </a:r>
             <a:endParaRPr lang="ru-RU" dirty="0"/>
           </a:p>
@@ -12247,7 +12059,7 @@
 </p:sld>
 </file>
 
-<file path=ppt/slides/slide23.xml><?xml version="1.0" encoding="utf-8"?>
+<file path=ppt/slides/slide22.xml><?xml version="1.0" encoding="utf-8"?>
 <p:sld xmlns:a="http://schemas.openxmlformats.org/drawingml/2006/main" xmlns:r="http://schemas.openxmlformats.org/officeDocument/2006/relationships" xmlns:p="http://schemas.openxmlformats.org/presentationml/2006/main">
   <p:cSld>
     <p:spTree>
@@ -12283,7 +12095,7 @@
         <p:spPr>
           <a:xfrm>
             <a:off x="3718259" y="3028449"/>
-            <a:ext cx="4987592" cy="772026"/>
+            <a:ext cx="5118010" cy="772026"/>
           </a:xfrm>
         </p:spPr>
         <p:txBody>
@@ -12312,8 +12124,12 @@
               <a:t> </a:t>
             </a:r>
             <a:r>
-              <a:rPr lang="en-US" sz="4000" cap="none" dirty="0" err="1"/>
+              <a:rPr lang="en-US" sz="4000" cap="none" dirty="0" err="1" smtClean="0"/>
               <a:t>внимание</a:t>
+            </a:r>
+            <a:r>
+              <a:rPr lang="ru-RU" sz="4000" cap="none" dirty="0" smtClean="0"/>
+              <a:t>!</a:t>
             </a:r>
             <a:endParaRPr lang="ru-RU" sz="4000" cap="none" dirty="0"/>
           </a:p>
@@ -12342,7 +12158,7 @@
           <a:p>
             <a:r>
               <a:rPr lang="ru-RU" dirty="0" smtClean="0"/>
-              <a:t>23</a:t>
+              <a:t>22</a:t>
             </a:r>
             <a:endParaRPr lang="ru-RU" dirty="0"/>
           </a:p>
@@ -12491,15 +12307,7 @@
             </a:r>
             <a:r>
               <a:rPr lang="ru-RU" sz="6000" cap="none" dirty="0"/>
-              <a:t> – создание мобильного приложения для операционной системы </a:t>
-            </a:r>
-            <a:r>
-              <a:rPr lang="en-US" sz="6000" cap="none" dirty="0"/>
-              <a:t>Android</a:t>
-            </a:r>
-            <a:r>
-              <a:rPr lang="ru-RU" sz="6000" cap="none" dirty="0"/>
-              <a:t>, связывающее между собой в процессе трудоустройства сотрудников из разных отделов</a:t>
+              <a:t> – создание мобильного приложения для повышения эффективности процесса трудоустройства сотрудников.</a:t>
             </a:r>
           </a:p>
           <a:p>
@@ -12510,8 +12318,12 @@
               <a:buNone/>
             </a:pPr>
             <a:r>
+              <a:rPr lang="ru-RU" sz="5000" cap="none" dirty="0" smtClean="0"/>
+              <a:t>Задачи</a:t>
+            </a:r>
+            <a:r>
               <a:rPr lang="ru-RU" sz="5000" cap="none" dirty="0"/>
-              <a:t>Задачи: </a:t>
+              <a:t>: </a:t>
             </a:r>
             <a:endParaRPr lang="ru-RU" sz="3000" dirty="0"/>
           </a:p>
@@ -12670,47 +12482,7 @@
       </p:grpSpPr>
       <p:sp>
         <p:nvSpPr>
-          <p:cNvPr id="2" name="Заголовок 1">
-            <a:extLst>
-              <a:ext uri="{FF2B5EF4-FFF2-40B4-BE49-F238E27FC236}">
-                <a16:creationId xmlns:a16="http://schemas.microsoft.com/office/drawing/2014/main" id="{85A67EE4-1490-489F-B022-DB785FFC2A71}"/>
-              </a:ext>
-            </a:extLst>
-          </p:cNvPr>
-          <p:cNvSpPr>
-            <a:spLocks noGrp="1"/>
-          </p:cNvSpPr>
-          <p:nvPr>
-            <p:ph type="title"/>
-          </p:nvPr>
-        </p:nvSpPr>
-        <p:spPr/>
-        <p:txBody>
-          <a:bodyPr>
-            <a:normAutofit/>
-          </a:bodyPr>
-          <a:lstStyle/>
-          <a:p>
-            <a:r>
-              <a:rPr lang="ru-RU" sz="4000" cap="none" dirty="0">
-                <a:latin typeface="+mn-lt"/>
-                <a:ea typeface="+mn-ea"/>
-                <a:cs typeface="+mn-cs"/>
-              </a:rPr>
-              <a:t>Аналитический обзор существующих решений</a:t>
-            </a:r>
-          </a:p>
-        </p:txBody>
-      </p:sp>
-      <p:sp>
-        <p:nvSpPr>
-          <p:cNvPr id="4" name="Номер слайда 3">
-            <a:extLst>
-              <a:ext uri="{FF2B5EF4-FFF2-40B4-BE49-F238E27FC236}">
-                <a16:creationId xmlns:a16="http://schemas.microsoft.com/office/drawing/2014/main" id="{0D15676A-FFFA-436B-8906-F39FC78919CB}"/>
-              </a:ext>
-            </a:extLst>
-          </p:cNvPr>
+          <p:cNvPr id="4" name="Номер слайда 3"/>
           <p:cNvSpPr>
             <a:spLocks noGrp="1"/>
           </p:cNvSpPr>
@@ -12731,6 +12503,50 @@
           </a:p>
         </p:txBody>
       </p:sp>
+      <p:sp>
+        <p:nvSpPr>
+          <p:cNvPr id="5" name="Заголовок 1">
+            <a:extLst>
+              <a:ext uri="{FF2B5EF4-FFF2-40B4-BE49-F238E27FC236}">
+                <a16:creationId xmlns:a16="http://schemas.microsoft.com/office/drawing/2014/main" id="{05CDC9D2-68A3-4978-9CF3-CFD2FC56FC0B}"/>
+              </a:ext>
+            </a:extLst>
+          </p:cNvPr>
+          <p:cNvSpPr>
+            <a:spLocks noGrp="1"/>
+          </p:cNvSpPr>
+          <p:nvPr>
+            <p:ph type="title"/>
+          </p:nvPr>
+        </p:nvSpPr>
+        <p:spPr>
+          <a:xfrm>
+            <a:off x="838200" y="234765"/>
+            <a:ext cx="10515600" cy="908236"/>
+          </a:xfrm>
+        </p:spPr>
+        <p:txBody>
+          <a:bodyPr>
+            <a:normAutofit/>
+          </a:bodyPr>
+          <a:lstStyle/>
+          <a:p>
+            <a:r>
+              <a:rPr lang="ru-RU" sz="4000" cap="none" dirty="0" smtClean="0">
+                <a:latin typeface="+mn-lt"/>
+                <a:ea typeface="+mn-ea"/>
+                <a:cs typeface="+mn-cs"/>
+              </a:rPr>
+              <a:t>Сравнительный анализ</a:t>
+            </a:r>
+            <a:endParaRPr lang="ru-RU" sz="4000" cap="none" dirty="0">
+              <a:latin typeface="+mn-lt"/>
+              <a:ea typeface="+mn-ea"/>
+              <a:cs typeface="+mn-cs"/>
+            </a:endParaRPr>
+          </a:p>
+        </p:txBody>
+      </p:sp>
       <p:graphicFrame>
         <p:nvGraphicFramePr>
           <p:cNvPr id="6" name="Таблица 5"/>
@@ -12740,435 +12556,14 @@
           <p:nvPr>
             <p:extLst>
               <p:ext uri="{D42A27DB-BD31-4B8C-83A1-F6EECF244321}">
-                <p14:modId xmlns:p14="http://schemas.microsoft.com/office/powerpoint/2010/main" val="1456892469"/>
+                <p14:modId xmlns:p14="http://schemas.microsoft.com/office/powerpoint/2010/main" val="2023377842"/>
               </p:ext>
             </p:extLst>
           </p:nvPr>
         </p:nvGraphicFramePr>
         <p:xfrm>
-          <a:off x="838200" y="2431734"/>
-          <a:ext cx="10515600" cy="3855956"/>
-        </p:xfrm>
-        <a:graphic>
-          <a:graphicData uri="http://schemas.openxmlformats.org/drawingml/2006/table">
-            <a:tbl>
-              <a:tblPr firstRow="1" firstCol="1" bandRow="1">
-                <a:tableStyleId>{5C22544A-7EE6-4342-B048-85BDC9FD1C3A}</a:tableStyleId>
-              </a:tblPr>
-              <a:tblGrid>
-                <a:gridCol w="5256980">
-                  <a:extLst>
-                    <a:ext uri="{9D8B030D-6E8A-4147-A177-3AD203B41FA5}">
-                      <a16:colId xmlns:a16="http://schemas.microsoft.com/office/drawing/2014/main" val="897422277"/>
-                    </a:ext>
-                  </a:extLst>
-                </a:gridCol>
-                <a:gridCol w="5258620">
-                  <a:extLst>
-                    <a:ext uri="{9D8B030D-6E8A-4147-A177-3AD203B41FA5}">
-                      <a16:colId xmlns:a16="http://schemas.microsoft.com/office/drawing/2014/main" val="4111979729"/>
-                    </a:ext>
-                  </a:extLst>
-                </a:gridCol>
-              </a:tblGrid>
-              <a:tr h="621468">
-                <a:tc>
-                  <a:txBody>
-                    <a:bodyPr/>
-                    <a:lstStyle/>
-                    <a:p>
-                      <a:pPr marL="896938" lvl="0" indent="0" algn="just">
-                        <a:lnSpc>
-                          <a:spcPct val="150000"/>
-                        </a:lnSpc>
-                        <a:spcAft>
-                          <a:spcPts val="0"/>
-                        </a:spcAft>
-                        <a:buFont typeface="Symbol" panose="05050102010706020507" pitchFamily="18" charset="2"/>
-                        <a:buNone/>
-                      </a:pPr>
-                      <a:r>
-                        <a:rPr lang="ru-RU" sz="2400" b="1" dirty="0" smtClean="0">
-                          <a:solidFill>
-                            <a:schemeClr val="tx1"/>
-                          </a:solidFill>
-                          <a:effectLst/>
-                          <a:latin typeface="+mn-lt"/>
-                        </a:rPr>
-                        <a:t>Достоинства</a:t>
-                      </a:r>
-                      <a:endParaRPr lang="ru-RU" sz="2400" b="1" dirty="0">
-                        <a:solidFill>
-                          <a:schemeClr val="tx1"/>
-                        </a:solidFill>
-                        <a:effectLst/>
-                        <a:latin typeface="+mn-lt"/>
-                      </a:endParaRPr>
-                    </a:p>
-                  </a:txBody>
-                  <a:tcPr marL="62162" marR="62162" marT="0" marB="0">
-                    <a:lnL w="12700" cap="flat" cmpd="sng" algn="ctr">
-                      <a:noFill/>
-                      <a:prstDash val="solid"/>
-                      <a:round/>
-                      <a:headEnd type="none" w="med" len="med"/>
-                      <a:tailEnd type="none" w="med" len="med"/>
-                    </a:lnL>
-                    <a:lnR w="12700" cap="flat" cmpd="sng" algn="ctr">
-                      <a:noFill/>
-                      <a:prstDash val="solid"/>
-                      <a:round/>
-                      <a:headEnd type="none" w="med" len="med"/>
-                      <a:tailEnd type="none" w="med" len="med"/>
-                    </a:lnR>
-                    <a:lnT w="12700" cap="flat" cmpd="sng" algn="ctr">
-                      <a:noFill/>
-                      <a:prstDash val="solid"/>
-                      <a:round/>
-                      <a:headEnd type="none" w="med" len="med"/>
-                      <a:tailEnd type="none" w="med" len="med"/>
-                    </a:lnT>
-                    <a:lnB w="12700" cap="flat" cmpd="sng" algn="ctr">
-                      <a:noFill/>
-                      <a:prstDash val="solid"/>
-                      <a:round/>
-                      <a:headEnd type="none" w="med" len="med"/>
-                      <a:tailEnd type="none" w="med" len="med"/>
-                    </a:lnB>
-                    <a:lnTlToBr w="12700" cmpd="sng">
-                      <a:noFill/>
-                      <a:prstDash val="solid"/>
-                    </a:lnTlToBr>
-                    <a:lnBlToTr w="12700" cmpd="sng">
-                      <a:noFill/>
-                      <a:prstDash val="solid"/>
-                    </a:lnBlToTr>
-                    <a:noFill/>
-                  </a:tcPr>
-                </a:tc>
-                <a:tc>
-                  <a:txBody>
-                    <a:bodyPr/>
-                    <a:lstStyle/>
-                    <a:p>
-                      <a:pPr marL="0" lvl="0" indent="896938" algn="just">
-                        <a:lnSpc>
-                          <a:spcPct val="150000"/>
-                        </a:lnSpc>
-                        <a:spcAft>
-                          <a:spcPts val="0"/>
-                        </a:spcAft>
-                        <a:buFont typeface="Symbol" panose="05050102010706020507" pitchFamily="18" charset="2"/>
-                        <a:buNone/>
-                      </a:pPr>
-                      <a:r>
-                        <a:rPr lang="ru-RU" sz="2400" b="1" dirty="0" smtClean="0">
-                          <a:solidFill>
-                            <a:schemeClr val="tx1"/>
-                          </a:solidFill>
-                          <a:effectLst/>
-                          <a:latin typeface="+mn-lt"/>
-                          <a:ea typeface="Calibri" panose="020F0502020204030204" pitchFamily="34" charset="0"/>
-                          <a:cs typeface="Times New Roman" panose="02020603050405020304" pitchFamily="18" charset="0"/>
-                        </a:rPr>
-                        <a:t>Недостатки</a:t>
-                      </a:r>
-                      <a:endParaRPr lang="ru-RU" sz="2400" b="1" dirty="0">
-                        <a:solidFill>
-                          <a:schemeClr val="tx1"/>
-                        </a:solidFill>
-                        <a:effectLst/>
-                        <a:latin typeface="+mn-lt"/>
-                        <a:ea typeface="Calibri" panose="020F0502020204030204" pitchFamily="34" charset="0"/>
-                        <a:cs typeface="Times New Roman" panose="02020603050405020304" pitchFamily="18" charset="0"/>
-                      </a:endParaRPr>
-                    </a:p>
-                  </a:txBody>
-                  <a:tcPr marL="62162" marR="62162" marT="0" marB="0">
-                    <a:lnL w="12700" cap="flat" cmpd="sng" algn="ctr">
-                      <a:noFill/>
-                      <a:prstDash val="solid"/>
-                      <a:round/>
-                      <a:headEnd type="none" w="med" len="med"/>
-                      <a:tailEnd type="none" w="med" len="med"/>
-                    </a:lnL>
-                    <a:lnR w="12700" cap="flat" cmpd="sng" algn="ctr">
-                      <a:noFill/>
-                      <a:prstDash val="solid"/>
-                      <a:round/>
-                      <a:headEnd type="none" w="med" len="med"/>
-                      <a:tailEnd type="none" w="med" len="med"/>
-                    </a:lnR>
-                    <a:lnT w="12700" cap="flat" cmpd="sng" algn="ctr">
-                      <a:noFill/>
-                      <a:prstDash val="solid"/>
-                      <a:round/>
-                      <a:headEnd type="none" w="med" len="med"/>
-                      <a:tailEnd type="none" w="med" len="med"/>
-                    </a:lnT>
-                    <a:lnB w="12700" cap="flat" cmpd="sng" algn="ctr">
-                      <a:noFill/>
-                      <a:prstDash val="solid"/>
-                      <a:round/>
-                      <a:headEnd type="none" w="med" len="med"/>
-                      <a:tailEnd type="none" w="med" len="med"/>
-                    </a:lnB>
-                    <a:lnTlToBr w="12700" cmpd="sng">
-                      <a:noFill/>
-                      <a:prstDash val="solid"/>
-                    </a:lnTlToBr>
-                    <a:lnBlToTr w="12700" cmpd="sng">
-                      <a:noFill/>
-                      <a:prstDash val="solid"/>
-                    </a:lnBlToTr>
-                    <a:noFill/>
-                  </a:tcPr>
-                </a:tc>
-                <a:extLst>
-                  <a:ext uri="{0D108BD9-81ED-4DB2-BD59-A6C34878D82A}">
-                    <a16:rowId xmlns:a16="http://schemas.microsoft.com/office/drawing/2014/main" val="378409306"/>
-                  </a:ext>
-                </a:extLst>
-              </a:tr>
-              <a:tr h="3234488">
-                <a:tc>
-                  <a:txBody>
-                    <a:bodyPr/>
-                    <a:lstStyle/>
-                    <a:p>
-                      <a:pPr marL="896938" lvl="0" indent="-285750" algn="l">
-                        <a:lnSpc>
-                          <a:spcPct val="100000"/>
-                        </a:lnSpc>
-                        <a:spcAft>
-                          <a:spcPts val="0"/>
-                        </a:spcAft>
-                        <a:buFont typeface="Calibri" panose="020F0502020204030204" pitchFamily="34" charset="0"/>
-                        <a:buChar char="+"/>
-                      </a:pPr>
-                      <a:r>
-                        <a:rPr lang="ru-RU" sz="2400" b="0" dirty="0" smtClean="0">
-                          <a:solidFill>
-                            <a:schemeClr val="tx1"/>
-                          </a:solidFill>
-                          <a:effectLst/>
-                          <a:latin typeface="+mn-lt"/>
-                        </a:rPr>
-                        <a:t>Функционал по автоматизации учета персонала</a:t>
-                      </a:r>
-                      <a:endParaRPr lang="en-US" sz="2400" b="0" dirty="0" smtClean="0">
-                        <a:solidFill>
-                          <a:schemeClr val="tx1"/>
-                        </a:solidFill>
-                        <a:effectLst/>
-                        <a:latin typeface="+mn-lt"/>
-                      </a:endParaRPr>
-                    </a:p>
-                    <a:p>
-                      <a:pPr marL="896938" lvl="0" indent="-285750" algn="l">
-                        <a:lnSpc>
-                          <a:spcPct val="100000"/>
-                        </a:lnSpc>
-                        <a:spcAft>
-                          <a:spcPts val="0"/>
-                        </a:spcAft>
-                        <a:buFont typeface="Calibri" panose="020F0502020204030204" pitchFamily="34" charset="0"/>
-                        <a:buChar char="+"/>
-                      </a:pPr>
-                      <a:r>
-                        <a:rPr lang="ru-RU" sz="2400" b="0" dirty="0" smtClean="0">
-                          <a:solidFill>
-                            <a:schemeClr val="tx1"/>
-                          </a:solidFill>
-                          <a:effectLst/>
-                          <a:latin typeface="+mn-lt"/>
-                        </a:rPr>
-                        <a:t>Возможность</a:t>
-                      </a:r>
-                      <a:r>
-                        <a:rPr lang="ru-RU" sz="2400" b="0" baseline="0" dirty="0" smtClean="0">
-                          <a:solidFill>
-                            <a:schemeClr val="tx1"/>
-                          </a:solidFill>
-                          <a:effectLst/>
-                          <a:latin typeface="+mn-lt"/>
-                        </a:rPr>
-                        <a:t> создания экосистемы из ПО 1С</a:t>
-                      </a:r>
-                      <a:endParaRPr lang="ru-RU" sz="2400" b="0" dirty="0">
-                        <a:solidFill>
-                          <a:schemeClr val="tx1"/>
-                        </a:solidFill>
-                        <a:effectLst/>
-                        <a:latin typeface="+mn-lt"/>
-                      </a:endParaRPr>
-                    </a:p>
-                  </a:txBody>
-                  <a:tcPr marL="62162" marR="62162" marT="0" marB="0">
-                    <a:lnL w="12700" cap="flat" cmpd="sng" algn="ctr">
-                      <a:noFill/>
-                      <a:prstDash val="solid"/>
-                      <a:round/>
-                      <a:headEnd type="none" w="med" len="med"/>
-                      <a:tailEnd type="none" w="med" len="med"/>
-                    </a:lnL>
-                    <a:lnR w="12700" cap="flat" cmpd="sng" algn="ctr">
-                      <a:noFill/>
-                      <a:prstDash val="solid"/>
-                      <a:round/>
-                      <a:headEnd type="none" w="med" len="med"/>
-                      <a:tailEnd type="none" w="med" len="med"/>
-                    </a:lnR>
-                    <a:lnT w="12700" cap="flat" cmpd="sng" algn="ctr">
-                      <a:noFill/>
-                      <a:prstDash val="solid"/>
-                      <a:round/>
-                      <a:headEnd type="none" w="med" len="med"/>
-                      <a:tailEnd type="none" w="med" len="med"/>
-                    </a:lnT>
-                    <a:lnB w="12700" cap="flat" cmpd="sng" algn="ctr">
-                      <a:noFill/>
-                      <a:prstDash val="solid"/>
-                      <a:round/>
-                      <a:headEnd type="none" w="med" len="med"/>
-                      <a:tailEnd type="none" w="med" len="med"/>
-                    </a:lnB>
-                    <a:lnTlToBr w="12700" cmpd="sng">
-                      <a:noFill/>
-                      <a:prstDash val="solid"/>
-                    </a:lnTlToBr>
-                    <a:lnBlToTr w="12700" cmpd="sng">
-                      <a:noFill/>
-                      <a:prstDash val="solid"/>
-                    </a:lnBlToTr>
-                    <a:noFill/>
-                  </a:tcPr>
-                </a:tc>
-                <a:tc>
-                  <a:txBody>
-                    <a:bodyPr/>
-                    <a:lstStyle/>
-                    <a:p>
-                      <a:pPr marL="896938" lvl="0" indent="-342900" algn="l">
-                        <a:lnSpc>
-                          <a:spcPct val="100000"/>
-                        </a:lnSpc>
-                        <a:spcAft>
-                          <a:spcPts val="0"/>
-                        </a:spcAft>
-                        <a:buFont typeface="Calibri" panose="020F0502020204030204" pitchFamily="34" charset="0"/>
-                        <a:buChar char="-"/>
-                      </a:pPr>
-                      <a:r>
-                        <a:rPr lang="ru-RU" sz="2400" b="0" dirty="0">
-                          <a:solidFill>
-                            <a:schemeClr val="tx1"/>
-                          </a:solidFill>
-                          <a:effectLst/>
-                          <a:latin typeface="+mn-lt"/>
-                        </a:rPr>
-                        <a:t>Ограниченная гибкость</a:t>
-                      </a:r>
-                    </a:p>
-                    <a:p>
-                      <a:pPr marL="896938" lvl="0" indent="-342900" algn="l">
-                        <a:lnSpc>
-                          <a:spcPct val="100000"/>
-                        </a:lnSpc>
-                        <a:spcAft>
-                          <a:spcPts val="0"/>
-                        </a:spcAft>
-                        <a:buFont typeface="Calibri" panose="020F0502020204030204" pitchFamily="34" charset="0"/>
-                        <a:buChar char="-"/>
-                      </a:pPr>
-                      <a:r>
-                        <a:rPr lang="ru-RU" sz="2400" b="0" dirty="0">
-                          <a:solidFill>
-                            <a:schemeClr val="tx1"/>
-                          </a:solidFill>
-                          <a:effectLst/>
-                          <a:latin typeface="+mn-lt"/>
-                        </a:rPr>
-                        <a:t>Сложность настройки, требующая определенных знаний </a:t>
-                      </a:r>
-                      <a:endParaRPr lang="ru-RU" sz="2400" b="0" dirty="0">
-                        <a:solidFill>
-                          <a:schemeClr val="tx1"/>
-                        </a:solidFill>
-                        <a:effectLst/>
-                        <a:latin typeface="+mn-lt"/>
-                        <a:ea typeface="Calibri" panose="020F0502020204030204" pitchFamily="34" charset="0"/>
-                        <a:cs typeface="Times New Roman" panose="02020603050405020304" pitchFamily="18" charset="0"/>
-                      </a:endParaRPr>
-                    </a:p>
-                  </a:txBody>
-                  <a:tcPr marL="62162" marR="62162" marT="0" marB="0">
-                    <a:lnL w="12700" cap="flat" cmpd="sng" algn="ctr">
-                      <a:noFill/>
-                      <a:prstDash val="solid"/>
-                      <a:round/>
-                      <a:headEnd type="none" w="med" len="med"/>
-                      <a:tailEnd type="none" w="med" len="med"/>
-                    </a:lnL>
-                    <a:lnR w="12700" cap="flat" cmpd="sng" algn="ctr">
-                      <a:noFill/>
-                      <a:prstDash val="solid"/>
-                      <a:round/>
-                      <a:headEnd type="none" w="med" len="med"/>
-                      <a:tailEnd type="none" w="med" len="med"/>
-                    </a:lnR>
-                    <a:lnT w="12700" cap="flat" cmpd="sng" algn="ctr">
-                      <a:noFill/>
-                      <a:prstDash val="solid"/>
-                      <a:round/>
-                      <a:headEnd type="none" w="med" len="med"/>
-                      <a:tailEnd type="none" w="med" len="med"/>
-                    </a:lnT>
-                    <a:lnB w="12700" cap="flat" cmpd="sng" algn="ctr">
-                      <a:noFill/>
-                      <a:prstDash val="solid"/>
-                      <a:round/>
-                      <a:headEnd type="none" w="med" len="med"/>
-                      <a:tailEnd type="none" w="med" len="med"/>
-                    </a:lnB>
-                    <a:lnTlToBr w="12700" cmpd="sng">
-                      <a:noFill/>
-                      <a:prstDash val="solid"/>
-                    </a:lnTlToBr>
-                    <a:lnBlToTr w="12700" cmpd="sng">
-                      <a:noFill/>
-                      <a:prstDash val="solid"/>
-                    </a:lnBlToTr>
-                    <a:noFill/>
-                  </a:tcPr>
-                </a:tc>
-                <a:extLst>
-                  <a:ext uri="{0D108BD9-81ED-4DB2-BD59-A6C34878D82A}">
-                    <a16:rowId xmlns:a16="http://schemas.microsoft.com/office/drawing/2014/main" val="1522331067"/>
-                  </a:ext>
-                </a:extLst>
-              </a:tr>
-            </a:tbl>
-          </a:graphicData>
-        </a:graphic>
-      </p:graphicFrame>
-      <p:graphicFrame>
-        <p:nvGraphicFramePr>
-          <p:cNvPr id="9" name="Таблица 8"/>
-          <p:cNvGraphicFramePr>
-            <a:graphicFrameLocks noGrp="1"/>
-          </p:cNvGraphicFramePr>
-          <p:nvPr>
-            <p:extLst>
-              <p:ext uri="{D42A27DB-BD31-4B8C-83A1-F6EECF244321}">
-                <p14:modId xmlns:p14="http://schemas.microsoft.com/office/powerpoint/2010/main" val="1842557921"/>
-              </p:ext>
-            </p:extLst>
-          </p:nvPr>
-        </p:nvGraphicFramePr>
-        <p:xfrm>
-          <a:off x="838200" y="1690687"/>
-          <a:ext cx="10515600" cy="646009"/>
+          <a:off x="838198" y="1169987"/>
+          <a:ext cx="10515604" cy="4681919"/>
         </p:xfrm>
         <a:graphic>
           <a:graphicData uri="http://schemas.openxmlformats.org/drawingml/2006/table">
@@ -13177,42 +12572,69 @@
                 <a:tableStyleId>{F5AB1C69-6EDB-4FF4-983F-18BD219EF322}</a:tableStyleId>
               </a:tblPr>
               <a:tblGrid>
-                <a:gridCol w="719667">
+                <a:gridCol w="2305714">
                   <a:extLst>
                     <a:ext uri="{9D8B030D-6E8A-4147-A177-3AD203B41FA5}">
-                      <a16:colId xmlns:a16="http://schemas.microsoft.com/office/drawing/2014/main" val="52914121"/>
+                      <a16:colId xmlns:a16="http://schemas.microsoft.com/office/drawing/2014/main" val="1709363664"/>
                     </a:ext>
                   </a:extLst>
                 </a:gridCol>
-                <a:gridCol w="5782733">
+                <a:gridCol w="3309607">
                   <a:extLst>
                     <a:ext uri="{9D8B030D-6E8A-4147-A177-3AD203B41FA5}">
-                      <a16:colId xmlns:a16="http://schemas.microsoft.com/office/drawing/2014/main" val="107489223"/>
+                      <a16:colId xmlns:a16="http://schemas.microsoft.com/office/drawing/2014/main" val="141252551"/>
                     </a:ext>
                   </a:extLst>
                 </a:gridCol>
-                <a:gridCol w="4013200">
+                <a:gridCol w="3309607">
                   <a:extLst>
                     <a:ext uri="{9D8B030D-6E8A-4147-A177-3AD203B41FA5}">
-                      <a16:colId xmlns:a16="http://schemas.microsoft.com/office/drawing/2014/main" val="684838690"/>
+                      <a16:colId xmlns:a16="http://schemas.microsoft.com/office/drawing/2014/main" val="4131860443"/>
+                    </a:ext>
+                  </a:extLst>
+                </a:gridCol>
+                <a:gridCol w="1590676">
+                  <a:extLst>
+                    <a:ext uri="{9D8B030D-6E8A-4147-A177-3AD203B41FA5}">
+                      <a16:colId xmlns:a16="http://schemas.microsoft.com/office/drawing/2014/main" val="1626352367"/>
                     </a:ext>
                   </a:extLst>
                 </a:gridCol>
               </a:tblGrid>
-              <a:tr h="646009">
+              <a:tr h="417583">
                 <a:tc>
                   <a:txBody>
                     <a:bodyPr/>
                     <a:lstStyle/>
                     <a:p>
-                      <a:pPr marL="0" algn="l" defTabSz="914400" rtl="0" eaLnBrk="1" latinLnBrk="0" hangingPunct="1"/>
-                      <a:endParaRPr lang="ru-RU" sz="2400" b="1" kern="1200" dirty="0">
-                        <a:ln>
-                          <a:noFill/>
-                        </a:ln>
+                      <a:pPr marL="0" marR="0" lvl="0" indent="0" algn="ctr" defTabSz="914400" rtl="0" eaLnBrk="1" fontAlgn="auto" latinLnBrk="0" hangingPunct="1">
+                        <a:lnSpc>
+                          <a:spcPct val="150000"/>
+                        </a:lnSpc>
+                        <a:spcBef>
+                          <a:spcPts val="0"/>
+                        </a:spcBef>
+                        <a:spcAft>
+                          <a:spcPts val="0"/>
+                        </a:spcAft>
+                        <a:buClrTx/>
+                        <a:buSzTx/>
+                        <a:buFont typeface="Symbol" panose="05050102010706020507" pitchFamily="18" charset="2"/>
+                        <a:buNone/>
+                        <a:tabLst/>
+                        <a:defRPr/>
+                      </a:pPr>
+                      <a:r>
+                        <a:rPr lang="ru-RU" sz="2000" kern="1200" dirty="0" smtClean="0">
+                          <a:effectLst/>
+                        </a:rPr>
+                        <a:t>ПО</a:t>
+                      </a:r>
+                      <a:endParaRPr lang="ru-RU" sz="2000" b="1" kern="1200" dirty="0">
                         <a:solidFill>
-                          <a:schemeClr val="lt1"/>
+                          <a:schemeClr val="tx1"/>
                         </a:solidFill>
+                        <a:effectLst/>
                         <a:latin typeface="+mn-lt"/>
                         <a:ea typeface="+mn-ea"/>
                         <a:cs typeface="+mn-cs"/>
@@ -13226,734 +12648,34 @@
                     <a:bodyPr/>
                     <a:lstStyle/>
                     <a:p>
-                      <a:pPr marL="0" indent="0" algn="l" defTabSz="914400" rtl="0" eaLnBrk="1" latinLnBrk="0" hangingPunct="1"/>
-                      <a:r>
-                        <a:rPr lang="ru-RU" sz="2400" kern="1200" dirty="0" smtClean="0">
-                          <a:ln>
-                            <a:noFill/>
-                          </a:ln>
-                        </a:rPr>
-                        <a:t>1С:Зарплата и управление персоналом 8</a:t>
-                      </a:r>
-                      <a:endParaRPr lang="ru-RU" sz="2400" b="1" kern="1200" dirty="0">
-                        <a:ln>
-                          <a:noFill/>
-                        </a:ln>
-                        <a:solidFill>
-                          <a:schemeClr val="lt1"/>
-                        </a:solidFill>
-                        <a:latin typeface="+mn-lt"/>
-                        <a:ea typeface="+mn-ea"/>
-                        <a:cs typeface="+mn-cs"/>
-                      </a:endParaRPr>
-                    </a:p>
-                  </a:txBody>
-                  <a:tcPr anchor="ctr"/>
-                </a:tc>
-                <a:tc>
-                  <a:txBody>
-                    <a:bodyPr/>
-                    <a:lstStyle/>
-                    <a:p>
-                      <a:pPr marL="0" algn="l" defTabSz="914400" rtl="0" eaLnBrk="1" latinLnBrk="0" hangingPunct="1"/>
-                      <a:r>
-                        <a:rPr lang="ru-RU" sz="2400" kern="1200" dirty="0" smtClean="0">
-                          <a:ln>
-                            <a:noFill/>
-                          </a:ln>
-                        </a:rPr>
-                        <a:t>Платформы:</a:t>
-                      </a:r>
-                      <a:endParaRPr lang="ru-RU" sz="2400" b="1" kern="1200" dirty="0">
-                        <a:ln>
-                          <a:noFill/>
-                        </a:ln>
-                        <a:solidFill>
-                          <a:schemeClr val="lt1"/>
-                        </a:solidFill>
-                        <a:latin typeface="+mn-lt"/>
-                        <a:ea typeface="+mn-ea"/>
-                        <a:cs typeface="+mn-cs"/>
-                      </a:endParaRPr>
-                    </a:p>
-                  </a:txBody>
-                  <a:tcPr anchor="ctr"/>
-                </a:tc>
-                <a:extLst>
-                  <a:ext uri="{0D108BD9-81ED-4DB2-BD59-A6C34878D82A}">
-                    <a16:rowId xmlns:a16="http://schemas.microsoft.com/office/drawing/2014/main" val="1226592424"/>
-                  </a:ext>
-                </a:extLst>
-              </a:tr>
-            </a:tbl>
-          </a:graphicData>
-        </a:graphic>
-      </p:graphicFrame>
-      <p:pic>
-        <p:nvPicPr>
-          <p:cNvPr id="11" name="Рисунок 10"/>
-          <p:cNvPicPr>
-            <a:picLocks noChangeAspect="1"/>
-          </p:cNvPicPr>
-          <p:nvPr/>
-        </p:nvPicPr>
-        <p:blipFill>
-          <a:blip r:embed="rId2" cstate="hqprint">
-            <a:extLst>
-              <a:ext uri="{BEBA8EAE-BF5A-486C-A8C5-ECC9F3942E4B}">
-                <a14:imgProps xmlns:a14="http://schemas.microsoft.com/office/drawing/2010/main">
-                  <a14:imgLayer r:embed="rId3">
-                    <a14:imgEffect>
-                      <a14:backgroundRemoval t="0" b="100000" l="0" r="100000"/>
-                    </a14:imgEffect>
-                  </a14:imgLayer>
-                </a14:imgProps>
-              </a:ext>
-              <a:ext uri="{28A0092B-C50C-407E-A947-70E740481C1C}">
-                <a14:useLocalDpi xmlns:a14="http://schemas.microsoft.com/office/drawing/2010/main" val="0"/>
-              </a:ext>
-            </a:extLst>
-          </a:blip>
-          <a:stretch>
-            <a:fillRect/>
-          </a:stretch>
-        </p:blipFill>
-        <p:spPr>
-          <a:xfrm>
-            <a:off x="838200" y="1711471"/>
-            <a:ext cx="651933" cy="604442"/>
-          </a:xfrm>
-          <a:prstGeom prst="rect">
-            <a:avLst/>
-          </a:prstGeom>
-        </p:spPr>
-      </p:pic>
-      <p:pic>
-        <p:nvPicPr>
-          <p:cNvPr id="13" name="Рисунок 12"/>
-          <p:cNvPicPr>
-            <a:picLocks noChangeAspect="1"/>
-          </p:cNvPicPr>
-          <p:nvPr/>
-        </p:nvPicPr>
-        <p:blipFill>
-          <a:blip r:embed="rId4" cstate="hqprint">
-            <a:extLst>
-              <a:ext uri="{28A0092B-C50C-407E-A947-70E740481C1C}">
-                <a14:useLocalDpi xmlns:a14="http://schemas.microsoft.com/office/drawing/2010/main" val="0"/>
-              </a:ext>
-            </a:extLst>
-          </a:blip>
-          <a:stretch>
-            <a:fillRect/>
-          </a:stretch>
-        </p:blipFill>
-        <p:spPr>
-          <a:xfrm>
-            <a:off x="9158800" y="1766025"/>
-            <a:ext cx="495334" cy="495334"/>
-          </a:xfrm>
-          <a:prstGeom prst="rect">
-            <a:avLst/>
-          </a:prstGeom>
-        </p:spPr>
-      </p:pic>
-    </p:spTree>
-    <p:extLst>
-      <p:ext uri="{BB962C8B-B14F-4D97-AF65-F5344CB8AC3E}">
-        <p14:creationId xmlns:p14="http://schemas.microsoft.com/office/powerpoint/2010/main" val="99548077"/>
-      </p:ext>
-    </p:extLst>
-  </p:cSld>
-  <p:clrMapOvr>
-    <a:masterClrMapping/>
-  </p:clrMapOvr>
-  <p:transition spd="slow">
-    <p:push dir="u"/>
-  </p:transition>
-  <p:timing>
-    <p:tnLst>
-      <p:par>
-        <p:cTn id="1" dur="indefinite" restart="never" nodeType="tmRoot"/>
-      </p:par>
-    </p:tnLst>
-  </p:timing>
-</p:sld>
-</file>
-
-<file path=ppt/slides/slide5.xml><?xml version="1.0" encoding="utf-8"?>
-<p:sld xmlns:a="http://schemas.openxmlformats.org/drawingml/2006/main" xmlns:r="http://schemas.openxmlformats.org/officeDocument/2006/relationships" xmlns:p="http://schemas.openxmlformats.org/presentationml/2006/main">
-  <p:cSld>
-    <p:spTree>
-      <p:nvGrpSpPr>
-        <p:cNvPr id="1" name=""/>
-        <p:cNvGrpSpPr/>
-        <p:nvPr/>
-      </p:nvGrpSpPr>
-      <p:grpSpPr>
-        <a:xfrm>
-          <a:off x="0" y="0"/>
-          <a:ext cx="0" cy="0"/>
-          <a:chOff x="0" y="0"/>
-          <a:chExt cx="0" cy="0"/>
-        </a:xfrm>
-      </p:grpSpPr>
-      <p:sp>
-        <p:nvSpPr>
-          <p:cNvPr id="2" name="Заголовок 1">
-            <a:extLst>
-              <a:ext uri="{FF2B5EF4-FFF2-40B4-BE49-F238E27FC236}">
-                <a16:creationId xmlns:a16="http://schemas.microsoft.com/office/drawing/2014/main" id="{85A67EE4-1490-489F-B022-DB785FFC2A71}"/>
-              </a:ext>
-            </a:extLst>
-          </p:cNvPr>
-          <p:cNvSpPr>
-            <a:spLocks noGrp="1"/>
-          </p:cNvSpPr>
-          <p:nvPr>
-            <p:ph type="title"/>
-          </p:nvPr>
-        </p:nvSpPr>
-        <p:spPr/>
-        <p:txBody>
-          <a:bodyPr>
-            <a:normAutofit/>
-          </a:bodyPr>
-          <a:lstStyle/>
-          <a:p>
-            <a:r>
-              <a:rPr lang="ru-RU" sz="4000" cap="none" dirty="0">
-                <a:latin typeface="+mn-lt"/>
-                <a:ea typeface="+mn-ea"/>
-                <a:cs typeface="+mn-cs"/>
-              </a:rPr>
-              <a:t>Аналитический обзор существующих решений</a:t>
-            </a:r>
-          </a:p>
-        </p:txBody>
-      </p:sp>
-      <p:sp>
-        <p:nvSpPr>
-          <p:cNvPr id="4" name="Номер слайда 3">
-            <a:extLst>
-              <a:ext uri="{FF2B5EF4-FFF2-40B4-BE49-F238E27FC236}">
-                <a16:creationId xmlns:a16="http://schemas.microsoft.com/office/drawing/2014/main" id="{0D15676A-FFFA-436B-8906-F39FC78919CB}"/>
-              </a:ext>
-            </a:extLst>
-          </p:cNvPr>
-          <p:cNvSpPr>
-            <a:spLocks noGrp="1"/>
-          </p:cNvSpPr>
-          <p:nvPr>
-            <p:ph type="sldNum" sz="quarter" idx="12"/>
-          </p:nvPr>
-        </p:nvSpPr>
-        <p:spPr/>
-        <p:txBody>
-          <a:bodyPr/>
-          <a:lstStyle/>
-          <a:p>
-            <a:r>
-              <a:rPr lang="ru-RU" dirty="0"/>
-              <a:t>5</a:t>
-            </a:r>
-          </a:p>
-        </p:txBody>
-      </p:sp>
-      <p:graphicFrame>
-        <p:nvGraphicFramePr>
-          <p:cNvPr id="6" name="Таблица 5"/>
-          <p:cNvGraphicFramePr>
-            <a:graphicFrameLocks noGrp="1"/>
-          </p:cNvGraphicFramePr>
-          <p:nvPr>
-            <p:extLst>
-              <p:ext uri="{D42A27DB-BD31-4B8C-83A1-F6EECF244321}">
-                <p14:modId xmlns:p14="http://schemas.microsoft.com/office/powerpoint/2010/main" val="4230392822"/>
-              </p:ext>
-            </p:extLst>
-          </p:nvPr>
-        </p:nvGraphicFramePr>
-        <p:xfrm>
-          <a:off x="838200" y="2431734"/>
-          <a:ext cx="10515600" cy="3855956"/>
-        </p:xfrm>
-        <a:graphic>
-          <a:graphicData uri="http://schemas.openxmlformats.org/drawingml/2006/table">
-            <a:tbl>
-              <a:tblPr firstRow="1" firstCol="1" bandRow="1">
-                <a:tableStyleId>{5C22544A-7EE6-4342-B048-85BDC9FD1C3A}</a:tableStyleId>
-              </a:tblPr>
-              <a:tblGrid>
-                <a:gridCol w="5256980">
-                  <a:extLst>
-                    <a:ext uri="{9D8B030D-6E8A-4147-A177-3AD203B41FA5}">
-                      <a16:colId xmlns:a16="http://schemas.microsoft.com/office/drawing/2014/main" val="897422277"/>
-                    </a:ext>
-                  </a:extLst>
-                </a:gridCol>
-                <a:gridCol w="5258620">
-                  <a:extLst>
-                    <a:ext uri="{9D8B030D-6E8A-4147-A177-3AD203B41FA5}">
-                      <a16:colId xmlns:a16="http://schemas.microsoft.com/office/drawing/2014/main" val="4111979729"/>
-                    </a:ext>
-                  </a:extLst>
-                </a:gridCol>
-              </a:tblGrid>
-              <a:tr h="621468">
-                <a:tc>
-                  <a:txBody>
-                    <a:bodyPr/>
-                    <a:lstStyle/>
-                    <a:p>
-                      <a:pPr marL="896938" lvl="0" indent="0" algn="just">
+                      <a:pPr marL="0" marR="0" lvl="0" indent="0" algn="ctr" defTabSz="914400" rtl="0" eaLnBrk="1" fontAlgn="auto" latinLnBrk="0" hangingPunct="1">
                         <a:lnSpc>
                           <a:spcPct val="150000"/>
                         </a:lnSpc>
+                        <a:spcBef>
+                          <a:spcPts val="0"/>
+                        </a:spcBef>
                         <a:spcAft>
                           <a:spcPts val="0"/>
                         </a:spcAft>
+                        <a:buClrTx/>
+                        <a:buSzTx/>
                         <a:buFont typeface="Symbol" panose="05050102010706020507" pitchFamily="18" charset="2"/>
                         <a:buNone/>
+                        <a:tabLst/>
+                        <a:defRPr/>
                       </a:pPr>
                       <a:r>
-                        <a:rPr lang="ru-RU" sz="2400" b="1" dirty="0" smtClean="0">
-                          <a:solidFill>
-                            <a:schemeClr val="tx1"/>
-                          </a:solidFill>
+                        <a:rPr lang="ru-RU" sz="2000" kern="1200" dirty="0" smtClean="0">
                           <a:effectLst/>
-                          <a:latin typeface="+mn-lt"/>
                         </a:rPr>
                         <a:t>Достоинства</a:t>
                       </a:r>
-                      <a:endParaRPr lang="ru-RU" sz="2400" b="1" dirty="0">
+                      <a:endParaRPr lang="ru-RU" sz="2000" b="1" kern="1200" dirty="0">
                         <a:solidFill>
                           <a:schemeClr val="tx1"/>
                         </a:solidFill>
                         <a:effectLst/>
-                        <a:latin typeface="+mn-lt"/>
-                      </a:endParaRPr>
-                    </a:p>
-                  </a:txBody>
-                  <a:tcPr marL="62162" marR="62162" marT="0" marB="0">
-                    <a:lnL w="12700" cap="flat" cmpd="sng" algn="ctr">
-                      <a:noFill/>
-                      <a:prstDash val="solid"/>
-                      <a:round/>
-                      <a:headEnd type="none" w="med" len="med"/>
-                      <a:tailEnd type="none" w="med" len="med"/>
-                    </a:lnL>
-                    <a:lnR w="12700" cap="flat" cmpd="sng" algn="ctr">
-                      <a:noFill/>
-                      <a:prstDash val="solid"/>
-                      <a:round/>
-                      <a:headEnd type="none" w="med" len="med"/>
-                      <a:tailEnd type="none" w="med" len="med"/>
-                    </a:lnR>
-                    <a:lnT w="12700" cap="flat" cmpd="sng" algn="ctr">
-                      <a:noFill/>
-                      <a:prstDash val="solid"/>
-                      <a:round/>
-                      <a:headEnd type="none" w="med" len="med"/>
-                      <a:tailEnd type="none" w="med" len="med"/>
-                    </a:lnT>
-                    <a:lnB w="12700" cap="flat" cmpd="sng" algn="ctr">
-                      <a:noFill/>
-                      <a:prstDash val="solid"/>
-                      <a:round/>
-                      <a:headEnd type="none" w="med" len="med"/>
-                      <a:tailEnd type="none" w="med" len="med"/>
-                    </a:lnB>
-                    <a:lnTlToBr w="12700" cmpd="sng">
-                      <a:noFill/>
-                      <a:prstDash val="solid"/>
-                    </a:lnTlToBr>
-                    <a:lnBlToTr w="12700" cmpd="sng">
-                      <a:noFill/>
-                      <a:prstDash val="solid"/>
-                    </a:lnBlToTr>
-                    <a:noFill/>
-                  </a:tcPr>
-                </a:tc>
-                <a:tc>
-                  <a:txBody>
-                    <a:bodyPr/>
-                    <a:lstStyle/>
-                    <a:p>
-                      <a:pPr marL="0" lvl="0" indent="896938" algn="just">
-                        <a:lnSpc>
-                          <a:spcPct val="150000"/>
-                        </a:lnSpc>
-                        <a:spcAft>
-                          <a:spcPts val="0"/>
-                        </a:spcAft>
-                        <a:buFont typeface="Symbol" panose="05050102010706020507" pitchFamily="18" charset="2"/>
-                        <a:buNone/>
-                      </a:pPr>
-                      <a:r>
-                        <a:rPr lang="ru-RU" sz="2400" b="1" dirty="0" smtClean="0">
-                          <a:solidFill>
-                            <a:schemeClr val="tx1"/>
-                          </a:solidFill>
-                          <a:effectLst/>
-                          <a:latin typeface="+mn-lt"/>
-                          <a:ea typeface="Calibri" panose="020F0502020204030204" pitchFamily="34" charset="0"/>
-                          <a:cs typeface="Times New Roman" panose="02020603050405020304" pitchFamily="18" charset="0"/>
-                        </a:rPr>
-                        <a:t>Недостатки</a:t>
-                      </a:r>
-                      <a:endParaRPr lang="ru-RU" sz="2400" b="1" dirty="0">
-                        <a:solidFill>
-                          <a:schemeClr val="tx1"/>
-                        </a:solidFill>
-                        <a:effectLst/>
-                        <a:latin typeface="+mn-lt"/>
-                        <a:ea typeface="Calibri" panose="020F0502020204030204" pitchFamily="34" charset="0"/>
-                        <a:cs typeface="Times New Roman" panose="02020603050405020304" pitchFamily="18" charset="0"/>
-                      </a:endParaRPr>
-                    </a:p>
-                  </a:txBody>
-                  <a:tcPr marL="62162" marR="62162" marT="0" marB="0">
-                    <a:lnL w="12700" cap="flat" cmpd="sng" algn="ctr">
-                      <a:noFill/>
-                      <a:prstDash val="solid"/>
-                      <a:round/>
-                      <a:headEnd type="none" w="med" len="med"/>
-                      <a:tailEnd type="none" w="med" len="med"/>
-                    </a:lnL>
-                    <a:lnR w="12700" cap="flat" cmpd="sng" algn="ctr">
-                      <a:noFill/>
-                      <a:prstDash val="solid"/>
-                      <a:round/>
-                      <a:headEnd type="none" w="med" len="med"/>
-                      <a:tailEnd type="none" w="med" len="med"/>
-                    </a:lnR>
-                    <a:lnT w="12700" cap="flat" cmpd="sng" algn="ctr">
-                      <a:noFill/>
-                      <a:prstDash val="solid"/>
-                      <a:round/>
-                      <a:headEnd type="none" w="med" len="med"/>
-                      <a:tailEnd type="none" w="med" len="med"/>
-                    </a:lnT>
-                    <a:lnB w="12700" cap="flat" cmpd="sng" algn="ctr">
-                      <a:noFill/>
-                      <a:prstDash val="solid"/>
-                      <a:round/>
-                      <a:headEnd type="none" w="med" len="med"/>
-                      <a:tailEnd type="none" w="med" len="med"/>
-                    </a:lnB>
-                    <a:lnTlToBr w="12700" cmpd="sng">
-                      <a:noFill/>
-                      <a:prstDash val="solid"/>
-                    </a:lnTlToBr>
-                    <a:lnBlToTr w="12700" cmpd="sng">
-                      <a:noFill/>
-                      <a:prstDash val="solid"/>
-                    </a:lnBlToTr>
-                    <a:noFill/>
-                  </a:tcPr>
-                </a:tc>
-                <a:extLst>
-                  <a:ext uri="{0D108BD9-81ED-4DB2-BD59-A6C34878D82A}">
-                    <a16:rowId xmlns:a16="http://schemas.microsoft.com/office/drawing/2014/main" val="378409306"/>
-                  </a:ext>
-                </a:extLst>
-              </a:tr>
-              <a:tr h="3234488">
-                <a:tc>
-                  <a:txBody>
-                    <a:bodyPr/>
-                    <a:lstStyle/>
-                    <a:p>
-                      <a:pPr marL="896938" lvl="0" indent="-285750" algn="l">
-                        <a:lnSpc>
-                          <a:spcPct val="100000"/>
-                        </a:lnSpc>
-                        <a:spcAft>
-                          <a:spcPts val="0"/>
-                        </a:spcAft>
-                        <a:buFont typeface="Calibri" panose="020F0502020204030204" pitchFamily="34" charset="0"/>
-                        <a:buChar char="+"/>
-                      </a:pPr>
-                      <a:r>
-                        <a:rPr lang="ru-RU" sz="2400" b="0" dirty="0" smtClean="0">
-                          <a:solidFill>
-                            <a:schemeClr val="tx1"/>
-                          </a:solidFill>
-                          <a:effectLst/>
-                          <a:latin typeface="+mn-lt"/>
-                        </a:rPr>
-                        <a:t>Удобный интерфейс</a:t>
-                      </a:r>
-                      <a:endParaRPr lang="en-US" sz="2400" b="0" dirty="0" smtClean="0">
-                        <a:solidFill>
-                          <a:schemeClr val="tx1"/>
-                        </a:solidFill>
-                        <a:effectLst/>
-                        <a:latin typeface="+mn-lt"/>
-                      </a:endParaRPr>
-                    </a:p>
-                    <a:p>
-                      <a:pPr marL="896938" lvl="0" indent="-285750" algn="l">
-                        <a:lnSpc>
-                          <a:spcPct val="100000"/>
-                        </a:lnSpc>
-                        <a:spcAft>
-                          <a:spcPts val="0"/>
-                        </a:spcAft>
-                        <a:buFont typeface="Calibri" panose="020F0502020204030204" pitchFamily="34" charset="0"/>
-                        <a:buChar char="+"/>
-                      </a:pPr>
-                      <a:r>
-                        <a:rPr lang="ru-RU" sz="2400" b="0" dirty="0" smtClean="0">
-                          <a:solidFill>
-                            <a:schemeClr val="tx1"/>
-                          </a:solidFill>
-                          <a:effectLst/>
-                          <a:latin typeface="+mn-lt"/>
-                        </a:rPr>
-                        <a:t>Интеграция</a:t>
-                      </a:r>
-                      <a:r>
-                        <a:rPr lang="ru-RU" sz="2400" b="0" baseline="0" dirty="0" smtClean="0">
-                          <a:solidFill>
-                            <a:schemeClr val="tx1"/>
-                          </a:solidFill>
-                          <a:effectLst/>
-                          <a:latin typeface="+mn-lt"/>
-                        </a:rPr>
-                        <a:t> со сторонними сервисами</a:t>
-                      </a:r>
-                      <a:endParaRPr lang="ru-RU" sz="2400" b="0" dirty="0">
-                        <a:solidFill>
-                          <a:schemeClr val="tx1"/>
-                        </a:solidFill>
-                        <a:effectLst/>
-                        <a:latin typeface="+mn-lt"/>
-                      </a:endParaRPr>
-                    </a:p>
-                  </a:txBody>
-                  <a:tcPr marL="62162" marR="62162" marT="0" marB="0">
-                    <a:lnL w="12700" cap="flat" cmpd="sng" algn="ctr">
-                      <a:noFill/>
-                      <a:prstDash val="solid"/>
-                      <a:round/>
-                      <a:headEnd type="none" w="med" len="med"/>
-                      <a:tailEnd type="none" w="med" len="med"/>
-                    </a:lnL>
-                    <a:lnR w="12700" cap="flat" cmpd="sng" algn="ctr">
-                      <a:noFill/>
-                      <a:prstDash val="solid"/>
-                      <a:round/>
-                      <a:headEnd type="none" w="med" len="med"/>
-                      <a:tailEnd type="none" w="med" len="med"/>
-                    </a:lnR>
-                    <a:lnT w="12700" cap="flat" cmpd="sng" algn="ctr">
-                      <a:noFill/>
-                      <a:prstDash val="solid"/>
-                      <a:round/>
-                      <a:headEnd type="none" w="med" len="med"/>
-                      <a:tailEnd type="none" w="med" len="med"/>
-                    </a:lnT>
-                    <a:lnB w="12700" cap="flat" cmpd="sng" algn="ctr">
-                      <a:noFill/>
-                      <a:prstDash val="solid"/>
-                      <a:round/>
-                      <a:headEnd type="none" w="med" len="med"/>
-                      <a:tailEnd type="none" w="med" len="med"/>
-                    </a:lnB>
-                    <a:lnTlToBr w="12700" cmpd="sng">
-                      <a:noFill/>
-                      <a:prstDash val="solid"/>
-                    </a:lnTlToBr>
-                    <a:lnBlToTr w="12700" cmpd="sng">
-                      <a:noFill/>
-                      <a:prstDash val="solid"/>
-                    </a:lnBlToTr>
-                    <a:noFill/>
-                  </a:tcPr>
-                </a:tc>
-                <a:tc>
-                  <a:txBody>
-                    <a:bodyPr/>
-                    <a:lstStyle/>
-                    <a:p>
-                      <a:pPr marL="896938" lvl="0" indent="-342900" algn="l">
-                        <a:lnSpc>
-                          <a:spcPct val="100000"/>
-                        </a:lnSpc>
-                        <a:spcAft>
-                          <a:spcPts val="0"/>
-                        </a:spcAft>
-                        <a:buFont typeface="Calibri" panose="020F0502020204030204" pitchFamily="34" charset="0"/>
-                        <a:buChar char="-"/>
-                      </a:pPr>
-                      <a:r>
-                        <a:rPr lang="ru-RU" sz="2400" b="0" dirty="0" smtClean="0">
-                          <a:solidFill>
-                            <a:schemeClr val="tx1"/>
-                          </a:solidFill>
-                          <a:effectLst/>
-                          <a:latin typeface="+mn-lt"/>
-                        </a:rPr>
-                        <a:t>Высокие требования</a:t>
-                      </a:r>
-                      <a:r>
-                        <a:rPr lang="ru-RU" sz="2400" b="0" baseline="0" dirty="0" smtClean="0">
-                          <a:solidFill>
-                            <a:schemeClr val="tx1"/>
-                          </a:solidFill>
-                          <a:effectLst/>
-                          <a:latin typeface="+mn-lt"/>
-                        </a:rPr>
-                        <a:t> к аппаратному обеспечению</a:t>
-                      </a:r>
-                    </a:p>
-                    <a:p>
-                      <a:pPr marL="896938" lvl="0" indent="-342900" algn="l">
-                        <a:lnSpc>
-                          <a:spcPct val="100000"/>
-                        </a:lnSpc>
-                        <a:spcAft>
-                          <a:spcPts val="0"/>
-                        </a:spcAft>
-                        <a:buFont typeface="Calibri" panose="020F0502020204030204" pitchFamily="34" charset="0"/>
-                        <a:buChar char="-"/>
-                      </a:pPr>
-                      <a:r>
-                        <a:rPr lang="ru-RU" sz="2400" b="0" baseline="0" dirty="0" smtClean="0">
-                          <a:solidFill>
-                            <a:schemeClr val="tx1"/>
-                          </a:solidFill>
-                          <a:effectLst/>
-                          <a:latin typeface="+mn-lt"/>
-                          <a:ea typeface="Calibri" panose="020F0502020204030204" pitchFamily="34" charset="0"/>
-                          <a:cs typeface="Times New Roman" panose="02020603050405020304" pitchFamily="18" charset="0"/>
-                        </a:rPr>
-                        <a:t>Высокая стоимость</a:t>
-                      </a:r>
-                      <a:endParaRPr lang="ru-RU" sz="2400" b="0" dirty="0">
-                        <a:solidFill>
-                          <a:schemeClr val="tx1"/>
-                        </a:solidFill>
-                        <a:effectLst/>
-                        <a:latin typeface="+mn-lt"/>
-                        <a:ea typeface="Calibri" panose="020F0502020204030204" pitchFamily="34" charset="0"/>
-                        <a:cs typeface="Times New Roman" panose="02020603050405020304" pitchFamily="18" charset="0"/>
-                      </a:endParaRPr>
-                    </a:p>
-                  </a:txBody>
-                  <a:tcPr marL="62162" marR="62162" marT="0" marB="0">
-                    <a:lnL w="12700" cap="flat" cmpd="sng" algn="ctr">
-                      <a:noFill/>
-                      <a:prstDash val="solid"/>
-                      <a:round/>
-                      <a:headEnd type="none" w="med" len="med"/>
-                      <a:tailEnd type="none" w="med" len="med"/>
-                    </a:lnL>
-                    <a:lnR w="12700" cap="flat" cmpd="sng" algn="ctr">
-                      <a:noFill/>
-                      <a:prstDash val="solid"/>
-                      <a:round/>
-                      <a:headEnd type="none" w="med" len="med"/>
-                      <a:tailEnd type="none" w="med" len="med"/>
-                    </a:lnR>
-                    <a:lnT w="12700" cap="flat" cmpd="sng" algn="ctr">
-                      <a:noFill/>
-                      <a:prstDash val="solid"/>
-                      <a:round/>
-                      <a:headEnd type="none" w="med" len="med"/>
-                      <a:tailEnd type="none" w="med" len="med"/>
-                    </a:lnT>
-                    <a:lnB w="12700" cap="flat" cmpd="sng" algn="ctr">
-                      <a:noFill/>
-                      <a:prstDash val="solid"/>
-                      <a:round/>
-                      <a:headEnd type="none" w="med" len="med"/>
-                      <a:tailEnd type="none" w="med" len="med"/>
-                    </a:lnB>
-                    <a:lnTlToBr w="12700" cmpd="sng">
-                      <a:noFill/>
-                      <a:prstDash val="solid"/>
-                    </a:lnTlToBr>
-                    <a:lnBlToTr w="12700" cmpd="sng">
-                      <a:noFill/>
-                      <a:prstDash val="solid"/>
-                    </a:lnBlToTr>
-                    <a:noFill/>
-                  </a:tcPr>
-                </a:tc>
-                <a:extLst>
-                  <a:ext uri="{0D108BD9-81ED-4DB2-BD59-A6C34878D82A}">
-                    <a16:rowId xmlns:a16="http://schemas.microsoft.com/office/drawing/2014/main" val="1522331067"/>
-                  </a:ext>
-                </a:extLst>
-              </a:tr>
-            </a:tbl>
-          </a:graphicData>
-        </a:graphic>
-      </p:graphicFrame>
-      <p:graphicFrame>
-        <p:nvGraphicFramePr>
-          <p:cNvPr id="9" name="Таблица 8"/>
-          <p:cNvGraphicFramePr>
-            <a:graphicFrameLocks noGrp="1"/>
-          </p:cNvGraphicFramePr>
-          <p:nvPr>
-            <p:extLst>
-              <p:ext uri="{D42A27DB-BD31-4B8C-83A1-F6EECF244321}">
-                <p14:modId xmlns:p14="http://schemas.microsoft.com/office/powerpoint/2010/main" val="1175274287"/>
-              </p:ext>
-            </p:extLst>
-          </p:nvPr>
-        </p:nvGraphicFramePr>
-        <p:xfrm>
-          <a:off x="838200" y="1690687"/>
-          <a:ext cx="10515600" cy="646009"/>
-        </p:xfrm>
-        <a:graphic>
-          <a:graphicData uri="http://schemas.openxmlformats.org/drawingml/2006/table">
-            <a:tbl>
-              <a:tblPr firstRow="1" bandRow="1">
-                <a:tableStyleId>{F5AB1C69-6EDB-4FF4-983F-18BD219EF322}</a:tableStyleId>
-              </a:tblPr>
-              <a:tblGrid>
-                <a:gridCol w="694267">
-                  <a:extLst>
-                    <a:ext uri="{9D8B030D-6E8A-4147-A177-3AD203B41FA5}">
-                      <a16:colId xmlns:a16="http://schemas.microsoft.com/office/drawing/2014/main" val="52914121"/>
-                    </a:ext>
-                  </a:extLst>
-                </a:gridCol>
-                <a:gridCol w="5808133">
-                  <a:extLst>
-                    <a:ext uri="{9D8B030D-6E8A-4147-A177-3AD203B41FA5}">
-                      <a16:colId xmlns:a16="http://schemas.microsoft.com/office/drawing/2014/main" val="107489223"/>
-                    </a:ext>
-                  </a:extLst>
-                </a:gridCol>
-                <a:gridCol w="4013200">
-                  <a:extLst>
-                    <a:ext uri="{9D8B030D-6E8A-4147-A177-3AD203B41FA5}">
-                      <a16:colId xmlns:a16="http://schemas.microsoft.com/office/drawing/2014/main" val="684838690"/>
-                    </a:ext>
-                  </a:extLst>
-                </a:gridCol>
-              </a:tblGrid>
-              <a:tr h="646009">
-                <a:tc>
-                  <a:txBody>
-                    <a:bodyPr/>
-                    <a:lstStyle/>
-                    <a:p>
-                      <a:pPr marL="0" algn="l" defTabSz="914400" rtl="0" eaLnBrk="1" latinLnBrk="0" hangingPunct="1"/>
-                      <a:endParaRPr lang="ru-RU" sz="2400" b="1" kern="1200" dirty="0">
-                        <a:ln>
-                          <a:noFill/>
-                        </a:ln>
-                        <a:solidFill>
-                          <a:schemeClr val="lt1"/>
-                        </a:solidFill>
                         <a:latin typeface="+mn-lt"/>
                         <a:ea typeface="+mn-ea"/>
                         <a:cs typeface="+mn-cs"/>
@@ -13967,62 +12689,565 @@
                     <a:bodyPr/>
                     <a:lstStyle/>
                     <a:p>
-                      <a:pPr marL="0" indent="0" algn="l" defTabSz="914400" rtl="0" eaLnBrk="1" latinLnBrk="0" hangingPunct="1"/>
+                      <a:pPr marL="0" marR="0" lvl="0" indent="0" algn="ctr" defTabSz="914400" rtl="0" eaLnBrk="1" fontAlgn="auto" latinLnBrk="0" hangingPunct="1">
+                        <a:lnSpc>
+                          <a:spcPct val="150000"/>
+                        </a:lnSpc>
+                        <a:spcBef>
+                          <a:spcPts val="0"/>
+                        </a:spcBef>
+                        <a:spcAft>
+                          <a:spcPts val="0"/>
+                        </a:spcAft>
+                        <a:buClrTx/>
+                        <a:buSzTx/>
+                        <a:buFont typeface="Symbol" panose="05050102010706020507" pitchFamily="18" charset="2"/>
+                        <a:buNone/>
+                        <a:tabLst/>
+                        <a:defRPr/>
+                      </a:pPr>
                       <a:r>
-                        <a:rPr lang="ru-RU" sz="2400" kern="1200" dirty="0" smtClean="0">
+                        <a:rPr lang="ru-RU" sz="2000" kern="1200" dirty="0" smtClean="0">
+                          <a:effectLst/>
+                        </a:rPr>
+                        <a:t>Недостатки</a:t>
+                      </a:r>
+                      <a:endParaRPr lang="ru-RU" sz="2000" b="1" kern="1200" dirty="0">
+                        <a:solidFill>
+                          <a:schemeClr val="tx1"/>
+                        </a:solidFill>
+                        <a:effectLst/>
+                        <a:latin typeface="+mn-lt"/>
+                        <a:ea typeface="+mn-ea"/>
+                        <a:cs typeface="+mn-cs"/>
+                      </a:endParaRPr>
+                    </a:p>
+                  </a:txBody>
+                  <a:tcPr/>
+                </a:tc>
+                <a:tc>
+                  <a:txBody>
+                    <a:bodyPr/>
+                    <a:lstStyle/>
+                    <a:p>
+                      <a:pPr marL="0" marR="0" lvl="0" indent="0" algn="ctr" defTabSz="914400" rtl="0" eaLnBrk="1" fontAlgn="auto" latinLnBrk="0" hangingPunct="1">
+                        <a:lnSpc>
+                          <a:spcPct val="150000"/>
+                        </a:lnSpc>
+                        <a:spcBef>
+                          <a:spcPts val="0"/>
+                        </a:spcBef>
+                        <a:spcAft>
+                          <a:spcPts val="0"/>
+                        </a:spcAft>
+                        <a:buClrTx/>
+                        <a:buSzTx/>
+                        <a:buFont typeface="Symbol" panose="05050102010706020507" pitchFamily="18" charset="2"/>
+                        <a:buNone/>
+                        <a:tabLst/>
+                        <a:defRPr/>
+                      </a:pPr>
+                      <a:r>
+                        <a:rPr lang="ru-RU" sz="2000" kern="1200" dirty="0" smtClean="0">
+                          <a:effectLst/>
+                        </a:rPr>
+                        <a:t>Платформа</a:t>
+                      </a:r>
+                      <a:endParaRPr lang="ru-RU" sz="2000" b="1" kern="1200" dirty="0">
+                        <a:solidFill>
+                          <a:schemeClr val="tx1"/>
+                        </a:solidFill>
+                        <a:effectLst/>
+                        <a:latin typeface="+mn-lt"/>
+                        <a:ea typeface="+mn-ea"/>
+                        <a:cs typeface="+mn-cs"/>
+                      </a:endParaRPr>
+                    </a:p>
+                  </a:txBody>
+                  <a:tcPr/>
+                </a:tc>
+                <a:extLst>
+                  <a:ext uri="{0D108BD9-81ED-4DB2-BD59-A6C34878D82A}">
+                    <a16:rowId xmlns:a16="http://schemas.microsoft.com/office/drawing/2014/main" val="2902717666"/>
+                  </a:ext>
+                </a:extLst>
+              </a:tr>
+              <a:tr h="1463040">
+                <a:tc>
+                  <a:txBody>
+                    <a:bodyPr/>
+                    <a:lstStyle/>
+                    <a:p>
+                      <a:pPr marL="0" marR="0" indent="0" algn="l" defTabSz="914400" rtl="0" eaLnBrk="1" fontAlgn="auto" latinLnBrk="0" hangingPunct="1">
+                        <a:lnSpc>
+                          <a:spcPct val="100000"/>
+                        </a:lnSpc>
+                        <a:spcBef>
+                          <a:spcPts val="0"/>
+                        </a:spcBef>
+                        <a:spcAft>
+                          <a:spcPts val="0"/>
+                        </a:spcAft>
+                        <a:buClrTx/>
+                        <a:buSzTx/>
+                        <a:buFontTx/>
+                        <a:buNone/>
+                        <a:tabLst/>
+                        <a:defRPr/>
+                      </a:pPr>
+                      <a:r>
+                        <a:rPr lang="ru-RU" sz="1800" kern="1200" spc="-70" baseline="0" dirty="0" smtClean="0">
+                          <a:ln>
+                            <a:noFill/>
+                          </a:ln>
+                        </a:rPr>
+                        <a:t>1С:Зарплата и управление персоналом 8</a:t>
+                      </a:r>
+                    </a:p>
+                    <a:p>
+                      <a:endParaRPr lang="ru-RU" dirty="0"/>
+                    </a:p>
+                  </a:txBody>
+                  <a:tcPr/>
+                </a:tc>
+                <a:tc>
+                  <a:txBody>
+                    <a:bodyPr/>
+                    <a:lstStyle/>
+                    <a:p>
+                      <a:pPr marL="285750" lvl="0" indent="-285750" algn="l">
+                        <a:lnSpc>
+                          <a:spcPct val="100000"/>
+                        </a:lnSpc>
+                        <a:spcAft>
+                          <a:spcPts val="0"/>
+                        </a:spcAft>
+                        <a:buFont typeface="Calibri" panose="020F0502020204030204" pitchFamily="34" charset="0"/>
+                        <a:buChar char="+"/>
+                      </a:pPr>
+                      <a:r>
+                        <a:rPr lang="ru-RU" sz="1800" dirty="0" smtClean="0">
+                          <a:effectLst/>
+                        </a:rPr>
+                        <a:t>Функционал по автоматизации учета персонала</a:t>
+                      </a:r>
+                      <a:endParaRPr lang="en-US" sz="1800" dirty="0" smtClean="0">
+                        <a:effectLst/>
+                      </a:endParaRPr>
+                    </a:p>
+                    <a:p>
+                      <a:pPr marL="285750" lvl="0" indent="-285750" algn="l">
+                        <a:lnSpc>
+                          <a:spcPct val="100000"/>
+                        </a:lnSpc>
+                        <a:spcAft>
+                          <a:spcPts val="0"/>
+                        </a:spcAft>
+                        <a:buFont typeface="Calibri" panose="020F0502020204030204" pitchFamily="34" charset="0"/>
+                        <a:buChar char="+"/>
+                      </a:pPr>
+                      <a:r>
+                        <a:rPr lang="ru-RU" sz="1800" dirty="0" smtClean="0">
+                          <a:effectLst/>
+                        </a:rPr>
+                        <a:t>Возможность</a:t>
+                      </a:r>
+                      <a:r>
+                        <a:rPr lang="ru-RU" sz="1800" baseline="0" dirty="0" smtClean="0">
+                          <a:effectLst/>
+                        </a:rPr>
+                        <a:t> создания экосистемы из ПО 1С</a:t>
+                      </a:r>
+                      <a:endParaRPr lang="ru-RU" sz="1800" b="0" dirty="0" smtClean="0">
+                        <a:solidFill>
+                          <a:schemeClr val="tx1"/>
+                        </a:solidFill>
+                        <a:effectLst/>
+                        <a:latin typeface="+mn-lt"/>
+                      </a:endParaRPr>
+                    </a:p>
+                  </a:txBody>
+                  <a:tcPr/>
+                </a:tc>
+                <a:tc>
+                  <a:txBody>
+                    <a:bodyPr/>
+                    <a:lstStyle/>
+                    <a:p>
+                      <a:pPr marL="285750" lvl="0" indent="-285750" algn="l" defTabSz="914400" rtl="0" eaLnBrk="1" latinLnBrk="0" hangingPunct="1">
+                        <a:lnSpc>
+                          <a:spcPct val="100000"/>
+                        </a:lnSpc>
+                        <a:spcAft>
+                          <a:spcPts val="0"/>
+                        </a:spcAft>
+                        <a:buFontTx/>
+                        <a:buChar char="-"/>
+                      </a:pPr>
+                      <a:r>
+                        <a:rPr lang="ru-RU" sz="1800" kern="1200" dirty="0" smtClean="0">
+                          <a:effectLst/>
+                        </a:rPr>
+                        <a:t>Ограниченная гибкость</a:t>
+                      </a:r>
+                    </a:p>
+                    <a:p>
+                      <a:pPr marL="285750" lvl="0" indent="-285750" algn="l" defTabSz="914400" rtl="0" eaLnBrk="1" latinLnBrk="0" hangingPunct="1">
+                        <a:lnSpc>
+                          <a:spcPct val="100000"/>
+                        </a:lnSpc>
+                        <a:spcAft>
+                          <a:spcPts val="0"/>
+                        </a:spcAft>
+                        <a:buFontTx/>
+                        <a:buChar char="-"/>
+                      </a:pPr>
+                      <a:r>
+                        <a:rPr lang="ru-RU" sz="1800" kern="1200" dirty="0" smtClean="0">
+                          <a:effectLst/>
+                        </a:rPr>
+                        <a:t>Сложность настройки, требующая определенных знаний </a:t>
+                      </a:r>
+                    </a:p>
+                    <a:p>
+                      <a:endParaRPr lang="ru-RU" dirty="0"/>
+                    </a:p>
+                  </a:txBody>
+                  <a:tcPr/>
+                </a:tc>
+                <a:tc>
+                  <a:txBody>
+                    <a:bodyPr/>
+                    <a:lstStyle/>
+                    <a:p>
+                      <a:endParaRPr lang="ru-RU" sz="1800" b="0" kern="1200" spc="-70" baseline="0" dirty="0">
+                        <a:ln>
+                          <a:noFill/>
+                        </a:ln>
+                        <a:solidFill>
+                          <a:schemeClr val="tx1"/>
+                        </a:solidFill>
+                        <a:latin typeface="Microsoft Sans Serif" panose="020B0604020202020204" pitchFamily="34" charset="0"/>
+                        <a:ea typeface="Microsoft Sans Serif" panose="020B0604020202020204" pitchFamily="34" charset="0"/>
+                        <a:cs typeface="Microsoft Sans Serif" panose="020B0604020202020204" pitchFamily="34" charset="0"/>
+                      </a:endParaRPr>
+                    </a:p>
+                  </a:txBody>
+                  <a:tcPr/>
+                </a:tc>
+                <a:extLst>
+                  <a:ext uri="{0D108BD9-81ED-4DB2-BD59-A6C34878D82A}">
+                    <a16:rowId xmlns:a16="http://schemas.microsoft.com/office/drawing/2014/main" val="3656858310"/>
+                  </a:ext>
+                </a:extLst>
+              </a:tr>
+              <a:tr h="1254443">
+                <a:tc>
+                  <a:txBody>
+                    <a:bodyPr/>
+                    <a:lstStyle/>
+                    <a:p>
+                      <a:pPr marL="0" marR="0" indent="0" algn="l" defTabSz="914400" rtl="0" eaLnBrk="1" fontAlgn="auto" latinLnBrk="0" hangingPunct="1">
+                        <a:lnSpc>
+                          <a:spcPct val="100000"/>
+                        </a:lnSpc>
+                        <a:spcBef>
+                          <a:spcPts val="0"/>
+                        </a:spcBef>
+                        <a:spcAft>
+                          <a:spcPts val="0"/>
+                        </a:spcAft>
+                        <a:buClrTx/>
+                        <a:buSzTx/>
+                        <a:buFontTx/>
+                        <a:buNone/>
+                        <a:tabLst/>
+                        <a:defRPr/>
+                      </a:pPr>
+                      <a:r>
+                        <a:rPr lang="ru-RU" sz="1800" kern="1200" spc="-70" baseline="0" dirty="0" smtClean="0">
                           <a:ln>
                             <a:noFill/>
                           </a:ln>
                         </a:rPr>
                         <a:t>БОСС - КАДРОВИК</a:t>
                       </a:r>
-                      <a:endParaRPr lang="ru-RU" sz="2400" b="1" kern="1200" dirty="0">
-                        <a:ln>
-                          <a:noFill/>
-                        </a:ln>
+                    </a:p>
+                    <a:p>
+                      <a:endParaRPr lang="ru-RU" dirty="0"/>
+                    </a:p>
+                  </a:txBody>
+                  <a:tcPr/>
+                </a:tc>
+                <a:tc>
+                  <a:txBody>
+                    <a:bodyPr/>
+                    <a:lstStyle/>
+                    <a:p>
+                      <a:pPr marL="285750" lvl="0" indent="-285750" algn="l" defTabSz="914400" rtl="0" eaLnBrk="1" latinLnBrk="0" hangingPunct="1">
+                        <a:lnSpc>
+                          <a:spcPct val="100000"/>
+                        </a:lnSpc>
+                        <a:spcAft>
+                          <a:spcPts val="0"/>
+                        </a:spcAft>
+                        <a:buFont typeface="Calibri" panose="020F0502020204030204" pitchFamily="34" charset="0"/>
+                        <a:buChar char="+"/>
+                      </a:pPr>
+                      <a:r>
+                        <a:rPr lang="ru-RU" sz="1800" kern="1200" dirty="0" smtClean="0">
+                          <a:effectLst/>
+                        </a:rPr>
+                        <a:t>Удобный интерфейс</a:t>
+                      </a:r>
+                      <a:endParaRPr lang="en-US" sz="1800" kern="1200" dirty="0" smtClean="0">
+                        <a:effectLst/>
+                      </a:endParaRPr>
+                    </a:p>
+                    <a:p>
+                      <a:pPr marL="285750" lvl="0" indent="-285750" algn="l" defTabSz="914400" rtl="0" eaLnBrk="1" latinLnBrk="0" hangingPunct="1">
+                        <a:lnSpc>
+                          <a:spcPct val="100000"/>
+                        </a:lnSpc>
+                        <a:spcAft>
+                          <a:spcPts val="0"/>
+                        </a:spcAft>
+                        <a:buFont typeface="Calibri" panose="020F0502020204030204" pitchFamily="34" charset="0"/>
+                        <a:buChar char="+"/>
+                      </a:pPr>
+                      <a:r>
+                        <a:rPr lang="ru-RU" sz="1800" kern="1200" dirty="0" smtClean="0">
+                          <a:effectLst/>
+                        </a:rPr>
+                        <a:t>Интеграция со сторонними сервисами</a:t>
+                      </a:r>
+                      <a:endParaRPr lang="ru-RU" dirty="0"/>
+                    </a:p>
+                  </a:txBody>
+                  <a:tcPr/>
+                </a:tc>
+                <a:tc>
+                  <a:txBody>
+                    <a:bodyPr/>
+                    <a:lstStyle/>
+                    <a:p>
+                      <a:pPr marL="285750" lvl="0" indent="-285750" algn="l" defTabSz="914400" rtl="0" eaLnBrk="1" latinLnBrk="0" hangingPunct="1">
+                        <a:lnSpc>
+                          <a:spcPct val="100000"/>
+                        </a:lnSpc>
+                        <a:spcAft>
+                          <a:spcPts val="0"/>
+                        </a:spcAft>
+                        <a:buFontTx/>
+                        <a:buChar char="-"/>
+                      </a:pPr>
+                      <a:r>
+                        <a:rPr lang="ru-RU" sz="1800" kern="1200" dirty="0" smtClean="0">
+                          <a:effectLst/>
+                        </a:rPr>
+                        <a:t>Высокие требования к аппаратному обеспечению</a:t>
+                      </a:r>
+                    </a:p>
+                    <a:p>
+                      <a:pPr marL="285750" lvl="0" indent="-285750" algn="l" defTabSz="914400" rtl="0" eaLnBrk="1" latinLnBrk="0" hangingPunct="1">
+                        <a:lnSpc>
+                          <a:spcPct val="100000"/>
+                        </a:lnSpc>
+                        <a:spcAft>
+                          <a:spcPts val="0"/>
+                        </a:spcAft>
+                        <a:buFontTx/>
+                        <a:buChar char="-"/>
+                      </a:pPr>
+                      <a:r>
+                        <a:rPr lang="ru-RU" sz="1800" kern="1200" dirty="0" smtClean="0">
+                          <a:effectLst/>
+                        </a:rPr>
+                        <a:t>Высокая стоимость</a:t>
+                      </a:r>
+                      <a:endParaRPr lang="ru-RU" sz="1800" b="0" kern="1200" dirty="0">
                         <a:solidFill>
-                          <a:schemeClr val="lt1"/>
+                          <a:schemeClr val="tx1"/>
                         </a:solidFill>
+                        <a:effectLst/>
                         <a:latin typeface="+mn-lt"/>
                         <a:ea typeface="+mn-ea"/>
                         <a:cs typeface="+mn-cs"/>
                       </a:endParaRPr>
                     </a:p>
                   </a:txBody>
-                  <a:tcPr anchor="ctr"/>
+                  <a:tcPr/>
                 </a:tc>
                 <a:tc>
                   <a:txBody>
                     <a:bodyPr/>
                     <a:lstStyle/>
                     <a:p>
-                      <a:pPr marL="0" algn="l" defTabSz="914400" rtl="0" eaLnBrk="1" latinLnBrk="0" hangingPunct="1"/>
-                      <a:r>
-                        <a:rPr lang="ru-RU" sz="2400" kern="1200" dirty="0" smtClean="0">
-                          <a:ln>
-                            <a:noFill/>
-                          </a:ln>
-                        </a:rPr>
-                        <a:t>Платформы:</a:t>
-                      </a:r>
-                      <a:endParaRPr lang="ru-RU" sz="2400" b="1" kern="1200" dirty="0">
-                        <a:ln>
-                          <a:noFill/>
-                        </a:ln>
+                      <a:endParaRPr lang="ru-RU" sz="1800" b="0" kern="1200" dirty="0">
                         <a:solidFill>
-                          <a:schemeClr val="lt1"/>
+                          <a:schemeClr val="tx1"/>
                         </a:solidFill>
+                        <a:effectLst/>
                         <a:latin typeface="+mn-lt"/>
                         <a:ea typeface="+mn-ea"/>
                         <a:cs typeface="+mn-cs"/>
                       </a:endParaRPr>
                     </a:p>
                   </a:txBody>
-                  <a:tcPr anchor="ctr"/>
+                  <a:tcPr/>
                 </a:tc>
                 <a:extLst>
                   <a:ext uri="{0D108BD9-81ED-4DB2-BD59-A6C34878D82A}">
-                    <a16:rowId xmlns:a16="http://schemas.microsoft.com/office/drawing/2014/main" val="1226592424"/>
+                    <a16:rowId xmlns:a16="http://schemas.microsoft.com/office/drawing/2014/main" val="1378191586"/>
+                  </a:ext>
+                </a:extLst>
+              </a:tr>
+              <a:tr h="1463040">
+                <a:tc>
+                  <a:txBody>
+                    <a:bodyPr/>
+                    <a:lstStyle/>
+                    <a:p>
+                      <a:pPr marL="0" marR="0" indent="0" algn="l" defTabSz="914400" rtl="0" eaLnBrk="1" fontAlgn="auto" latinLnBrk="0" hangingPunct="1">
+                        <a:lnSpc>
+                          <a:spcPct val="100000"/>
+                        </a:lnSpc>
+                        <a:spcBef>
+                          <a:spcPts val="0"/>
+                        </a:spcBef>
+                        <a:spcAft>
+                          <a:spcPts val="0"/>
+                        </a:spcAft>
+                        <a:buClrTx/>
+                        <a:buSzTx/>
+                        <a:buFontTx/>
+                        <a:buNone/>
+                        <a:tabLst/>
+                        <a:defRPr/>
+                      </a:pPr>
+                      <a:r>
+                        <a:rPr lang="ru-RU" sz="1800" spc="-70" baseline="0" dirty="0" smtClean="0">
+                          <a:ln>
+                            <a:noFill/>
+                          </a:ln>
+                        </a:rPr>
+                        <a:t>КЭДО от </a:t>
+                      </a:r>
+                      <a:r>
+                        <a:rPr lang="en-US" sz="1800" spc="-70" baseline="0" dirty="0" err="1" smtClean="0">
+                          <a:ln>
+                            <a:noFill/>
+                          </a:ln>
+                        </a:rPr>
+                        <a:t>HRlink</a:t>
+                      </a:r>
+                      <a:endParaRPr lang="ru-RU" sz="1800" spc="-70" baseline="0" dirty="0" smtClean="0">
+                        <a:ln>
+                          <a:noFill/>
+                        </a:ln>
+                      </a:endParaRPr>
+                    </a:p>
+                    <a:p>
+                      <a:endParaRPr lang="ru-RU" dirty="0"/>
+                    </a:p>
+                  </a:txBody>
+                  <a:tcPr/>
+                </a:tc>
+                <a:tc>
+                  <a:txBody>
+                    <a:bodyPr/>
+                    <a:lstStyle/>
+                    <a:p>
+                      <a:pPr marL="285750" lvl="0" indent="-285750" algn="l" defTabSz="914400" rtl="0" eaLnBrk="1" latinLnBrk="0" hangingPunct="1">
+                        <a:lnSpc>
+                          <a:spcPct val="100000"/>
+                        </a:lnSpc>
+                        <a:spcAft>
+                          <a:spcPts val="0"/>
+                        </a:spcAft>
+                        <a:buFont typeface="Calibri" panose="020F0502020204030204" pitchFamily="34" charset="0"/>
+                        <a:buChar char="+"/>
+                      </a:pPr>
+                      <a:r>
+                        <a:rPr lang="ru-RU" sz="1800" kern="1200" dirty="0" smtClean="0">
+                          <a:effectLst/>
+                        </a:rPr>
+                        <a:t>Поддержка различных устройств</a:t>
+                      </a:r>
+                      <a:endParaRPr lang="en-US" sz="1800" kern="1200" dirty="0" smtClean="0">
+                        <a:effectLst/>
+                      </a:endParaRPr>
+                    </a:p>
+                    <a:p>
+                      <a:pPr marL="285750" lvl="0" indent="-285750" algn="l" defTabSz="914400" rtl="0" eaLnBrk="1" latinLnBrk="0" hangingPunct="1">
+                        <a:lnSpc>
+                          <a:spcPct val="100000"/>
+                        </a:lnSpc>
+                        <a:spcAft>
+                          <a:spcPts val="0"/>
+                        </a:spcAft>
+                        <a:buFont typeface="Calibri" panose="020F0502020204030204" pitchFamily="34" charset="0"/>
+                        <a:buChar char="+"/>
+                      </a:pPr>
+                      <a:r>
+                        <a:rPr lang="ru-RU" sz="1800" kern="1200" dirty="0" smtClean="0">
+                          <a:effectLst/>
+                        </a:rPr>
+                        <a:t>Интеграция со сторонними сервисами</a:t>
+                      </a:r>
+                      <a:endParaRPr lang="ru-RU" dirty="0"/>
+                    </a:p>
+                  </a:txBody>
+                  <a:tcPr/>
+                </a:tc>
+                <a:tc>
+                  <a:txBody>
+                    <a:bodyPr/>
+                    <a:lstStyle/>
+                    <a:p>
+                      <a:pPr marL="285750" marR="0" lvl="0" indent="-285750" algn="l" defTabSz="914400" rtl="0" eaLnBrk="1" fontAlgn="auto" latinLnBrk="0" hangingPunct="1">
+                        <a:lnSpc>
+                          <a:spcPct val="100000"/>
+                        </a:lnSpc>
+                        <a:spcBef>
+                          <a:spcPts val="0"/>
+                        </a:spcBef>
+                        <a:spcAft>
+                          <a:spcPts val="0"/>
+                        </a:spcAft>
+                        <a:buClrTx/>
+                        <a:buSzTx/>
+                        <a:buFontTx/>
+                        <a:buChar char="-"/>
+                        <a:tabLst/>
+                        <a:defRPr/>
+                      </a:pPr>
+                      <a:r>
+                        <a:rPr lang="ru-RU" sz="1800" kern="1200" dirty="0" smtClean="0">
+                          <a:effectLst/>
+                        </a:rPr>
+                        <a:t>Ограниченные возможности внедрения</a:t>
+                      </a:r>
+                    </a:p>
+                    <a:p>
+                      <a:endParaRPr lang="ru-RU" dirty="0"/>
+                    </a:p>
+                  </a:txBody>
+                  <a:tcPr/>
+                </a:tc>
+                <a:tc>
+                  <a:txBody>
+                    <a:bodyPr/>
+                    <a:lstStyle/>
+                    <a:p>
+                      <a:endParaRPr lang="ru-RU" dirty="0"/>
+                    </a:p>
+                  </a:txBody>
+                  <a:tcPr/>
+                </a:tc>
+                <a:extLst>
+                  <a:ext uri="{0D108BD9-81ED-4DB2-BD59-A6C34878D82A}">
+                    <a16:rowId xmlns:a16="http://schemas.microsoft.com/office/drawing/2014/main" val="759210851"/>
                   </a:ext>
                 </a:extLst>
               </a:tr>
@@ -14032,7 +13257,7 @@
       </p:graphicFrame>
       <p:pic>
         <p:nvPicPr>
-          <p:cNvPr id="13" name="Рисунок 12"/>
+          <p:cNvPr id="7" name="Рисунок 6"/>
           <p:cNvPicPr>
             <a:picLocks noChangeAspect="1"/>
           </p:cNvPicPr>
@@ -14052,7 +13277,7 @@
         </p:blipFill>
         <p:spPr>
           <a:xfrm>
-            <a:off x="9158800" y="1766025"/>
+            <a:off x="10295207" y="2157594"/>
             <a:ext cx="495334" cy="495334"/>
           </a:xfrm>
           <a:prstGeom prst="rect">
@@ -14062,7 +13287,67 @@
       </p:pic>
       <p:pic>
         <p:nvPicPr>
-          <p:cNvPr id="3" name="Рисунок 2"/>
+          <p:cNvPr id="8" name="Рисунок 7"/>
+          <p:cNvPicPr>
+            <a:picLocks noChangeAspect="1"/>
+          </p:cNvPicPr>
+          <p:nvPr/>
+        </p:nvPicPr>
+        <p:blipFill>
+          <a:blip r:embed="rId2" cstate="hqprint">
+            <a:extLst>
+              <a:ext uri="{28A0092B-C50C-407E-A947-70E740481C1C}">
+                <a14:useLocalDpi xmlns:a14="http://schemas.microsoft.com/office/drawing/2010/main" val="0"/>
+              </a:ext>
+            </a:extLst>
+          </a:blip>
+          <a:stretch>
+            <a:fillRect/>
+          </a:stretch>
+        </p:blipFill>
+        <p:spPr>
+          <a:xfrm>
+            <a:off x="9987358" y="3474631"/>
+            <a:ext cx="495334" cy="495334"/>
+          </a:xfrm>
+          <a:prstGeom prst="rect">
+            <a:avLst/>
+          </a:prstGeom>
+        </p:spPr>
+      </p:pic>
+      <p:pic>
+        <p:nvPicPr>
+          <p:cNvPr id="9" name="Рисунок 8"/>
+          <p:cNvPicPr>
+            <a:picLocks noChangeAspect="1"/>
+          </p:cNvPicPr>
+          <p:nvPr/>
+        </p:nvPicPr>
+        <p:blipFill>
+          <a:blip r:embed="rId2" cstate="hqprint">
+            <a:extLst>
+              <a:ext uri="{28A0092B-C50C-407E-A947-70E740481C1C}">
+                <a14:useLocalDpi xmlns:a14="http://schemas.microsoft.com/office/drawing/2010/main" val="0"/>
+              </a:ext>
+            </a:extLst>
+          </a:blip>
+          <a:stretch>
+            <a:fillRect/>
+          </a:stretch>
+        </p:blipFill>
+        <p:spPr>
+          <a:xfrm>
+            <a:off x="9982200" y="4883427"/>
+            <a:ext cx="495334" cy="495334"/>
+          </a:xfrm>
+          <a:prstGeom prst="rect">
+            <a:avLst/>
+          </a:prstGeom>
+        </p:spPr>
+      </p:pic>
+      <p:pic>
+        <p:nvPicPr>
+          <p:cNvPr id="10" name="Рисунок 9"/>
           <p:cNvPicPr>
             <a:picLocks noChangeAspect="1"/>
           </p:cNvPicPr>
@@ -14082,762 +13367,7 @@
         </p:blipFill>
         <p:spPr>
           <a:xfrm>
-            <a:off x="9759417" y="1766025"/>
-            <a:ext cx="495334" cy="495334"/>
-          </a:xfrm>
-          <a:prstGeom prst="rect">
-            <a:avLst/>
-          </a:prstGeom>
-        </p:spPr>
-      </p:pic>
-      <p:graphicFrame>
-        <p:nvGraphicFramePr>
-          <p:cNvPr id="5" name="Таблица 4"/>
-          <p:cNvGraphicFramePr>
-            <a:graphicFrameLocks noGrp="1"/>
-          </p:cNvGraphicFramePr>
-          <p:nvPr/>
-        </p:nvGraphicFramePr>
-        <p:xfrm>
-          <a:off x="4783667" y="1354667"/>
-          <a:ext cx="321733" cy="365760"/>
-        </p:xfrm>
-        <a:graphic>
-          <a:graphicData uri="http://schemas.openxmlformats.org/drawingml/2006/table">
-            <a:tbl>
-              <a:tblPr/>
-              <a:tblGrid>
-                <a:gridCol w="321733">
-                  <a:extLst>
-                    <a:ext uri="{9D8B030D-6E8A-4147-A177-3AD203B41FA5}">
-                      <a16:colId xmlns:a16="http://schemas.microsoft.com/office/drawing/2014/main" val="1782158263"/>
-                    </a:ext>
-                  </a:extLst>
-                </a:gridCol>
-              </a:tblGrid>
-              <a:tr h="118533">
-                <a:tc>
-                  <a:txBody>
-                    <a:bodyPr/>
-                    <a:lstStyle/>
-                    <a:p>
-                      <a:endParaRPr lang="ru-RU" dirty="0"/>
-                    </a:p>
-                  </a:txBody>
-                  <a:tcPr>
-                    <a:lnL>
-                      <a:noFill/>
-                    </a:lnL>
-                    <a:lnR>
-                      <a:noFill/>
-                    </a:lnR>
-                    <a:lnT>
-                      <a:noFill/>
-                    </a:lnT>
-                    <a:lnB>
-                      <a:noFill/>
-                    </a:lnB>
-                  </a:tcPr>
-                </a:tc>
-                <a:extLst>
-                  <a:ext uri="{0D108BD9-81ED-4DB2-BD59-A6C34878D82A}">
-                    <a16:rowId xmlns:a16="http://schemas.microsoft.com/office/drawing/2014/main" val="2047025765"/>
-                  </a:ext>
-                </a:extLst>
-              </a:tr>
-            </a:tbl>
-          </a:graphicData>
-        </a:graphic>
-      </p:graphicFrame>
-      <p:pic>
-        <p:nvPicPr>
-          <p:cNvPr id="10" name="Рисунок 9"/>
-          <p:cNvPicPr>
-            <a:picLocks noChangeAspect="1"/>
-          </p:cNvPicPr>
-          <p:nvPr/>
-        </p:nvPicPr>
-        <p:blipFill rotWithShape="1">
-          <a:blip r:embed="rId4">
-            <a:extLst>
-              <a:ext uri="{28A0092B-C50C-407E-A947-70E740481C1C}">
-                <a14:useLocalDpi xmlns:a14="http://schemas.microsoft.com/office/drawing/2010/main" val="0"/>
-              </a:ext>
-            </a:extLst>
-          </a:blip>
-          <a:srcRect l="1" t="-1" r="74539" b="-19710"/>
-          <a:stretch/>
-        </p:blipFill>
-        <p:spPr>
-          <a:xfrm>
-            <a:off x="838200" y="1690686"/>
-            <a:ext cx="575804" cy="773535"/>
-          </a:xfrm>
-          <a:prstGeom prst="rect">
-            <a:avLst/>
-          </a:prstGeom>
-        </p:spPr>
-      </p:pic>
-    </p:spTree>
-    <p:extLst>
-      <p:ext uri="{BB962C8B-B14F-4D97-AF65-F5344CB8AC3E}">
-        <p14:creationId xmlns:p14="http://schemas.microsoft.com/office/powerpoint/2010/main" val="1548281297"/>
-      </p:ext>
-    </p:extLst>
-  </p:cSld>
-  <p:clrMapOvr>
-    <a:masterClrMapping/>
-  </p:clrMapOvr>
-  <mc:AlternateContent xmlns:mc="http://schemas.openxmlformats.org/markup-compatibility/2006" xmlns:p14="http://schemas.microsoft.com/office/powerpoint/2010/main">
-    <mc:Choice Requires="p14">
-      <p:transition p14:dur="0"/>
-    </mc:Choice>
-    <mc:Fallback xmlns="">
-      <p:transition/>
-    </mc:Fallback>
-  </mc:AlternateContent>
-  <p:timing>
-    <p:tnLst>
-      <p:par>
-        <p:cTn id="1" dur="indefinite" restart="never" nodeType="tmRoot"/>
-      </p:par>
-    </p:tnLst>
-  </p:timing>
-</p:sld>
-</file>
-
-<file path=ppt/slides/slide6.xml><?xml version="1.0" encoding="utf-8"?>
-<p:sld xmlns:a="http://schemas.openxmlformats.org/drawingml/2006/main" xmlns:r="http://schemas.openxmlformats.org/officeDocument/2006/relationships" xmlns:p="http://schemas.openxmlformats.org/presentationml/2006/main">
-  <p:cSld>
-    <p:spTree>
-      <p:nvGrpSpPr>
-        <p:cNvPr id="1" name=""/>
-        <p:cNvGrpSpPr/>
-        <p:nvPr/>
-      </p:nvGrpSpPr>
-      <p:grpSpPr>
-        <a:xfrm>
-          <a:off x="0" y="0"/>
-          <a:ext cx="0" cy="0"/>
-          <a:chOff x="0" y="0"/>
-          <a:chExt cx="0" cy="0"/>
-        </a:xfrm>
-      </p:grpSpPr>
-      <p:sp>
-        <p:nvSpPr>
-          <p:cNvPr id="2" name="Заголовок 1">
-            <a:extLst>
-              <a:ext uri="{FF2B5EF4-FFF2-40B4-BE49-F238E27FC236}">
-                <a16:creationId xmlns:a16="http://schemas.microsoft.com/office/drawing/2014/main" id="{85A67EE4-1490-489F-B022-DB785FFC2A71}"/>
-              </a:ext>
-            </a:extLst>
-          </p:cNvPr>
-          <p:cNvSpPr>
-            <a:spLocks noGrp="1"/>
-          </p:cNvSpPr>
-          <p:nvPr>
-            <p:ph type="title"/>
-          </p:nvPr>
-        </p:nvSpPr>
-        <p:spPr/>
-        <p:txBody>
-          <a:bodyPr>
-            <a:normAutofit/>
-          </a:bodyPr>
-          <a:lstStyle/>
-          <a:p>
-            <a:r>
-              <a:rPr lang="ru-RU" sz="4000" cap="none" dirty="0">
-                <a:latin typeface="+mn-lt"/>
-                <a:ea typeface="+mn-ea"/>
-                <a:cs typeface="+mn-cs"/>
-              </a:rPr>
-              <a:t>Аналитический обзор существующих решений</a:t>
-            </a:r>
-          </a:p>
-        </p:txBody>
-      </p:sp>
-      <p:sp>
-        <p:nvSpPr>
-          <p:cNvPr id="4" name="Номер слайда 3">
-            <a:extLst>
-              <a:ext uri="{FF2B5EF4-FFF2-40B4-BE49-F238E27FC236}">
-                <a16:creationId xmlns:a16="http://schemas.microsoft.com/office/drawing/2014/main" id="{0D15676A-FFFA-436B-8906-F39FC78919CB}"/>
-              </a:ext>
-            </a:extLst>
-          </p:cNvPr>
-          <p:cNvSpPr>
-            <a:spLocks noGrp="1"/>
-          </p:cNvSpPr>
-          <p:nvPr>
-            <p:ph type="sldNum" sz="quarter" idx="12"/>
-          </p:nvPr>
-        </p:nvSpPr>
-        <p:spPr/>
-        <p:txBody>
-          <a:bodyPr/>
-          <a:lstStyle/>
-          <a:p>
-            <a:r>
-              <a:rPr lang="ru-RU" dirty="0"/>
-              <a:t>6</a:t>
-            </a:r>
-          </a:p>
-        </p:txBody>
-      </p:sp>
-      <p:graphicFrame>
-        <p:nvGraphicFramePr>
-          <p:cNvPr id="6" name="Таблица 5"/>
-          <p:cNvGraphicFramePr>
-            <a:graphicFrameLocks noGrp="1"/>
-          </p:cNvGraphicFramePr>
-          <p:nvPr>
-            <p:extLst>
-              <p:ext uri="{D42A27DB-BD31-4B8C-83A1-F6EECF244321}">
-                <p14:modId xmlns:p14="http://schemas.microsoft.com/office/powerpoint/2010/main" val="881053670"/>
-              </p:ext>
-            </p:extLst>
-          </p:nvPr>
-        </p:nvGraphicFramePr>
-        <p:xfrm>
-          <a:off x="838200" y="2431734"/>
-          <a:ext cx="10515600" cy="3855956"/>
-        </p:xfrm>
-        <a:graphic>
-          <a:graphicData uri="http://schemas.openxmlformats.org/drawingml/2006/table">
-            <a:tbl>
-              <a:tblPr firstRow="1" firstCol="1" bandRow="1">
-                <a:tableStyleId>{5C22544A-7EE6-4342-B048-85BDC9FD1C3A}</a:tableStyleId>
-              </a:tblPr>
-              <a:tblGrid>
-                <a:gridCol w="5256980">
-                  <a:extLst>
-                    <a:ext uri="{9D8B030D-6E8A-4147-A177-3AD203B41FA5}">
-                      <a16:colId xmlns:a16="http://schemas.microsoft.com/office/drawing/2014/main" val="897422277"/>
-                    </a:ext>
-                  </a:extLst>
-                </a:gridCol>
-                <a:gridCol w="5258620">
-                  <a:extLst>
-                    <a:ext uri="{9D8B030D-6E8A-4147-A177-3AD203B41FA5}">
-                      <a16:colId xmlns:a16="http://schemas.microsoft.com/office/drawing/2014/main" val="4111979729"/>
-                    </a:ext>
-                  </a:extLst>
-                </a:gridCol>
-              </a:tblGrid>
-              <a:tr h="621468">
-                <a:tc>
-                  <a:txBody>
-                    <a:bodyPr/>
-                    <a:lstStyle/>
-                    <a:p>
-                      <a:pPr marL="896938" lvl="0" indent="0" algn="just">
-                        <a:lnSpc>
-                          <a:spcPct val="150000"/>
-                        </a:lnSpc>
-                        <a:spcAft>
-                          <a:spcPts val="0"/>
-                        </a:spcAft>
-                        <a:buFont typeface="Symbol" panose="05050102010706020507" pitchFamily="18" charset="2"/>
-                        <a:buNone/>
-                      </a:pPr>
-                      <a:r>
-                        <a:rPr lang="ru-RU" sz="2400" b="1" dirty="0" smtClean="0">
-                          <a:solidFill>
-                            <a:schemeClr val="tx1"/>
-                          </a:solidFill>
-                          <a:effectLst/>
-                          <a:latin typeface="+mn-lt"/>
-                        </a:rPr>
-                        <a:t>Достоинства</a:t>
-                      </a:r>
-                      <a:endParaRPr lang="ru-RU" sz="2400" b="1" dirty="0">
-                        <a:solidFill>
-                          <a:schemeClr val="tx1"/>
-                        </a:solidFill>
-                        <a:effectLst/>
-                        <a:latin typeface="+mn-lt"/>
-                      </a:endParaRPr>
-                    </a:p>
-                  </a:txBody>
-                  <a:tcPr marL="62162" marR="62162" marT="0" marB="0">
-                    <a:lnL w="12700" cap="flat" cmpd="sng" algn="ctr">
-                      <a:noFill/>
-                      <a:prstDash val="solid"/>
-                      <a:round/>
-                      <a:headEnd type="none" w="med" len="med"/>
-                      <a:tailEnd type="none" w="med" len="med"/>
-                    </a:lnL>
-                    <a:lnR w="12700" cap="flat" cmpd="sng" algn="ctr">
-                      <a:noFill/>
-                      <a:prstDash val="solid"/>
-                      <a:round/>
-                      <a:headEnd type="none" w="med" len="med"/>
-                      <a:tailEnd type="none" w="med" len="med"/>
-                    </a:lnR>
-                    <a:lnT w="12700" cap="flat" cmpd="sng" algn="ctr">
-                      <a:noFill/>
-                      <a:prstDash val="solid"/>
-                      <a:round/>
-                      <a:headEnd type="none" w="med" len="med"/>
-                      <a:tailEnd type="none" w="med" len="med"/>
-                    </a:lnT>
-                    <a:lnB w="12700" cap="flat" cmpd="sng" algn="ctr">
-                      <a:noFill/>
-                      <a:prstDash val="solid"/>
-                      <a:round/>
-                      <a:headEnd type="none" w="med" len="med"/>
-                      <a:tailEnd type="none" w="med" len="med"/>
-                    </a:lnB>
-                    <a:lnTlToBr w="12700" cmpd="sng">
-                      <a:noFill/>
-                      <a:prstDash val="solid"/>
-                    </a:lnTlToBr>
-                    <a:lnBlToTr w="12700" cmpd="sng">
-                      <a:noFill/>
-                      <a:prstDash val="solid"/>
-                    </a:lnBlToTr>
-                    <a:noFill/>
-                  </a:tcPr>
-                </a:tc>
-                <a:tc>
-                  <a:txBody>
-                    <a:bodyPr/>
-                    <a:lstStyle/>
-                    <a:p>
-                      <a:pPr marL="0" lvl="0" indent="896938" algn="just">
-                        <a:lnSpc>
-                          <a:spcPct val="150000"/>
-                        </a:lnSpc>
-                        <a:spcAft>
-                          <a:spcPts val="0"/>
-                        </a:spcAft>
-                        <a:buFont typeface="Symbol" panose="05050102010706020507" pitchFamily="18" charset="2"/>
-                        <a:buNone/>
-                      </a:pPr>
-                      <a:r>
-                        <a:rPr lang="ru-RU" sz="2400" b="1" dirty="0" smtClean="0">
-                          <a:solidFill>
-                            <a:schemeClr val="tx1"/>
-                          </a:solidFill>
-                          <a:effectLst/>
-                          <a:latin typeface="+mn-lt"/>
-                          <a:ea typeface="Calibri" panose="020F0502020204030204" pitchFamily="34" charset="0"/>
-                          <a:cs typeface="Times New Roman" panose="02020603050405020304" pitchFamily="18" charset="0"/>
-                        </a:rPr>
-                        <a:t>Недостатки</a:t>
-                      </a:r>
-                      <a:endParaRPr lang="ru-RU" sz="2400" b="1" dirty="0">
-                        <a:solidFill>
-                          <a:schemeClr val="tx1"/>
-                        </a:solidFill>
-                        <a:effectLst/>
-                        <a:latin typeface="+mn-lt"/>
-                        <a:ea typeface="Calibri" panose="020F0502020204030204" pitchFamily="34" charset="0"/>
-                        <a:cs typeface="Times New Roman" panose="02020603050405020304" pitchFamily="18" charset="0"/>
-                      </a:endParaRPr>
-                    </a:p>
-                  </a:txBody>
-                  <a:tcPr marL="62162" marR="62162" marT="0" marB="0">
-                    <a:lnL w="12700" cap="flat" cmpd="sng" algn="ctr">
-                      <a:noFill/>
-                      <a:prstDash val="solid"/>
-                      <a:round/>
-                      <a:headEnd type="none" w="med" len="med"/>
-                      <a:tailEnd type="none" w="med" len="med"/>
-                    </a:lnL>
-                    <a:lnR w="12700" cap="flat" cmpd="sng" algn="ctr">
-                      <a:noFill/>
-                      <a:prstDash val="solid"/>
-                      <a:round/>
-                      <a:headEnd type="none" w="med" len="med"/>
-                      <a:tailEnd type="none" w="med" len="med"/>
-                    </a:lnR>
-                    <a:lnT w="12700" cap="flat" cmpd="sng" algn="ctr">
-                      <a:noFill/>
-                      <a:prstDash val="solid"/>
-                      <a:round/>
-                      <a:headEnd type="none" w="med" len="med"/>
-                      <a:tailEnd type="none" w="med" len="med"/>
-                    </a:lnT>
-                    <a:lnB w="12700" cap="flat" cmpd="sng" algn="ctr">
-                      <a:noFill/>
-                      <a:prstDash val="solid"/>
-                      <a:round/>
-                      <a:headEnd type="none" w="med" len="med"/>
-                      <a:tailEnd type="none" w="med" len="med"/>
-                    </a:lnB>
-                    <a:lnTlToBr w="12700" cmpd="sng">
-                      <a:noFill/>
-                      <a:prstDash val="solid"/>
-                    </a:lnTlToBr>
-                    <a:lnBlToTr w="12700" cmpd="sng">
-                      <a:noFill/>
-                      <a:prstDash val="solid"/>
-                    </a:lnBlToTr>
-                    <a:noFill/>
-                  </a:tcPr>
-                </a:tc>
-                <a:extLst>
-                  <a:ext uri="{0D108BD9-81ED-4DB2-BD59-A6C34878D82A}">
-                    <a16:rowId xmlns:a16="http://schemas.microsoft.com/office/drawing/2014/main" val="378409306"/>
-                  </a:ext>
-                </a:extLst>
-              </a:tr>
-              <a:tr h="3234488">
-                <a:tc>
-                  <a:txBody>
-                    <a:bodyPr/>
-                    <a:lstStyle/>
-                    <a:p>
-                      <a:pPr marL="896938" lvl="0" indent="-285750" algn="l">
-                        <a:lnSpc>
-                          <a:spcPct val="100000"/>
-                        </a:lnSpc>
-                        <a:spcAft>
-                          <a:spcPts val="0"/>
-                        </a:spcAft>
-                        <a:buFont typeface="Calibri" panose="020F0502020204030204" pitchFamily="34" charset="0"/>
-                        <a:buChar char="+"/>
-                      </a:pPr>
-                      <a:r>
-                        <a:rPr lang="ru-RU" sz="2400" b="0" dirty="0" smtClean="0">
-                          <a:solidFill>
-                            <a:schemeClr val="tx1"/>
-                          </a:solidFill>
-                          <a:effectLst/>
-                          <a:latin typeface="+mn-lt"/>
-                        </a:rPr>
-                        <a:t>Поддержка различных устройств</a:t>
-                      </a:r>
-                      <a:endParaRPr lang="en-US" sz="2400" b="0" dirty="0" smtClean="0">
-                        <a:solidFill>
-                          <a:schemeClr val="tx1"/>
-                        </a:solidFill>
-                        <a:effectLst/>
-                        <a:latin typeface="+mn-lt"/>
-                      </a:endParaRPr>
-                    </a:p>
-                    <a:p>
-                      <a:pPr marL="896938" lvl="0" indent="-285750" algn="l">
-                        <a:lnSpc>
-                          <a:spcPct val="100000"/>
-                        </a:lnSpc>
-                        <a:spcAft>
-                          <a:spcPts val="0"/>
-                        </a:spcAft>
-                        <a:buFont typeface="Calibri" panose="020F0502020204030204" pitchFamily="34" charset="0"/>
-                        <a:buChar char="+"/>
-                      </a:pPr>
-                      <a:r>
-                        <a:rPr lang="ru-RU" sz="2400" b="0" dirty="0" smtClean="0">
-                          <a:solidFill>
-                            <a:schemeClr val="tx1"/>
-                          </a:solidFill>
-                          <a:effectLst/>
-                          <a:latin typeface="+mn-lt"/>
-                        </a:rPr>
-                        <a:t>Интеграция</a:t>
-                      </a:r>
-                      <a:r>
-                        <a:rPr lang="ru-RU" sz="2400" b="0" baseline="0" dirty="0" smtClean="0">
-                          <a:solidFill>
-                            <a:schemeClr val="tx1"/>
-                          </a:solidFill>
-                          <a:effectLst/>
-                          <a:latin typeface="+mn-lt"/>
-                        </a:rPr>
-                        <a:t> со сторонними сервисами</a:t>
-                      </a:r>
-                      <a:endParaRPr lang="ru-RU" sz="2400" b="0" dirty="0">
-                        <a:solidFill>
-                          <a:schemeClr val="tx1"/>
-                        </a:solidFill>
-                        <a:effectLst/>
-                        <a:latin typeface="+mn-lt"/>
-                      </a:endParaRPr>
-                    </a:p>
-                  </a:txBody>
-                  <a:tcPr marL="62162" marR="62162" marT="0" marB="0">
-                    <a:lnL w="12700" cap="flat" cmpd="sng" algn="ctr">
-                      <a:noFill/>
-                      <a:prstDash val="solid"/>
-                      <a:round/>
-                      <a:headEnd type="none" w="med" len="med"/>
-                      <a:tailEnd type="none" w="med" len="med"/>
-                    </a:lnL>
-                    <a:lnR w="12700" cap="flat" cmpd="sng" algn="ctr">
-                      <a:noFill/>
-                      <a:prstDash val="solid"/>
-                      <a:round/>
-                      <a:headEnd type="none" w="med" len="med"/>
-                      <a:tailEnd type="none" w="med" len="med"/>
-                    </a:lnR>
-                    <a:lnT w="12700" cap="flat" cmpd="sng" algn="ctr">
-                      <a:noFill/>
-                      <a:prstDash val="solid"/>
-                      <a:round/>
-                      <a:headEnd type="none" w="med" len="med"/>
-                      <a:tailEnd type="none" w="med" len="med"/>
-                    </a:lnT>
-                    <a:lnB w="12700" cap="flat" cmpd="sng" algn="ctr">
-                      <a:noFill/>
-                      <a:prstDash val="solid"/>
-                      <a:round/>
-                      <a:headEnd type="none" w="med" len="med"/>
-                      <a:tailEnd type="none" w="med" len="med"/>
-                    </a:lnB>
-                    <a:lnTlToBr w="12700" cmpd="sng">
-                      <a:noFill/>
-                      <a:prstDash val="solid"/>
-                    </a:lnTlToBr>
-                    <a:lnBlToTr w="12700" cmpd="sng">
-                      <a:noFill/>
-                      <a:prstDash val="solid"/>
-                    </a:lnBlToTr>
-                    <a:noFill/>
-                  </a:tcPr>
-                </a:tc>
-                <a:tc>
-                  <a:txBody>
-                    <a:bodyPr/>
-                    <a:lstStyle/>
-                    <a:p>
-                      <a:pPr marL="896938" lvl="0" indent="-342900" algn="l">
-                        <a:lnSpc>
-                          <a:spcPct val="100000"/>
-                        </a:lnSpc>
-                        <a:spcAft>
-                          <a:spcPts val="0"/>
-                        </a:spcAft>
-                        <a:buFont typeface="Calibri" panose="020F0502020204030204" pitchFamily="34" charset="0"/>
-                        <a:buChar char="-"/>
-                      </a:pPr>
-                      <a:r>
-                        <a:rPr lang="ru-RU" sz="2400" b="0" dirty="0" smtClean="0">
-                          <a:solidFill>
-                            <a:schemeClr val="tx1"/>
-                          </a:solidFill>
-                          <a:effectLst/>
-                          <a:latin typeface="+mn-lt"/>
-                        </a:rPr>
-                        <a:t>Ограниченные возможности внедрения</a:t>
-                      </a:r>
-                      <a:endParaRPr lang="ru-RU" sz="2400" b="0" dirty="0">
-                        <a:solidFill>
-                          <a:schemeClr val="tx1"/>
-                        </a:solidFill>
-                        <a:effectLst/>
-                        <a:latin typeface="+mn-lt"/>
-                        <a:ea typeface="Calibri" panose="020F0502020204030204" pitchFamily="34" charset="0"/>
-                        <a:cs typeface="Times New Roman" panose="02020603050405020304" pitchFamily="18" charset="0"/>
-                      </a:endParaRPr>
-                    </a:p>
-                  </a:txBody>
-                  <a:tcPr marL="62162" marR="62162" marT="0" marB="0">
-                    <a:lnL w="12700" cap="flat" cmpd="sng" algn="ctr">
-                      <a:noFill/>
-                      <a:prstDash val="solid"/>
-                      <a:round/>
-                      <a:headEnd type="none" w="med" len="med"/>
-                      <a:tailEnd type="none" w="med" len="med"/>
-                    </a:lnL>
-                    <a:lnR w="12700" cap="flat" cmpd="sng" algn="ctr">
-                      <a:noFill/>
-                      <a:prstDash val="solid"/>
-                      <a:round/>
-                      <a:headEnd type="none" w="med" len="med"/>
-                      <a:tailEnd type="none" w="med" len="med"/>
-                    </a:lnR>
-                    <a:lnT w="12700" cap="flat" cmpd="sng" algn="ctr">
-                      <a:noFill/>
-                      <a:prstDash val="solid"/>
-                      <a:round/>
-                      <a:headEnd type="none" w="med" len="med"/>
-                      <a:tailEnd type="none" w="med" len="med"/>
-                    </a:lnT>
-                    <a:lnB w="12700" cap="flat" cmpd="sng" algn="ctr">
-                      <a:noFill/>
-                      <a:prstDash val="solid"/>
-                      <a:round/>
-                      <a:headEnd type="none" w="med" len="med"/>
-                      <a:tailEnd type="none" w="med" len="med"/>
-                    </a:lnB>
-                    <a:lnTlToBr w="12700" cmpd="sng">
-                      <a:noFill/>
-                      <a:prstDash val="solid"/>
-                    </a:lnTlToBr>
-                    <a:lnBlToTr w="12700" cmpd="sng">
-                      <a:noFill/>
-                      <a:prstDash val="solid"/>
-                    </a:lnBlToTr>
-                    <a:noFill/>
-                  </a:tcPr>
-                </a:tc>
-                <a:extLst>
-                  <a:ext uri="{0D108BD9-81ED-4DB2-BD59-A6C34878D82A}">
-                    <a16:rowId xmlns:a16="http://schemas.microsoft.com/office/drawing/2014/main" val="1522331067"/>
-                  </a:ext>
-                </a:extLst>
-              </a:tr>
-            </a:tbl>
-          </a:graphicData>
-        </a:graphic>
-      </p:graphicFrame>
-      <p:graphicFrame>
-        <p:nvGraphicFramePr>
-          <p:cNvPr id="9" name="Таблица 8"/>
-          <p:cNvGraphicFramePr>
-            <a:graphicFrameLocks noGrp="1"/>
-          </p:cNvGraphicFramePr>
-          <p:nvPr>
-            <p:extLst>
-              <p:ext uri="{D42A27DB-BD31-4B8C-83A1-F6EECF244321}">
-                <p14:modId xmlns:p14="http://schemas.microsoft.com/office/powerpoint/2010/main" val="4141001621"/>
-              </p:ext>
-            </p:extLst>
-          </p:nvPr>
-        </p:nvGraphicFramePr>
-        <p:xfrm>
-          <a:off x="838200" y="1690687"/>
-          <a:ext cx="10515600" cy="646009"/>
-        </p:xfrm>
-        <a:graphic>
-          <a:graphicData uri="http://schemas.openxmlformats.org/drawingml/2006/table">
-            <a:tbl>
-              <a:tblPr firstRow="1" bandRow="1">
-                <a:tableStyleId>{F5AB1C69-6EDB-4FF4-983F-18BD219EF322}</a:tableStyleId>
-              </a:tblPr>
-              <a:tblGrid>
-                <a:gridCol w="694267">
-                  <a:extLst>
-                    <a:ext uri="{9D8B030D-6E8A-4147-A177-3AD203B41FA5}">
-                      <a16:colId xmlns:a16="http://schemas.microsoft.com/office/drawing/2014/main" val="52914121"/>
-                    </a:ext>
-                  </a:extLst>
-                </a:gridCol>
-                <a:gridCol w="5808133">
-                  <a:extLst>
-                    <a:ext uri="{9D8B030D-6E8A-4147-A177-3AD203B41FA5}">
-                      <a16:colId xmlns:a16="http://schemas.microsoft.com/office/drawing/2014/main" val="107489223"/>
-                    </a:ext>
-                  </a:extLst>
-                </a:gridCol>
-                <a:gridCol w="4013200">
-                  <a:extLst>
-                    <a:ext uri="{9D8B030D-6E8A-4147-A177-3AD203B41FA5}">
-                      <a16:colId xmlns:a16="http://schemas.microsoft.com/office/drawing/2014/main" val="684838690"/>
-                    </a:ext>
-                  </a:extLst>
-                </a:gridCol>
-              </a:tblGrid>
-              <a:tr h="646009">
-                <a:tc>
-                  <a:txBody>
-                    <a:bodyPr/>
-                    <a:lstStyle/>
-                    <a:p>
-                      <a:endParaRPr lang="ru-RU" dirty="0"/>
-                    </a:p>
-                  </a:txBody>
-                  <a:tcPr/>
-                </a:tc>
-                <a:tc>
-                  <a:txBody>
-                    <a:bodyPr/>
-                    <a:lstStyle/>
-                    <a:p>
-                      <a:pPr marL="0" indent="0"/>
-                      <a:r>
-                        <a:rPr lang="ru-RU" sz="2400" spc="-70" baseline="0" dirty="0" smtClean="0">
-                          <a:ln>
-                            <a:noFill/>
-                          </a:ln>
-                        </a:rPr>
-                        <a:t>КЭДО от </a:t>
-                      </a:r>
-                      <a:r>
-                        <a:rPr lang="en-US" sz="2400" spc="-70" baseline="0" dirty="0" err="1" smtClean="0">
-                          <a:ln>
-                            <a:noFill/>
-                          </a:ln>
-                        </a:rPr>
-                        <a:t>HRlink</a:t>
-                      </a:r>
-                      <a:endParaRPr lang="ru-RU" sz="2400" b="0" spc="-70" baseline="0" dirty="0">
-                        <a:ln>
-                          <a:noFill/>
-                        </a:ln>
-                        <a:solidFill>
-                          <a:schemeClr val="tx1"/>
-                        </a:solidFill>
-                        <a:latin typeface="Microsoft Sans Serif" panose="020B0604020202020204" pitchFamily="34" charset="0"/>
-                        <a:ea typeface="Microsoft Sans Serif" panose="020B0604020202020204" pitchFamily="34" charset="0"/>
-                        <a:cs typeface="Microsoft Sans Serif" panose="020B0604020202020204" pitchFamily="34" charset="0"/>
-                      </a:endParaRPr>
-                    </a:p>
-                  </a:txBody>
-                  <a:tcPr anchor="ctr"/>
-                </a:tc>
-                <a:tc>
-                  <a:txBody>
-                    <a:bodyPr/>
-                    <a:lstStyle/>
-                    <a:p>
-                      <a:r>
-                        <a:rPr lang="ru-RU" sz="2400" dirty="0" smtClean="0">
-                          <a:ln>
-                            <a:noFill/>
-                          </a:ln>
-                        </a:rPr>
-                        <a:t>Платформы:</a:t>
-                      </a:r>
-                      <a:endParaRPr lang="ru-RU" sz="2400" b="0" dirty="0">
-                        <a:ln>
-                          <a:noFill/>
-                        </a:ln>
-                        <a:solidFill>
-                          <a:schemeClr val="tx1"/>
-                        </a:solidFill>
-                        <a:latin typeface="+mn-lt"/>
-                      </a:endParaRPr>
-                    </a:p>
-                  </a:txBody>
-                  <a:tcPr anchor="ctr"/>
-                </a:tc>
-                <a:extLst>
-                  <a:ext uri="{0D108BD9-81ED-4DB2-BD59-A6C34878D82A}">
-                    <a16:rowId xmlns:a16="http://schemas.microsoft.com/office/drawing/2014/main" val="1226592424"/>
-                  </a:ext>
-                </a:extLst>
-              </a:tr>
-            </a:tbl>
-          </a:graphicData>
-        </a:graphic>
-      </p:graphicFrame>
-      <p:pic>
-        <p:nvPicPr>
-          <p:cNvPr id="13" name="Рисунок 12"/>
-          <p:cNvPicPr>
-            <a:picLocks noChangeAspect="1"/>
-          </p:cNvPicPr>
-          <p:nvPr/>
-        </p:nvPicPr>
-        <p:blipFill>
-          <a:blip r:embed="rId2" cstate="hqprint">
-            <a:extLst>
-              <a:ext uri="{28A0092B-C50C-407E-A947-70E740481C1C}">
-                <a14:useLocalDpi xmlns:a14="http://schemas.microsoft.com/office/drawing/2010/main" val="0"/>
-              </a:ext>
-            </a:extLst>
-          </a:blip>
-          <a:stretch>
-            <a:fillRect/>
-          </a:stretch>
-        </p:blipFill>
-        <p:spPr>
-          <a:xfrm>
-            <a:off x="9158800" y="1766025"/>
+            <a:off x="10571449" y="3474631"/>
             <a:ext cx="495334" cy="495334"/>
           </a:xfrm>
           <a:prstGeom prst="rect">
@@ -14847,7 +13377,7 @@
       </p:pic>
       <p:pic>
         <p:nvPicPr>
-          <p:cNvPr id="3" name="Рисунок 2"/>
+          <p:cNvPr id="11" name="Рисунок 10"/>
           <p:cNvPicPr>
             <a:picLocks noChangeAspect="1"/>
           </p:cNvPicPr>
@@ -14867,96 +13397,8 @@
         </p:blipFill>
         <p:spPr>
           <a:xfrm>
-            <a:off x="9759417" y="1766025"/>
+            <a:off x="10571449" y="4883427"/>
             <a:ext cx="495334" cy="495334"/>
-          </a:xfrm>
-          <a:prstGeom prst="rect">
-            <a:avLst/>
-          </a:prstGeom>
-        </p:spPr>
-      </p:pic>
-      <p:graphicFrame>
-        <p:nvGraphicFramePr>
-          <p:cNvPr id="5" name="Таблица 4"/>
-          <p:cNvGraphicFramePr>
-            <a:graphicFrameLocks noGrp="1"/>
-          </p:cNvGraphicFramePr>
-          <p:nvPr/>
-        </p:nvGraphicFramePr>
-        <p:xfrm>
-          <a:off x="4783667" y="1354667"/>
-          <a:ext cx="321733" cy="365760"/>
-        </p:xfrm>
-        <a:graphic>
-          <a:graphicData uri="http://schemas.openxmlformats.org/drawingml/2006/table">
-            <a:tbl>
-              <a:tblPr/>
-              <a:tblGrid>
-                <a:gridCol w="321733">
-                  <a:extLst>
-                    <a:ext uri="{9D8B030D-6E8A-4147-A177-3AD203B41FA5}">
-                      <a16:colId xmlns:a16="http://schemas.microsoft.com/office/drawing/2014/main" val="1782158263"/>
-                    </a:ext>
-                  </a:extLst>
-                </a:gridCol>
-              </a:tblGrid>
-              <a:tr h="118533">
-                <a:tc>
-                  <a:txBody>
-                    <a:bodyPr/>
-                    <a:lstStyle/>
-                    <a:p>
-                      <a:endParaRPr lang="ru-RU" dirty="0"/>
-                    </a:p>
-                  </a:txBody>
-                  <a:tcPr>
-                    <a:lnL>
-                      <a:noFill/>
-                    </a:lnL>
-                    <a:lnR>
-                      <a:noFill/>
-                    </a:lnR>
-                    <a:lnT>
-                      <a:noFill/>
-                    </a:lnT>
-                    <a:lnB>
-                      <a:noFill/>
-                    </a:lnB>
-                  </a:tcPr>
-                </a:tc>
-                <a:extLst>
-                  <a:ext uri="{0D108BD9-81ED-4DB2-BD59-A6C34878D82A}">
-                    <a16:rowId xmlns:a16="http://schemas.microsoft.com/office/drawing/2014/main" val="2047025765"/>
-                  </a:ext>
-                </a:extLst>
-              </a:tr>
-            </a:tbl>
-          </a:graphicData>
-        </a:graphic>
-      </p:graphicFrame>
-      <p:pic>
-        <p:nvPicPr>
-          <p:cNvPr id="8" name="Рисунок 7"/>
-          <p:cNvPicPr>
-            <a:picLocks noChangeAspect="1"/>
-          </p:cNvPicPr>
-          <p:nvPr/>
-        </p:nvPicPr>
-        <p:blipFill rotWithShape="1">
-          <a:blip r:embed="rId4" cstate="hqprint">
-            <a:extLst>
-              <a:ext uri="{28A0092B-C50C-407E-A947-70E740481C1C}">
-                <a14:useLocalDpi xmlns:a14="http://schemas.microsoft.com/office/drawing/2010/main" val="0"/>
-              </a:ext>
-            </a:extLst>
-          </a:blip>
-          <a:srcRect r="57532"/>
-          <a:stretch/>
-        </p:blipFill>
-        <p:spPr>
-          <a:xfrm>
-            <a:off x="949325" y="1765726"/>
-            <a:ext cx="491499" cy="495634"/>
           </a:xfrm>
           <a:prstGeom prst="rect">
             <a:avLst/>
@@ -14966,21 +13408,13 @@
     </p:spTree>
     <p:extLst>
       <p:ext uri="{BB962C8B-B14F-4D97-AF65-F5344CB8AC3E}">
-        <p14:creationId xmlns:p14="http://schemas.microsoft.com/office/powerpoint/2010/main" val="869440181"/>
+        <p14:creationId xmlns:p14="http://schemas.microsoft.com/office/powerpoint/2010/main" val="1773675161"/>
       </p:ext>
     </p:extLst>
   </p:cSld>
   <p:clrMapOvr>
     <a:masterClrMapping/>
   </p:clrMapOvr>
-  <mc:AlternateContent xmlns:mc="http://schemas.openxmlformats.org/markup-compatibility/2006" xmlns:p14="http://schemas.microsoft.com/office/powerpoint/2010/main">
-    <mc:Choice Requires="p14">
-      <p:transition p14:dur="0"/>
-    </mc:Choice>
-    <mc:Fallback xmlns="">
-      <p:transition/>
-    </mc:Fallback>
-  </mc:AlternateContent>
   <p:timing>
     <p:tnLst>
       <p:par>
@@ -14991,7 +13425,7 @@
 </p:sld>
 </file>
 
-<file path=ppt/slides/slide7.xml><?xml version="1.0" encoding="utf-8"?>
+<file path=ppt/slides/slide5.xml><?xml version="1.0" encoding="utf-8"?>
 <p:sld xmlns:a="http://schemas.openxmlformats.org/drawingml/2006/main" xmlns:r="http://schemas.openxmlformats.org/officeDocument/2006/relationships" xmlns:p="http://schemas.openxmlformats.org/presentationml/2006/main">
   <p:cSld>
     <p:spTree>
@@ -15036,8 +13470,9 @@
           <a:p>
             <a:r>
               <a:rPr lang="ru-RU" dirty="0"/>
-              <a:t>7</a:t>
-            </a:r>
+              <a:t>5</a:t>
+            </a:r>
+            <a:endParaRPr lang="ru-RU" dirty="0"/>
           </a:p>
         </p:txBody>
       </p:sp>
@@ -17549,7 +15984,7 @@
 </p:sld>
 </file>
 
-<file path=ppt/slides/slide8.xml><?xml version="1.0" encoding="utf-8"?>
+<file path=ppt/slides/slide6.xml><?xml version="1.0" encoding="utf-8"?>
 <p:sld xmlns:a="http://schemas.openxmlformats.org/drawingml/2006/main" xmlns:r="http://schemas.openxmlformats.org/officeDocument/2006/relationships" xmlns:p="http://schemas.openxmlformats.org/presentationml/2006/main">
   <p:cSld>
     <p:spTree>
@@ -17589,7 +16024,7 @@
           <a:p>
             <a:r>
               <a:rPr lang="ru-RU" dirty="0" smtClean="0"/>
-              <a:t>8</a:t>
+              <a:t>6</a:t>
             </a:r>
             <a:endParaRPr lang="ru-RU" dirty="0"/>
           </a:p>
@@ -18477,7 +16912,7 @@
 </p:sld>
 </file>
 
-<file path=ppt/slides/slide9.xml><?xml version="1.0" encoding="utf-8"?>
+<file path=ppt/slides/slide7.xml><?xml version="1.0" encoding="utf-8"?>
 <p:sld xmlns:a="http://schemas.openxmlformats.org/drawingml/2006/main" xmlns:r="http://schemas.openxmlformats.org/officeDocument/2006/relationships" xmlns:p="http://schemas.openxmlformats.org/presentationml/2006/main">
   <p:cSld>
     <p:bg>
@@ -18530,6 +16965,7 @@
           </a:bodyPr>
           <a:lstStyle/>
           <a:p>
+            <a:pPr algn="ctr"/>
             <a:r>
               <a:rPr lang="ru-RU" sz="4000" cap="none" dirty="0">
                 <a:ln w="3175">
@@ -18588,8 +17024,8 @@
           <a:lstStyle/>
           <a:p>
             <a:r>
-              <a:rPr lang="ru-RU" dirty="0" smtClean="0"/>
-              <a:t>9</a:t>
+              <a:rPr lang="ru-RU" dirty="0"/>
+              <a:t>7</a:t>
             </a:r>
             <a:endParaRPr lang="ru-RU" dirty="0"/>
           </a:p>
@@ -18837,6 +17273,1547 @@
   <p:transition spd="slow">
     <p:push dir="u"/>
   </p:transition>
+  <p:timing>
+    <p:tnLst>
+      <p:par>
+        <p:cTn id="1" dur="indefinite" restart="never" nodeType="tmRoot"/>
+      </p:par>
+    </p:tnLst>
+  </p:timing>
+</p:sld>
+</file>
+
+<file path=ppt/slides/slide8.xml><?xml version="1.0" encoding="utf-8"?>
+<p:sld xmlns:a="http://schemas.openxmlformats.org/drawingml/2006/main" xmlns:r="http://schemas.openxmlformats.org/officeDocument/2006/relationships" xmlns:p="http://schemas.openxmlformats.org/presentationml/2006/main">
+  <p:cSld>
+    <p:spTree>
+      <p:nvGrpSpPr>
+        <p:cNvPr id="1" name=""/>
+        <p:cNvGrpSpPr/>
+        <p:nvPr/>
+      </p:nvGrpSpPr>
+      <p:grpSpPr>
+        <a:xfrm>
+          <a:off x="0" y="0"/>
+          <a:ext cx="0" cy="0"/>
+          <a:chOff x="0" y="0"/>
+          <a:chExt cx="0" cy="0"/>
+        </a:xfrm>
+      </p:grpSpPr>
+      <p:sp>
+        <p:nvSpPr>
+          <p:cNvPr id="2" name="Заголовок 1">
+            <a:extLst>
+              <a:ext uri="{FF2B5EF4-FFF2-40B4-BE49-F238E27FC236}">
+                <a16:creationId xmlns:a16="http://schemas.microsoft.com/office/drawing/2014/main" id="{2B0F988E-2290-4A06-BE99-31499E2736FB}"/>
+              </a:ext>
+            </a:extLst>
+          </p:cNvPr>
+          <p:cNvSpPr>
+            <a:spLocks noGrp="1"/>
+          </p:cNvSpPr>
+          <p:nvPr>
+            <p:ph type="title"/>
+          </p:nvPr>
+        </p:nvSpPr>
+        <p:spPr/>
+        <p:txBody>
+          <a:bodyPr>
+            <a:normAutofit/>
+          </a:bodyPr>
+          <a:lstStyle/>
+          <a:p>
+            <a:pPr algn="ctr"/>
+            <a:r>
+              <a:rPr lang="ru-RU" sz="4000" cap="none" dirty="0">
+                <a:latin typeface="+mn-lt"/>
+                <a:ea typeface="+mn-ea"/>
+                <a:cs typeface="+mn-cs"/>
+              </a:rPr>
+              <a:t>Информационно-логическая модель данных</a:t>
+            </a:r>
+          </a:p>
+        </p:txBody>
+      </p:sp>
+      <p:sp>
+        <p:nvSpPr>
+          <p:cNvPr id="4" name="Номер слайда 3">
+            <a:extLst>
+              <a:ext uri="{FF2B5EF4-FFF2-40B4-BE49-F238E27FC236}">
+                <a16:creationId xmlns:a16="http://schemas.microsoft.com/office/drawing/2014/main" id="{CC74474D-A2F8-4421-B613-B1D2D6DD3707}"/>
+              </a:ext>
+            </a:extLst>
+          </p:cNvPr>
+          <p:cNvSpPr>
+            <a:spLocks noGrp="1"/>
+          </p:cNvSpPr>
+          <p:nvPr>
+            <p:ph type="sldNum" sz="quarter" idx="12"/>
+          </p:nvPr>
+        </p:nvSpPr>
+        <p:spPr/>
+        <p:txBody>
+          <a:bodyPr/>
+          <a:lstStyle/>
+          <a:p>
+            <a:r>
+              <a:rPr lang="ru-RU" dirty="0"/>
+              <a:t>8</a:t>
+            </a:r>
+            <a:endParaRPr lang="ru-RU" dirty="0"/>
+          </a:p>
+        </p:txBody>
+      </p:sp>
+      <p:pic>
+        <p:nvPicPr>
+          <p:cNvPr id="3" name="Рисунок 2"/>
+          <p:cNvPicPr>
+            <a:picLocks noChangeAspect="1"/>
+          </p:cNvPicPr>
+          <p:nvPr/>
+        </p:nvPicPr>
+        <p:blipFill>
+          <a:blip r:embed="rId2">
+            <a:extLst>
+              <a:ext uri="{28A0092B-C50C-407E-A947-70E740481C1C}">
+                <a14:useLocalDpi xmlns:a14="http://schemas.microsoft.com/office/drawing/2010/main" val="0"/>
+              </a:ext>
+            </a:extLst>
+          </a:blip>
+          <a:stretch>
+            <a:fillRect/>
+          </a:stretch>
+        </p:blipFill>
+        <p:spPr>
+          <a:xfrm>
+            <a:off x="8078522" y="1469054"/>
+            <a:ext cx="1414931" cy="1628358"/>
+          </a:xfrm>
+          <a:prstGeom prst="rect">
+            <a:avLst/>
+          </a:prstGeom>
+        </p:spPr>
+      </p:pic>
+      <p:pic>
+        <p:nvPicPr>
+          <p:cNvPr id="6" name="Рисунок 5"/>
+          <p:cNvPicPr>
+            <a:picLocks noChangeAspect="1"/>
+          </p:cNvPicPr>
+          <p:nvPr/>
+        </p:nvPicPr>
+        <p:blipFill>
+          <a:blip r:embed="rId3">
+            <a:extLst>
+              <a:ext uri="{28A0092B-C50C-407E-A947-70E740481C1C}">
+                <a14:useLocalDpi xmlns:a14="http://schemas.microsoft.com/office/drawing/2010/main" val="0"/>
+              </a:ext>
+            </a:extLst>
+          </a:blip>
+          <a:stretch>
+            <a:fillRect/>
+          </a:stretch>
+        </p:blipFill>
+        <p:spPr>
+          <a:xfrm>
+            <a:off x="7778029" y="3466543"/>
+            <a:ext cx="1412738" cy="1412738"/>
+          </a:xfrm>
+          <a:prstGeom prst="rect">
+            <a:avLst/>
+          </a:prstGeom>
+        </p:spPr>
+      </p:pic>
+      <p:pic>
+        <p:nvPicPr>
+          <p:cNvPr id="7" name="Рисунок 6"/>
+          <p:cNvPicPr>
+            <a:picLocks noChangeAspect="1"/>
+          </p:cNvPicPr>
+          <p:nvPr/>
+        </p:nvPicPr>
+        <p:blipFill>
+          <a:blip r:embed="rId4">
+            <a:extLst>
+              <a:ext uri="{28A0092B-C50C-407E-A947-70E740481C1C}">
+                <a14:useLocalDpi xmlns:a14="http://schemas.microsoft.com/office/drawing/2010/main" val="0"/>
+              </a:ext>
+            </a:extLst>
+          </a:blip>
+          <a:stretch>
+            <a:fillRect/>
+          </a:stretch>
+        </p:blipFill>
+        <p:spPr>
+          <a:xfrm>
+            <a:off x="5755836" y="1469054"/>
+            <a:ext cx="1425806" cy="1628358"/>
+          </a:xfrm>
+          <a:prstGeom prst="rect">
+            <a:avLst/>
+          </a:prstGeom>
+        </p:spPr>
+      </p:pic>
+      <p:pic>
+        <p:nvPicPr>
+          <p:cNvPr id="8" name="Рисунок 7"/>
+          <p:cNvPicPr>
+            <a:picLocks noChangeAspect="1"/>
+          </p:cNvPicPr>
+          <p:nvPr/>
+        </p:nvPicPr>
+        <p:blipFill>
+          <a:blip r:embed="rId5">
+            <a:extLst>
+              <a:ext uri="{28A0092B-C50C-407E-A947-70E740481C1C}">
+                <a14:useLocalDpi xmlns:a14="http://schemas.microsoft.com/office/drawing/2010/main" val="0"/>
+              </a:ext>
+            </a:extLst>
+          </a:blip>
+          <a:stretch>
+            <a:fillRect/>
+          </a:stretch>
+        </p:blipFill>
+        <p:spPr>
+          <a:xfrm>
+            <a:off x="2093862" y="3466543"/>
+            <a:ext cx="1412738" cy="1412738"/>
+          </a:xfrm>
+          <a:prstGeom prst="rect">
+            <a:avLst/>
+          </a:prstGeom>
+        </p:spPr>
+      </p:pic>
+      <p:pic>
+        <p:nvPicPr>
+          <p:cNvPr id="9" name="Рисунок 8"/>
+          <p:cNvPicPr>
+            <a:picLocks noChangeAspect="1"/>
+          </p:cNvPicPr>
+          <p:nvPr/>
+        </p:nvPicPr>
+        <p:blipFill>
+          <a:blip r:embed="rId6" cstate="hqprint">
+            <a:extLst>
+              <a:ext uri="{28A0092B-C50C-407E-A947-70E740481C1C}">
+                <a14:useLocalDpi xmlns:a14="http://schemas.microsoft.com/office/drawing/2010/main" val="0"/>
+              </a:ext>
+            </a:extLst>
+          </a:blip>
+          <a:stretch>
+            <a:fillRect/>
+          </a:stretch>
+        </p:blipFill>
+        <p:spPr>
+          <a:xfrm>
+            <a:off x="4010809" y="1471693"/>
+            <a:ext cx="1389257" cy="1623461"/>
+          </a:xfrm>
+          <a:prstGeom prst="rect">
+            <a:avLst/>
+          </a:prstGeom>
+        </p:spPr>
+      </p:pic>
+      <p:pic>
+        <p:nvPicPr>
+          <p:cNvPr id="10" name="Рисунок 9"/>
+          <p:cNvPicPr>
+            <a:picLocks noChangeAspect="1"/>
+          </p:cNvPicPr>
+          <p:nvPr/>
+        </p:nvPicPr>
+        <p:blipFill>
+          <a:blip r:embed="rId7">
+            <a:extLst>
+              <a:ext uri="{28A0092B-C50C-407E-A947-70E740481C1C}">
+                <a14:useLocalDpi xmlns:a14="http://schemas.microsoft.com/office/drawing/2010/main" val="0"/>
+              </a:ext>
+            </a:extLst>
+          </a:blip>
+          <a:stretch>
+            <a:fillRect/>
+          </a:stretch>
+        </p:blipFill>
+        <p:spPr>
+          <a:xfrm>
+            <a:off x="5755836" y="5146586"/>
+            <a:ext cx="1412738" cy="1412738"/>
+          </a:xfrm>
+          <a:prstGeom prst="rect">
+            <a:avLst/>
+          </a:prstGeom>
+        </p:spPr>
+      </p:pic>
+      <p:grpSp>
+        <p:nvGrpSpPr>
+          <p:cNvPr id="54" name="Группа 53"/>
+          <p:cNvGrpSpPr/>
+          <p:nvPr/>
+        </p:nvGrpSpPr>
+        <p:grpSpPr>
+          <a:xfrm>
+            <a:off x="3358236" y="2283424"/>
+            <a:ext cx="839114" cy="1889488"/>
+            <a:chOff x="3358236" y="2283424"/>
+            <a:chExt cx="839114" cy="1889488"/>
+          </a:xfrm>
+        </p:grpSpPr>
+        <p:cxnSp>
+          <p:nvCxnSpPr>
+            <p:cNvPr id="13" name="Соединительная линия уступом 12"/>
+            <p:cNvCxnSpPr>
+              <a:stCxn id="9" idx="1"/>
+              <a:endCxn id="8" idx="3"/>
+            </p:cNvCxnSpPr>
+            <p:nvPr/>
+          </p:nvCxnSpPr>
+          <p:spPr>
+            <a:xfrm rot="10800000" flipV="1">
+              <a:off x="3506601" y="2283424"/>
+              <a:ext cx="504209" cy="1889488"/>
+            </a:xfrm>
+            <a:prstGeom prst="bentConnector3">
+              <a:avLst/>
+            </a:prstGeom>
+            <a:ln w="12700">
+              <a:headEnd type="triangle"/>
+              <a:tailEnd type="triangle" w="med" len="med"/>
+            </a:ln>
+          </p:spPr>
+          <p:style>
+            <a:lnRef idx="1">
+              <a:schemeClr val="dk1"/>
+            </a:lnRef>
+            <a:fillRef idx="0">
+              <a:schemeClr val="dk1"/>
+            </a:fillRef>
+            <a:effectRef idx="0">
+              <a:schemeClr val="dk1"/>
+            </a:effectRef>
+            <a:fontRef idx="minor">
+              <a:schemeClr val="tx1"/>
+            </a:fontRef>
+          </p:style>
+        </p:cxnSp>
+        <p:sp>
+          <p:nvSpPr>
+            <p:cNvPr id="38" name="TextBox 37"/>
+            <p:cNvSpPr txBox="1"/>
+            <p:nvPr/>
+          </p:nvSpPr>
+          <p:spPr>
+            <a:xfrm>
+              <a:off x="3358236" y="3151872"/>
+              <a:ext cx="839114" cy="276999"/>
+            </a:xfrm>
+            <a:prstGeom prst="rect">
+              <a:avLst/>
+            </a:prstGeom>
+            <a:solidFill>
+              <a:schemeClr val="bg1"/>
+            </a:solidFill>
+          </p:spPr>
+          <p:txBody>
+            <a:bodyPr wrap="square" rtlCol="0">
+              <a:spAutoFit/>
+            </a:bodyPr>
+            <a:lstStyle/>
+            <a:p>
+              <a:pPr algn="ctr"/>
+              <a:r>
+                <a:rPr lang="en-US" sz="1200" b="1" dirty="0" err="1"/>
+                <a:t>p</a:t>
+              </a:r>
+              <a:r>
+                <a:rPr lang="en-US" sz="1200" b="1" dirty="0" err="1" smtClean="0"/>
+                <a:t>erson_id</a:t>
+              </a:r>
+              <a:endParaRPr lang="ru-RU" sz="1200" b="1" dirty="0"/>
+            </a:p>
+          </p:txBody>
+        </p:sp>
+      </p:grpSp>
+      <p:grpSp>
+        <p:nvGrpSpPr>
+          <p:cNvPr id="77" name="Группа 76"/>
+          <p:cNvGrpSpPr/>
+          <p:nvPr/>
+        </p:nvGrpSpPr>
+        <p:grpSpPr>
+          <a:xfrm>
+            <a:off x="7063454" y="4287051"/>
+            <a:ext cx="935435" cy="1596600"/>
+            <a:chOff x="7063454" y="4287051"/>
+            <a:chExt cx="935435" cy="1596600"/>
+          </a:xfrm>
+        </p:grpSpPr>
+        <p:cxnSp>
+          <p:nvCxnSpPr>
+            <p:cNvPr id="21" name="Соединительная линия уступом 20"/>
+            <p:cNvCxnSpPr>
+              <a:stCxn id="69" idx="1"/>
+              <a:endCxn id="10" idx="3"/>
+            </p:cNvCxnSpPr>
+            <p:nvPr/>
+          </p:nvCxnSpPr>
+          <p:spPr>
+            <a:xfrm rot="10800000" flipV="1">
+              <a:off x="7168575" y="4287051"/>
+              <a:ext cx="628507" cy="1565903"/>
+            </a:xfrm>
+            <a:prstGeom prst="bentConnector3">
+              <a:avLst>
+                <a:gd name="adj1" fmla="val 50000"/>
+              </a:avLst>
+            </a:prstGeom>
+            <a:ln w="12700">
+              <a:headEnd type="triangle"/>
+              <a:tailEnd type="triangle"/>
+            </a:ln>
+          </p:spPr>
+          <p:style>
+            <a:lnRef idx="1">
+              <a:schemeClr val="dk1"/>
+            </a:lnRef>
+            <a:fillRef idx="0">
+              <a:schemeClr val="dk1"/>
+            </a:fillRef>
+            <a:effectRef idx="0">
+              <a:schemeClr val="dk1"/>
+            </a:effectRef>
+            <a:fontRef idx="minor">
+              <a:schemeClr val="tx1"/>
+            </a:fontRef>
+          </p:style>
+        </p:cxnSp>
+        <p:sp>
+          <p:nvSpPr>
+            <p:cNvPr id="51" name="TextBox 50"/>
+            <p:cNvSpPr txBox="1"/>
+            <p:nvPr/>
+          </p:nvSpPr>
+          <p:spPr>
+            <a:xfrm>
+              <a:off x="7063454" y="4874434"/>
+              <a:ext cx="935435" cy="276999"/>
+            </a:xfrm>
+            <a:prstGeom prst="rect">
+              <a:avLst/>
+            </a:prstGeom>
+            <a:solidFill>
+              <a:schemeClr val="bg1"/>
+            </a:solidFill>
+          </p:spPr>
+          <p:txBody>
+            <a:bodyPr wrap="square" rtlCol="0">
+              <a:spAutoFit/>
+            </a:bodyPr>
+            <a:lstStyle/>
+            <a:p>
+              <a:pPr algn="ctr"/>
+              <a:r>
+                <a:rPr lang="en-US" sz="1200" b="1" dirty="0" err="1" smtClean="0"/>
+                <a:t>contract_id</a:t>
+              </a:r>
+              <a:endParaRPr lang="ru-RU" sz="1200" b="1" dirty="0"/>
+            </a:p>
+          </p:txBody>
+        </p:sp>
+        <p:sp>
+          <p:nvSpPr>
+            <p:cNvPr id="55" name="Равнобедренный треугольник 54"/>
+            <p:cNvSpPr/>
+            <p:nvPr/>
+          </p:nvSpPr>
+          <p:spPr>
+            <a:xfrm rot="16200000">
+              <a:off x="7242998" y="5824276"/>
+              <a:ext cx="61392" cy="57358"/>
+            </a:xfrm>
+            <a:prstGeom prst="triangle">
+              <a:avLst/>
+            </a:prstGeom>
+          </p:spPr>
+          <p:style>
+            <a:lnRef idx="2">
+              <a:schemeClr val="dk1">
+                <a:shade val="50000"/>
+              </a:schemeClr>
+            </a:lnRef>
+            <a:fillRef idx="1">
+              <a:schemeClr val="dk1"/>
+            </a:fillRef>
+            <a:effectRef idx="0">
+              <a:schemeClr val="dk1"/>
+            </a:effectRef>
+            <a:fontRef idx="minor">
+              <a:schemeClr val="lt1"/>
+            </a:fontRef>
+          </p:style>
+          <p:txBody>
+            <a:bodyPr rtlCol="0" anchor="ctr"/>
+            <a:lstStyle/>
+            <a:p>
+              <a:pPr algn="ctr"/>
+              <a:endParaRPr lang="ru-RU"/>
+            </a:p>
+          </p:txBody>
+        </p:sp>
+      </p:grpSp>
+      <p:sp>
+        <p:nvSpPr>
+          <p:cNvPr id="69" name="Прямоугольник 68"/>
+          <p:cNvSpPr/>
+          <p:nvPr/>
+        </p:nvSpPr>
+        <p:spPr>
+          <a:xfrm>
+            <a:off x="7797081" y="3906854"/>
+            <a:ext cx="865909" cy="760396"/>
+          </a:xfrm>
+          <a:prstGeom prst="rect">
+            <a:avLst/>
+          </a:prstGeom>
+          <a:noFill/>
+          <a:ln>
+            <a:noFill/>
+          </a:ln>
+        </p:spPr>
+        <p:style>
+          <a:lnRef idx="2">
+            <a:schemeClr val="accent1">
+              <a:shade val="50000"/>
+            </a:schemeClr>
+          </a:lnRef>
+          <a:fillRef idx="1">
+            <a:schemeClr val="accent1"/>
+          </a:fillRef>
+          <a:effectRef idx="0">
+            <a:schemeClr val="accent1"/>
+          </a:effectRef>
+          <a:fontRef idx="minor">
+            <a:schemeClr val="lt1"/>
+          </a:fontRef>
+        </p:style>
+        <p:txBody>
+          <a:bodyPr rtlCol="0" anchor="ctr"/>
+          <a:lstStyle/>
+          <a:p>
+            <a:pPr algn="ctr"/>
+            <a:endParaRPr lang="ru-RU"/>
+          </a:p>
+        </p:txBody>
+      </p:sp>
+      <p:grpSp>
+        <p:nvGrpSpPr>
+          <p:cNvPr id="76" name="Группа 75"/>
+          <p:cNvGrpSpPr/>
+          <p:nvPr/>
+        </p:nvGrpSpPr>
+        <p:grpSpPr>
+          <a:xfrm>
+            <a:off x="9190767" y="2283233"/>
+            <a:ext cx="1017769" cy="1920375"/>
+            <a:chOff x="9190767" y="2283233"/>
+            <a:chExt cx="1017769" cy="1920375"/>
+          </a:xfrm>
+        </p:grpSpPr>
+        <p:cxnSp>
+          <p:nvCxnSpPr>
+            <p:cNvPr id="19" name="Соединительная линия уступом 18"/>
+            <p:cNvCxnSpPr>
+              <a:stCxn id="3" idx="3"/>
+              <a:endCxn id="6" idx="3"/>
+            </p:cNvCxnSpPr>
+            <p:nvPr/>
+          </p:nvCxnSpPr>
+          <p:spPr>
+            <a:xfrm flipH="1">
+              <a:off x="9190767" y="2283233"/>
+              <a:ext cx="302686" cy="1889679"/>
+            </a:xfrm>
+            <a:prstGeom prst="bentConnector3">
+              <a:avLst>
+                <a:gd name="adj1" fmla="val -75524"/>
+              </a:avLst>
+            </a:prstGeom>
+            <a:ln w="12700">
+              <a:headEnd type="triangle"/>
+              <a:tailEnd type="triangle"/>
+            </a:ln>
+          </p:spPr>
+          <p:style>
+            <a:lnRef idx="1">
+              <a:schemeClr val="dk1"/>
+            </a:lnRef>
+            <a:fillRef idx="0">
+              <a:schemeClr val="dk1"/>
+            </a:fillRef>
+            <a:effectRef idx="0">
+              <a:schemeClr val="dk1"/>
+            </a:effectRef>
+            <a:fontRef idx="minor">
+              <a:schemeClr val="tx1"/>
+            </a:fontRef>
+          </p:style>
+        </p:cxnSp>
+        <p:sp>
+          <p:nvSpPr>
+            <p:cNvPr id="49" name="TextBox 48"/>
+            <p:cNvSpPr txBox="1"/>
+            <p:nvPr/>
+          </p:nvSpPr>
+          <p:spPr>
+            <a:xfrm>
+              <a:off x="9273101" y="3098578"/>
+              <a:ext cx="935435" cy="276999"/>
+            </a:xfrm>
+            <a:prstGeom prst="rect">
+              <a:avLst/>
+            </a:prstGeom>
+            <a:solidFill>
+              <a:schemeClr val="bg1"/>
+            </a:solidFill>
+          </p:spPr>
+          <p:txBody>
+            <a:bodyPr wrap="square" rtlCol="0">
+              <a:spAutoFit/>
+            </a:bodyPr>
+            <a:lstStyle/>
+            <a:p>
+              <a:pPr algn="ctr"/>
+              <a:r>
+                <a:rPr lang="en-US" sz="1200" b="1" dirty="0" err="1" smtClean="0"/>
+                <a:t>contract_id</a:t>
+              </a:r>
+              <a:endParaRPr lang="ru-RU" sz="1200" b="1" dirty="0"/>
+            </a:p>
+          </p:txBody>
+        </p:sp>
+        <p:sp>
+          <p:nvSpPr>
+            <p:cNvPr id="71" name="Равнобедренный треугольник 70"/>
+            <p:cNvSpPr/>
+            <p:nvPr/>
+          </p:nvSpPr>
+          <p:spPr>
+            <a:xfrm rot="16200000">
+              <a:off x="9265659" y="4144233"/>
+              <a:ext cx="61392" cy="57358"/>
+            </a:xfrm>
+            <a:prstGeom prst="triangle">
+              <a:avLst/>
+            </a:prstGeom>
+          </p:spPr>
+          <p:style>
+            <a:lnRef idx="2">
+              <a:schemeClr val="dk1">
+                <a:shade val="50000"/>
+              </a:schemeClr>
+            </a:lnRef>
+            <a:fillRef idx="1">
+              <a:schemeClr val="dk1"/>
+            </a:fillRef>
+            <a:effectRef idx="0">
+              <a:schemeClr val="dk1"/>
+            </a:effectRef>
+            <a:fontRef idx="minor">
+              <a:schemeClr val="lt1"/>
+            </a:fontRef>
+          </p:style>
+          <p:txBody>
+            <a:bodyPr rtlCol="0" anchor="ctr"/>
+            <a:lstStyle/>
+            <a:p>
+              <a:pPr algn="ctr"/>
+              <a:endParaRPr lang="ru-RU"/>
+            </a:p>
+          </p:txBody>
+        </p:sp>
+      </p:grpSp>
+      <p:grpSp>
+        <p:nvGrpSpPr>
+          <p:cNvPr id="75" name="Группа 74"/>
+          <p:cNvGrpSpPr/>
+          <p:nvPr/>
+        </p:nvGrpSpPr>
+        <p:grpSpPr>
+          <a:xfrm>
+            <a:off x="7063454" y="2283233"/>
+            <a:ext cx="839114" cy="1920375"/>
+            <a:chOff x="7063454" y="2283233"/>
+            <a:chExt cx="839114" cy="1920375"/>
+          </a:xfrm>
+        </p:grpSpPr>
+        <p:cxnSp>
+          <p:nvCxnSpPr>
+            <p:cNvPr id="17" name="Соединительная линия уступом 16"/>
+            <p:cNvCxnSpPr>
+              <a:stCxn id="7" idx="3"/>
+              <a:endCxn id="6" idx="1"/>
+            </p:cNvCxnSpPr>
+            <p:nvPr/>
+          </p:nvCxnSpPr>
+          <p:spPr>
+            <a:xfrm>
+              <a:off x="7181642" y="2283233"/>
+              <a:ext cx="596387" cy="1889679"/>
+            </a:xfrm>
+            <a:prstGeom prst="bentConnector3">
+              <a:avLst>
+                <a:gd name="adj1" fmla="val 50000"/>
+              </a:avLst>
+            </a:prstGeom>
+            <a:ln w="12700">
+              <a:headEnd type="triangle"/>
+              <a:tailEnd type="triangle"/>
+            </a:ln>
+          </p:spPr>
+          <p:style>
+            <a:lnRef idx="1">
+              <a:schemeClr val="dk1"/>
+            </a:lnRef>
+            <a:fillRef idx="0">
+              <a:schemeClr val="dk1"/>
+            </a:fillRef>
+            <a:effectRef idx="0">
+              <a:schemeClr val="dk1"/>
+            </a:effectRef>
+            <a:fontRef idx="minor">
+              <a:schemeClr val="tx1"/>
+            </a:fontRef>
+          </p:style>
+        </p:cxnSp>
+        <p:sp>
+          <p:nvSpPr>
+            <p:cNvPr id="41" name="TextBox 40"/>
+            <p:cNvSpPr txBox="1"/>
+            <p:nvPr/>
+          </p:nvSpPr>
+          <p:spPr>
+            <a:xfrm>
+              <a:off x="7063454" y="3089668"/>
+              <a:ext cx="839114" cy="276999"/>
+            </a:xfrm>
+            <a:prstGeom prst="rect">
+              <a:avLst/>
+            </a:prstGeom>
+            <a:solidFill>
+              <a:schemeClr val="bg1"/>
+            </a:solidFill>
+          </p:spPr>
+          <p:txBody>
+            <a:bodyPr wrap="square" rtlCol="0">
+              <a:spAutoFit/>
+            </a:bodyPr>
+            <a:lstStyle/>
+            <a:p>
+              <a:pPr algn="ctr"/>
+              <a:r>
+                <a:rPr lang="en-US" sz="1200" b="1" dirty="0" err="1" smtClean="0"/>
+                <a:t>job_id</a:t>
+              </a:r>
+              <a:endParaRPr lang="ru-RU" sz="1200" b="1" dirty="0"/>
+            </a:p>
+          </p:txBody>
+        </p:sp>
+        <p:sp>
+          <p:nvSpPr>
+            <p:cNvPr id="72" name="Равнобедренный треугольник 71"/>
+            <p:cNvSpPr/>
+            <p:nvPr/>
+          </p:nvSpPr>
+          <p:spPr>
+            <a:xfrm rot="5400000">
+              <a:off x="7641528" y="4144233"/>
+              <a:ext cx="61392" cy="57358"/>
+            </a:xfrm>
+            <a:prstGeom prst="triangle">
+              <a:avLst/>
+            </a:prstGeom>
+          </p:spPr>
+          <p:style>
+            <a:lnRef idx="2">
+              <a:schemeClr val="dk1">
+                <a:shade val="50000"/>
+              </a:schemeClr>
+            </a:lnRef>
+            <a:fillRef idx="1">
+              <a:schemeClr val="dk1"/>
+            </a:fillRef>
+            <a:effectRef idx="0">
+              <a:schemeClr val="dk1"/>
+            </a:effectRef>
+            <a:fontRef idx="minor">
+              <a:schemeClr val="lt1"/>
+            </a:fontRef>
+          </p:style>
+          <p:txBody>
+            <a:bodyPr rtlCol="0" anchor="ctr"/>
+            <a:lstStyle/>
+            <a:p>
+              <a:pPr algn="ctr"/>
+              <a:endParaRPr lang="ru-RU"/>
+            </a:p>
+          </p:txBody>
+        </p:sp>
+      </p:grpSp>
+      <p:grpSp>
+        <p:nvGrpSpPr>
+          <p:cNvPr id="74" name="Группа 73"/>
+          <p:cNvGrpSpPr/>
+          <p:nvPr/>
+        </p:nvGrpSpPr>
+        <p:grpSpPr>
+          <a:xfrm>
+            <a:off x="5129405" y="2283424"/>
+            <a:ext cx="839114" cy="3600227"/>
+            <a:chOff x="5129405" y="2283424"/>
+            <a:chExt cx="839114" cy="3600227"/>
+          </a:xfrm>
+        </p:grpSpPr>
+        <p:cxnSp>
+          <p:nvCxnSpPr>
+            <p:cNvPr id="15" name="Соединительная линия уступом 14"/>
+            <p:cNvCxnSpPr>
+              <a:stCxn id="9" idx="3"/>
+              <a:endCxn id="10" idx="1"/>
+            </p:cNvCxnSpPr>
+            <p:nvPr/>
+          </p:nvCxnSpPr>
+          <p:spPr>
+            <a:xfrm>
+              <a:off x="5400066" y="2283424"/>
+              <a:ext cx="355770" cy="3569531"/>
+            </a:xfrm>
+            <a:prstGeom prst="bentConnector3">
+              <a:avLst/>
+            </a:prstGeom>
+            <a:ln w="12700">
+              <a:headEnd type="triangle"/>
+              <a:tailEnd type="triangle"/>
+            </a:ln>
+          </p:spPr>
+          <p:style>
+            <a:lnRef idx="1">
+              <a:schemeClr val="dk1"/>
+            </a:lnRef>
+            <a:fillRef idx="0">
+              <a:schemeClr val="dk1"/>
+            </a:fillRef>
+            <a:effectRef idx="0">
+              <a:schemeClr val="dk1"/>
+            </a:effectRef>
+            <a:fontRef idx="minor">
+              <a:schemeClr val="tx1"/>
+            </a:fontRef>
+          </p:style>
+        </p:cxnSp>
+        <p:sp>
+          <p:nvSpPr>
+            <p:cNvPr id="40" name="TextBox 39"/>
+            <p:cNvSpPr txBox="1"/>
+            <p:nvPr/>
+          </p:nvSpPr>
+          <p:spPr>
+            <a:xfrm>
+              <a:off x="5129405" y="3768355"/>
+              <a:ext cx="839114" cy="276999"/>
+            </a:xfrm>
+            <a:prstGeom prst="rect">
+              <a:avLst/>
+            </a:prstGeom>
+            <a:solidFill>
+              <a:schemeClr val="bg1"/>
+            </a:solidFill>
+          </p:spPr>
+          <p:txBody>
+            <a:bodyPr wrap="square" rtlCol="0">
+              <a:spAutoFit/>
+            </a:bodyPr>
+            <a:lstStyle/>
+            <a:p>
+              <a:pPr algn="ctr"/>
+              <a:r>
+                <a:rPr lang="en-US" sz="1200" b="1" dirty="0" err="1" smtClean="0"/>
+                <a:t>person_id</a:t>
+              </a:r>
+              <a:endParaRPr lang="ru-RU" sz="1200" b="1" dirty="0"/>
+            </a:p>
+          </p:txBody>
+        </p:sp>
+        <p:sp>
+          <p:nvSpPr>
+            <p:cNvPr id="73" name="Равнобедренный треугольник 72"/>
+            <p:cNvSpPr/>
+            <p:nvPr/>
+          </p:nvSpPr>
+          <p:spPr>
+            <a:xfrm rot="5400000">
+              <a:off x="5623212" y="5824276"/>
+              <a:ext cx="61392" cy="57358"/>
+            </a:xfrm>
+            <a:prstGeom prst="triangle">
+              <a:avLst/>
+            </a:prstGeom>
+          </p:spPr>
+          <p:style>
+            <a:lnRef idx="2">
+              <a:schemeClr val="dk1">
+                <a:shade val="50000"/>
+              </a:schemeClr>
+            </a:lnRef>
+            <a:fillRef idx="1">
+              <a:schemeClr val="dk1"/>
+            </a:fillRef>
+            <a:effectRef idx="0">
+              <a:schemeClr val="dk1"/>
+            </a:effectRef>
+            <a:fontRef idx="minor">
+              <a:schemeClr val="lt1"/>
+            </a:fontRef>
+          </p:style>
+          <p:txBody>
+            <a:bodyPr rtlCol="0" anchor="ctr"/>
+            <a:lstStyle/>
+            <a:p>
+              <a:pPr algn="ctr"/>
+              <a:endParaRPr lang="ru-RU"/>
+            </a:p>
+          </p:txBody>
+        </p:sp>
+      </p:grpSp>
+    </p:spTree>
+    <p:extLst>
+      <p:ext uri="{BB962C8B-B14F-4D97-AF65-F5344CB8AC3E}">
+        <p14:creationId xmlns:p14="http://schemas.microsoft.com/office/powerpoint/2010/main" val="3569422283"/>
+      </p:ext>
+    </p:extLst>
+  </p:cSld>
+  <p:clrMapOvr>
+    <a:masterClrMapping/>
+  </p:clrMapOvr>
+  <p:transition spd="slow">
+    <p:push dir="u"/>
+  </p:transition>
+  <p:timing>
+    <p:tnLst>
+      <p:par>
+        <p:cTn id="1" dur="indefinite" restart="never" nodeType="tmRoot"/>
+      </p:par>
+    </p:tnLst>
+  </p:timing>
+</p:sld>
+</file>
+
+<file path=ppt/slides/slide9.xml><?xml version="1.0" encoding="utf-8"?>
+<p:sld xmlns:a="http://schemas.openxmlformats.org/drawingml/2006/main" xmlns:r="http://schemas.openxmlformats.org/officeDocument/2006/relationships" xmlns:p="http://schemas.openxmlformats.org/presentationml/2006/main">
+  <p:cSld>
+    <p:spTree>
+      <p:nvGrpSpPr>
+        <p:cNvPr id="1" name=""/>
+        <p:cNvGrpSpPr/>
+        <p:nvPr/>
+      </p:nvGrpSpPr>
+      <p:grpSpPr>
+        <a:xfrm>
+          <a:off x="0" y="0"/>
+          <a:ext cx="0" cy="0"/>
+          <a:chOff x="0" y="0"/>
+          <a:chExt cx="0" cy="0"/>
+        </a:xfrm>
+      </p:grpSpPr>
+      <p:sp>
+        <p:nvSpPr>
+          <p:cNvPr id="2" name="Заголовок 1">
+            <a:extLst>
+              <a:ext uri="{FF2B5EF4-FFF2-40B4-BE49-F238E27FC236}">
+                <a16:creationId xmlns:a16="http://schemas.microsoft.com/office/drawing/2014/main" id="{7B0B2BC1-2DA4-48DC-971C-1DBAC05C081D}"/>
+              </a:ext>
+            </a:extLst>
+          </p:cNvPr>
+          <p:cNvSpPr>
+            <a:spLocks noGrp="1"/>
+          </p:cNvSpPr>
+          <p:nvPr>
+            <p:ph type="title"/>
+          </p:nvPr>
+        </p:nvSpPr>
+        <p:spPr/>
+        <p:txBody>
+          <a:bodyPr>
+            <a:normAutofit/>
+          </a:bodyPr>
+          <a:lstStyle/>
+          <a:p>
+            <a:r>
+              <a:rPr lang="ru-RU" sz="4000" cap="none" dirty="0">
+                <a:latin typeface="+mn-lt"/>
+                <a:ea typeface="+mn-ea"/>
+                <a:cs typeface="+mn-cs"/>
+              </a:rPr>
+              <a:t>Выбор стека разработки</a:t>
+            </a:r>
+          </a:p>
+        </p:txBody>
+      </p:sp>
+      <p:sp>
+        <p:nvSpPr>
+          <p:cNvPr id="4" name="Номер слайда 3">
+            <a:extLst>
+              <a:ext uri="{FF2B5EF4-FFF2-40B4-BE49-F238E27FC236}">
+                <a16:creationId xmlns:a16="http://schemas.microsoft.com/office/drawing/2014/main" id="{D4F4B530-ACD1-496E-A61D-DDFEBB1BA58A}"/>
+              </a:ext>
+            </a:extLst>
+          </p:cNvPr>
+          <p:cNvSpPr>
+            <a:spLocks noGrp="1"/>
+          </p:cNvSpPr>
+          <p:nvPr>
+            <p:ph type="sldNum" sz="quarter" idx="12"/>
+          </p:nvPr>
+        </p:nvSpPr>
+        <p:spPr>
+          <a:xfrm>
+            <a:off x="8610600" y="6365875"/>
+            <a:ext cx="2743200" cy="365125"/>
+          </a:xfrm>
+        </p:spPr>
+        <p:txBody>
+          <a:bodyPr/>
+          <a:lstStyle/>
+          <a:p>
+            <a:r>
+              <a:rPr lang="ru-RU" dirty="0"/>
+              <a:t>9</a:t>
+            </a:r>
+            <a:endParaRPr lang="en-US" dirty="0" smtClean="0"/>
+          </a:p>
+        </p:txBody>
+      </p:sp>
+      <p:sp>
+        <p:nvSpPr>
+          <p:cNvPr id="5" name="Объект 2">
+            <a:extLst>
+              <a:ext uri="{FF2B5EF4-FFF2-40B4-BE49-F238E27FC236}">
+                <a16:creationId xmlns:a16="http://schemas.microsoft.com/office/drawing/2014/main" id="{32D76128-B88E-4140-9DA3-BA83AC601B05}"/>
+              </a:ext>
+            </a:extLst>
+          </p:cNvPr>
+          <p:cNvSpPr txBox="1">
+            <a:spLocks/>
+          </p:cNvSpPr>
+          <p:nvPr/>
+        </p:nvSpPr>
+        <p:spPr>
+          <a:xfrm>
+            <a:off x="838200" y="1893887"/>
+            <a:ext cx="4334933" cy="3211513"/>
+          </a:xfrm>
+          <a:prstGeom prst="rect">
+            <a:avLst/>
+          </a:prstGeom>
+        </p:spPr>
+        <p:txBody>
+          <a:bodyPr vert="horz" lIns="91440" tIns="45720" rIns="91440" bIns="45720" rtlCol="0">
+            <a:normAutofit/>
+          </a:bodyPr>
+          <a:lstStyle>
+            <a:lvl1pPr marL="228600" indent="-228600" algn="l" defTabSz="914400" rtl="0" eaLnBrk="1" latinLnBrk="0" hangingPunct="1">
+              <a:lnSpc>
+                <a:spcPct val="90000"/>
+              </a:lnSpc>
+              <a:spcBef>
+                <a:spcPts val="1000"/>
+              </a:spcBef>
+              <a:buFont typeface="Arial" panose="020B0604020202020204" pitchFamily="34" charset="0"/>
+              <a:buChar char="•"/>
+              <a:defRPr sz="2800" kern="1200" cap="small" baseline="0">
+                <a:solidFill>
+                  <a:schemeClr val="tx1"/>
+                </a:solidFill>
+                <a:latin typeface="+mn-lt"/>
+                <a:ea typeface="+mn-ea"/>
+                <a:cs typeface="+mn-cs"/>
+              </a:defRPr>
+            </a:lvl1pPr>
+            <a:lvl2pPr marL="685800" indent="-228600" algn="l" defTabSz="914400" rtl="0" eaLnBrk="1" latinLnBrk="0" hangingPunct="1">
+              <a:lnSpc>
+                <a:spcPct val="90000"/>
+              </a:lnSpc>
+              <a:spcBef>
+                <a:spcPts val="500"/>
+              </a:spcBef>
+              <a:buFont typeface="Arial" panose="020B0604020202020204" pitchFamily="34" charset="0"/>
+              <a:buChar char="•"/>
+              <a:defRPr sz="2400" kern="1200" cap="small" baseline="0">
+                <a:solidFill>
+                  <a:schemeClr val="tx1"/>
+                </a:solidFill>
+                <a:latin typeface="+mn-lt"/>
+                <a:ea typeface="+mn-ea"/>
+                <a:cs typeface="+mn-cs"/>
+              </a:defRPr>
+            </a:lvl2pPr>
+            <a:lvl3pPr marL="1143000" indent="-228600" algn="l" defTabSz="914400" rtl="0" eaLnBrk="1" latinLnBrk="0" hangingPunct="1">
+              <a:lnSpc>
+                <a:spcPct val="90000"/>
+              </a:lnSpc>
+              <a:spcBef>
+                <a:spcPts val="500"/>
+              </a:spcBef>
+              <a:buFont typeface="Arial" panose="020B0604020202020204" pitchFamily="34" charset="0"/>
+              <a:buChar char="•"/>
+              <a:defRPr sz="2000" kern="1200" cap="small" baseline="0">
+                <a:solidFill>
+                  <a:schemeClr val="tx1"/>
+                </a:solidFill>
+                <a:latin typeface="+mn-lt"/>
+                <a:ea typeface="+mn-ea"/>
+                <a:cs typeface="+mn-cs"/>
+              </a:defRPr>
+            </a:lvl3pPr>
+            <a:lvl4pPr marL="1600200" indent="-228600" algn="l" defTabSz="914400" rtl="0" eaLnBrk="1" latinLnBrk="0" hangingPunct="1">
+              <a:lnSpc>
+                <a:spcPct val="90000"/>
+              </a:lnSpc>
+              <a:spcBef>
+                <a:spcPts val="500"/>
+              </a:spcBef>
+              <a:buFont typeface="Arial" panose="020B0604020202020204" pitchFamily="34" charset="0"/>
+              <a:buChar char="•"/>
+              <a:defRPr sz="1800" kern="1200" cap="small" baseline="0">
+                <a:solidFill>
+                  <a:schemeClr val="tx1"/>
+                </a:solidFill>
+                <a:latin typeface="+mn-lt"/>
+                <a:ea typeface="+mn-ea"/>
+                <a:cs typeface="+mn-cs"/>
+              </a:defRPr>
+            </a:lvl4pPr>
+            <a:lvl5pPr marL="2057400" indent="-228600" algn="l" defTabSz="914400" rtl="0" eaLnBrk="1" latinLnBrk="0" hangingPunct="1">
+              <a:lnSpc>
+                <a:spcPct val="90000"/>
+              </a:lnSpc>
+              <a:spcBef>
+                <a:spcPts val="500"/>
+              </a:spcBef>
+              <a:buFont typeface="Arial" panose="020B0604020202020204" pitchFamily="34" charset="0"/>
+              <a:buChar char="•"/>
+              <a:defRPr sz="1800" kern="1200" cap="small" baseline="0">
+                <a:solidFill>
+                  <a:schemeClr val="tx1"/>
+                </a:solidFill>
+                <a:latin typeface="+mn-lt"/>
+                <a:ea typeface="+mn-ea"/>
+                <a:cs typeface="+mn-cs"/>
+              </a:defRPr>
+            </a:lvl5pPr>
+            <a:lvl6pPr marL="2514600" indent="-228600" algn="l" defTabSz="914400" rtl="0" eaLnBrk="1" latinLnBrk="0" hangingPunct="1">
+              <a:lnSpc>
+                <a:spcPct val="90000"/>
+              </a:lnSpc>
+              <a:spcBef>
+                <a:spcPts val="500"/>
+              </a:spcBef>
+              <a:buFont typeface="Arial" panose="020B0604020202020204" pitchFamily="34" charset="0"/>
+              <a:buChar char="•"/>
+              <a:defRPr sz="1800" kern="1200">
+                <a:solidFill>
+                  <a:schemeClr val="tx1"/>
+                </a:solidFill>
+                <a:latin typeface="+mn-lt"/>
+                <a:ea typeface="+mn-ea"/>
+                <a:cs typeface="+mn-cs"/>
+              </a:defRPr>
+            </a:lvl6pPr>
+            <a:lvl7pPr marL="2971800" indent="-228600" algn="l" defTabSz="914400" rtl="0" eaLnBrk="1" latinLnBrk="0" hangingPunct="1">
+              <a:lnSpc>
+                <a:spcPct val="90000"/>
+              </a:lnSpc>
+              <a:spcBef>
+                <a:spcPts val="500"/>
+              </a:spcBef>
+              <a:buFont typeface="Arial" panose="020B0604020202020204" pitchFamily="34" charset="0"/>
+              <a:buChar char="•"/>
+              <a:defRPr sz="1800" kern="1200">
+                <a:solidFill>
+                  <a:schemeClr val="tx1"/>
+                </a:solidFill>
+                <a:latin typeface="+mn-lt"/>
+                <a:ea typeface="+mn-ea"/>
+                <a:cs typeface="+mn-cs"/>
+              </a:defRPr>
+            </a:lvl7pPr>
+            <a:lvl8pPr marL="3429000" indent="-228600" algn="l" defTabSz="914400" rtl="0" eaLnBrk="1" latinLnBrk="0" hangingPunct="1">
+              <a:lnSpc>
+                <a:spcPct val="90000"/>
+              </a:lnSpc>
+              <a:spcBef>
+                <a:spcPts val="500"/>
+              </a:spcBef>
+              <a:buFont typeface="Arial" panose="020B0604020202020204" pitchFamily="34" charset="0"/>
+              <a:buChar char="•"/>
+              <a:defRPr sz="1800" kern="1200">
+                <a:solidFill>
+                  <a:schemeClr val="tx1"/>
+                </a:solidFill>
+                <a:latin typeface="+mn-lt"/>
+                <a:ea typeface="+mn-ea"/>
+                <a:cs typeface="+mn-cs"/>
+              </a:defRPr>
+            </a:lvl8pPr>
+            <a:lvl9pPr marL="3886200" indent="-228600" algn="l" defTabSz="914400" rtl="0" eaLnBrk="1" latinLnBrk="0" hangingPunct="1">
+              <a:lnSpc>
+                <a:spcPct val="90000"/>
+              </a:lnSpc>
+              <a:spcBef>
+                <a:spcPts val="500"/>
+              </a:spcBef>
+              <a:buFont typeface="Arial" panose="020B0604020202020204" pitchFamily="34" charset="0"/>
+              <a:buChar char="•"/>
+              <a:defRPr sz="1800" kern="1200">
+                <a:solidFill>
+                  <a:schemeClr val="tx1"/>
+                </a:solidFill>
+                <a:latin typeface="+mn-lt"/>
+                <a:ea typeface="+mn-ea"/>
+                <a:cs typeface="+mn-cs"/>
+              </a:defRPr>
+            </a:lvl9pPr>
+          </a:lstStyle>
+          <a:p>
+            <a:pPr marL="514350" indent="-514350">
+              <a:buFont typeface="+mj-lt"/>
+              <a:buAutoNum type="arabicPeriod"/>
+            </a:pPr>
+            <a:r>
+              <a:rPr lang="en-US" sz="2400" cap="none" dirty="0"/>
+              <a:t>IDE – Android Studio</a:t>
+            </a:r>
+          </a:p>
+          <a:p>
+            <a:pPr marL="514350" indent="-514350">
+              <a:buFont typeface="+mj-lt"/>
+              <a:buAutoNum type="arabicPeriod"/>
+            </a:pPr>
+            <a:r>
+              <a:rPr lang="ru-RU" sz="2400" cap="none" dirty="0"/>
+              <a:t>Язык программирования – </a:t>
+            </a:r>
+            <a:r>
+              <a:rPr lang="en-US" sz="2400" cap="none" dirty="0" err="1"/>
+              <a:t>Kotlin</a:t>
+            </a:r>
+            <a:endParaRPr lang="en-US" sz="2400" cap="none" dirty="0"/>
+          </a:p>
+          <a:p>
+            <a:pPr marL="514350" indent="-514350">
+              <a:buFont typeface="+mj-lt"/>
+              <a:buAutoNum type="arabicPeriod"/>
+            </a:pPr>
+            <a:r>
+              <a:rPr lang="ru-RU" sz="2400" cap="none" dirty="0"/>
+              <a:t>Верстка интерфейса- </a:t>
+            </a:r>
+            <a:r>
+              <a:rPr lang="en-US" sz="2400" cap="none" dirty="0"/>
+              <a:t>XML</a:t>
+            </a:r>
+            <a:endParaRPr lang="ru-RU" sz="2400" cap="none" dirty="0"/>
+          </a:p>
+          <a:p>
+            <a:pPr marL="514350" indent="-514350">
+              <a:buFont typeface="+mj-lt"/>
+              <a:buAutoNum type="arabicPeriod"/>
+            </a:pPr>
+            <a:r>
+              <a:rPr lang="ru-RU" sz="2400" cap="none" dirty="0"/>
+              <a:t>СУБД – </a:t>
+            </a:r>
+            <a:r>
+              <a:rPr lang="en-US" sz="2400" cap="none" dirty="0"/>
+              <a:t>SQLite</a:t>
+            </a:r>
+            <a:endParaRPr lang="ru-RU" sz="2400" cap="none" dirty="0"/>
+          </a:p>
+          <a:p>
+            <a:pPr marL="514350" indent="-514350">
+              <a:buFont typeface="+mj-lt"/>
+              <a:buAutoNum type="arabicPeriod"/>
+            </a:pPr>
+            <a:r>
+              <a:rPr lang="ru-RU" sz="2400" cap="none" dirty="0" smtClean="0"/>
+              <a:t>Вспомогательная библиотека</a:t>
+            </a:r>
+            <a:r>
+              <a:rPr lang="en-US" sz="2400" cap="none" dirty="0" smtClean="0"/>
+              <a:t> </a:t>
+            </a:r>
+            <a:r>
+              <a:rPr lang="en-US" sz="2400" cap="none" dirty="0"/>
+              <a:t>- Room</a:t>
+            </a:r>
+          </a:p>
+          <a:p>
+            <a:pPr marL="0" indent="0">
+              <a:buFont typeface="Arial" panose="020B0604020202020204" pitchFamily="34" charset="0"/>
+              <a:buNone/>
+            </a:pPr>
+            <a:endParaRPr lang="ru-RU" dirty="0"/>
+          </a:p>
+        </p:txBody>
+      </p:sp>
+      <p:pic>
+        <p:nvPicPr>
+          <p:cNvPr id="7" name="Рисунок 6"/>
+          <p:cNvPicPr>
+            <a:picLocks noChangeAspect="1"/>
+          </p:cNvPicPr>
+          <p:nvPr/>
+        </p:nvPicPr>
+        <p:blipFill>
+          <a:blip r:embed="rId2">
+            <a:extLst>
+              <a:ext uri="{28A0092B-C50C-407E-A947-70E740481C1C}">
+                <a14:useLocalDpi xmlns:a14="http://schemas.microsoft.com/office/drawing/2010/main" val="0"/>
+              </a:ext>
+            </a:extLst>
+          </a:blip>
+          <a:stretch>
+            <a:fillRect/>
+          </a:stretch>
+        </p:blipFill>
+        <p:spPr>
+          <a:xfrm>
+            <a:off x="6096000" y="1813374"/>
+            <a:ext cx="1570094" cy="1570094"/>
+          </a:xfrm>
+          <a:prstGeom prst="rect">
+            <a:avLst/>
+          </a:prstGeom>
+        </p:spPr>
+      </p:pic>
+      <p:pic>
+        <p:nvPicPr>
+          <p:cNvPr id="8" name="Рисунок 7"/>
+          <p:cNvPicPr>
+            <a:picLocks noChangeAspect="1"/>
+          </p:cNvPicPr>
+          <p:nvPr/>
+        </p:nvPicPr>
+        <p:blipFill>
+          <a:blip r:embed="rId3">
+            <a:extLst>
+              <a:ext uri="{28A0092B-C50C-407E-A947-70E740481C1C}">
+                <a14:useLocalDpi xmlns:a14="http://schemas.microsoft.com/office/drawing/2010/main" val="0"/>
+              </a:ext>
+            </a:extLst>
+          </a:blip>
+          <a:stretch>
+            <a:fillRect/>
+          </a:stretch>
+        </p:blipFill>
+        <p:spPr>
+          <a:xfrm>
+            <a:off x="8317040" y="1843632"/>
+            <a:ext cx="1509577" cy="1509577"/>
+          </a:xfrm>
+          <a:prstGeom prst="rect">
+            <a:avLst/>
+          </a:prstGeom>
+        </p:spPr>
+      </p:pic>
+      <p:pic>
+        <p:nvPicPr>
+          <p:cNvPr id="9" name="Рисунок 8"/>
+          <p:cNvPicPr>
+            <a:picLocks noChangeAspect="1"/>
+          </p:cNvPicPr>
+          <p:nvPr/>
+        </p:nvPicPr>
+        <p:blipFill>
+          <a:blip r:embed="rId4">
+            <a:extLst>
+              <a:ext uri="{28A0092B-C50C-407E-A947-70E740481C1C}">
+                <a14:useLocalDpi xmlns:a14="http://schemas.microsoft.com/office/drawing/2010/main" val="0"/>
+              </a:ext>
+            </a:extLst>
+          </a:blip>
+          <a:stretch>
+            <a:fillRect/>
+          </a:stretch>
+        </p:blipFill>
+        <p:spPr>
+          <a:xfrm>
+            <a:off x="7396948" y="3715820"/>
+            <a:ext cx="1470091" cy="1470091"/>
+          </a:xfrm>
+          <a:prstGeom prst="rect">
+            <a:avLst/>
+          </a:prstGeom>
+        </p:spPr>
+      </p:pic>
+      <p:pic>
+        <p:nvPicPr>
+          <p:cNvPr id="10" name="Рисунок 9"/>
+          <p:cNvPicPr>
+            <a:picLocks noChangeAspect="1"/>
+          </p:cNvPicPr>
+          <p:nvPr/>
+        </p:nvPicPr>
+        <p:blipFill>
+          <a:blip r:embed="rId5" cstate="hqprint">
+            <a:extLst>
+              <a:ext uri="{28A0092B-C50C-407E-A947-70E740481C1C}">
+                <a14:useLocalDpi xmlns:a14="http://schemas.microsoft.com/office/drawing/2010/main" val="0"/>
+              </a:ext>
+            </a:extLst>
+          </a:blip>
+          <a:stretch>
+            <a:fillRect/>
+          </a:stretch>
+        </p:blipFill>
+        <p:spPr>
+          <a:xfrm>
+            <a:off x="9826617" y="3802565"/>
+            <a:ext cx="1296603" cy="1296603"/>
+          </a:xfrm>
+          <a:prstGeom prst="rect">
+            <a:avLst/>
+          </a:prstGeom>
+        </p:spPr>
+      </p:pic>
+      <p:cxnSp>
+        <p:nvCxnSpPr>
+          <p:cNvPr id="12" name="Прямая со стрелкой 11"/>
+          <p:cNvCxnSpPr>
+            <a:stCxn id="7" idx="3"/>
+            <a:endCxn id="8" idx="1"/>
+          </p:cNvCxnSpPr>
+          <p:nvPr/>
+        </p:nvCxnSpPr>
+        <p:spPr>
+          <a:xfrm>
+            <a:off x="7666094" y="2598421"/>
+            <a:ext cx="650946" cy="0"/>
+          </a:xfrm>
+          <a:prstGeom prst="straightConnector1">
+            <a:avLst/>
+          </a:prstGeom>
+          <a:ln w="19050">
+            <a:tailEnd type="triangle"/>
+          </a:ln>
+        </p:spPr>
+        <p:style>
+          <a:lnRef idx="1">
+            <a:schemeClr val="dk1"/>
+          </a:lnRef>
+          <a:fillRef idx="0">
+            <a:schemeClr val="dk1"/>
+          </a:fillRef>
+          <a:effectRef idx="0">
+            <a:schemeClr val="dk1"/>
+          </a:effectRef>
+          <a:fontRef idx="minor">
+            <a:schemeClr val="tx1"/>
+          </a:fontRef>
+        </p:style>
+      </p:cxnSp>
+      <p:cxnSp>
+        <p:nvCxnSpPr>
+          <p:cNvPr id="15" name="Скругленная соединительная линия 14"/>
+          <p:cNvCxnSpPr>
+            <a:stCxn id="8" idx="3"/>
+            <a:endCxn id="9" idx="1"/>
+          </p:cNvCxnSpPr>
+          <p:nvPr/>
+        </p:nvCxnSpPr>
+        <p:spPr>
+          <a:xfrm flipH="1">
+            <a:off x="7396948" y="2598421"/>
+            <a:ext cx="2429669" cy="1852445"/>
+          </a:xfrm>
+          <a:prstGeom prst="curvedConnector5">
+            <a:avLst>
+              <a:gd name="adj1" fmla="val -10147"/>
+              <a:gd name="adj2" fmla="val 50533"/>
+              <a:gd name="adj3" fmla="val 110147"/>
+            </a:avLst>
+          </a:prstGeom>
+          <a:ln w="19050">
+            <a:tailEnd type="triangle"/>
+          </a:ln>
+        </p:spPr>
+        <p:style>
+          <a:lnRef idx="1">
+            <a:schemeClr val="dk1"/>
+          </a:lnRef>
+          <a:fillRef idx="0">
+            <a:schemeClr val="dk1"/>
+          </a:fillRef>
+          <a:effectRef idx="0">
+            <a:schemeClr val="dk1"/>
+          </a:effectRef>
+          <a:fontRef idx="minor">
+            <a:schemeClr val="tx1"/>
+          </a:fontRef>
+        </p:style>
+      </p:cxnSp>
+      <p:cxnSp>
+        <p:nvCxnSpPr>
+          <p:cNvPr id="17" name="Скругленная соединительная линия 16"/>
+          <p:cNvCxnSpPr>
+            <a:stCxn id="9" idx="3"/>
+            <a:endCxn id="10" idx="1"/>
+          </p:cNvCxnSpPr>
+          <p:nvPr/>
+        </p:nvCxnSpPr>
+        <p:spPr>
+          <a:xfrm>
+            <a:off x="8867039" y="4450866"/>
+            <a:ext cx="959578" cy="1"/>
+          </a:xfrm>
+          <a:prstGeom prst="curvedConnector3">
+            <a:avLst/>
+          </a:prstGeom>
+          <a:ln w="19050">
+            <a:tailEnd type="triangle"/>
+          </a:ln>
+        </p:spPr>
+        <p:style>
+          <a:lnRef idx="1">
+            <a:schemeClr val="dk1"/>
+          </a:lnRef>
+          <a:fillRef idx="0">
+            <a:schemeClr val="dk1"/>
+          </a:fillRef>
+          <a:effectRef idx="0">
+            <a:schemeClr val="dk1"/>
+          </a:effectRef>
+          <a:fontRef idx="minor">
+            <a:schemeClr val="tx1"/>
+          </a:fontRef>
+        </p:style>
+      </p:cxnSp>
+    </p:spTree>
+    <p:extLst>
+      <p:ext uri="{BB962C8B-B14F-4D97-AF65-F5344CB8AC3E}">
+        <p14:creationId xmlns:p14="http://schemas.microsoft.com/office/powerpoint/2010/main" val="2165787380"/>
+      </p:ext>
+    </p:extLst>
+  </p:cSld>
+  <p:clrMapOvr>
+    <a:masterClrMapping/>
+  </p:clrMapOvr>
+  <mc:AlternateContent xmlns:mc="http://schemas.openxmlformats.org/markup-compatibility/2006" xmlns:p14="http://schemas.microsoft.com/office/powerpoint/2010/main">
+    <mc:Choice Requires="p14">
+      <p:transition p14:dur="0"/>
+    </mc:Choice>
+    <mc:Fallback xmlns="">
+      <p:transition/>
+    </mc:Fallback>
+  </mc:AlternateContent>
   <p:timing>
     <p:tnLst>
       <p:par>
